--- a/teach/spring_21/1370/slides/week11_2.pptx
+++ b/teach/spring_21/1370/slides/week11_2.pptx
@@ -5,7 +5,7 @@
     <p:sldMasterId id="2147484020" r:id="rId1"/>
   </p:sldMasterIdLst>
   <p:notesMasterIdLst>
-    <p:notesMasterId r:id="rId14"/>
+    <p:notesMasterId r:id="rId16"/>
   </p:notesMasterIdLst>
   <p:sldIdLst>
     <p:sldId id="264" r:id="rId2"/>
@@ -18,8 +18,10 @@
     <p:sldId id="344" r:id="rId9"/>
     <p:sldId id="266" r:id="rId10"/>
     <p:sldId id="267" r:id="rId11"/>
-    <p:sldId id="268" r:id="rId12"/>
-    <p:sldId id="269" r:id="rId13"/>
+    <p:sldId id="347" r:id="rId12"/>
+    <p:sldId id="348" r:id="rId13"/>
+    <p:sldId id="349" r:id="rId14"/>
+    <p:sldId id="350" r:id="rId15"/>
   </p:sldIdLst>
   <p:sldSz cx="9144000" cy="6858000" type="screen4x3"/>
   <p:notesSz cx="6858000" cy="9144000"/>
@@ -726,87 +728,6 @@
 </inkml:ink>
 </file>
 
-<file path=ppt/ink/ink27.xml><?xml version="1.0" encoding="utf-8"?>
-<inkml:ink xmlns:inkml="http://www.w3.org/2003/InkML">
-  <inkml:definitions>
-    <inkml:context xml:id="ctx0">
-      <inkml:inkSource xml:id="inkSrc0">
-        <inkml:traceFormat>
-          <inkml:channel name="X" type="integer" min="-2.14748E9" max="2.14748E9" units="cm"/>
-          <inkml:channel name="Y" type="integer" min="-2.14748E9" max="2.14748E9" units="cm"/>
-          <inkml:channel name="F" type="integer" max="32767" units="dev"/>
-        </inkml:traceFormat>
-        <inkml:channelProperties>
-          <inkml:channelProperty channel="X" name="resolution" value="1000" units="1/cm"/>
-          <inkml:channelProperty channel="Y" name="resolution" value="1000" units="1/cm"/>
-          <inkml:channelProperty channel="F" name="resolution" value="0" units="1/dev"/>
-        </inkml:channelProperties>
-      </inkml:inkSource>
-      <inkml:timestamp xml:id="ts0" timeString="2021-04-01T16:41:00.067"/>
-    </inkml:context>
-    <inkml:brush xml:id="br0">
-      <inkml:brushProperty name="width" value="0.05" units="cm"/>
-      <inkml:brushProperty name="height" value="0.05" units="cm"/>
-    </inkml:brush>
-  </inkml:definitions>
-  <inkml:trace contextRef="#ctx0" brushRef="#br0">225 1 24575,'0'39'0,"-2"-9"0,-1 34 0,-1 7 0,0 2 0,0 1 0,1 3 0,2-19 0,0-2 0,-2 43 0,1-23 0,-1 0 0,-2 22 0,3-37 0,0 2 0,0 2 0,-1 1 0,2 13 0,1 1 0,-2-14 0,0 3 0,1 5 0,-1 7 0,1-10 0,-1-16 0,1-2 0,-1 35 0,0 2 0,0-27 0,0-3 0,0-2 0,-1 0 0,1-1 0,-1 1 0,0 10 0,0 2 0,1-1 0,1-1 0,-2-10 0,1 0 0,-1 11 0,-1-6 0,0-11 0,-5 41 0,5-31 0,0-8 0,0 5 0,0-2 0,0 1 0,-2 9 0,-1 4 0,0 21 0,-1 2 0,2-17 0,-1-2 0,2 2 0,-1-2 0,1-6 0,0-7 0,-1 6 0,2-14 0,0 0 0,1 16 0,-2 6 0,1-2 0,1-20 0,1-9 0,1-8 0,0-21 0,0 5 0,0-6 0,1 0 0,0-10 0,1-8 0,0-2 0</inkml:trace>
-</inkml:ink>
-</file>
-
-<file path=ppt/ink/ink28.xml><?xml version="1.0" encoding="utf-8"?>
-<inkml:ink xmlns:inkml="http://www.w3.org/2003/InkML">
-  <inkml:definitions>
-    <inkml:context xml:id="ctx0">
-      <inkml:inkSource xml:id="inkSrc0">
-        <inkml:traceFormat>
-          <inkml:channel name="X" type="integer" min="-2.14748E9" max="2.14748E9" units="cm"/>
-          <inkml:channel name="Y" type="integer" min="-2.14748E9" max="2.14748E9" units="cm"/>
-          <inkml:channel name="F" type="integer" max="32767" units="dev"/>
-        </inkml:traceFormat>
-        <inkml:channelProperties>
-          <inkml:channelProperty channel="X" name="resolution" value="1000" units="1/cm"/>
-          <inkml:channelProperty channel="Y" name="resolution" value="1000" units="1/cm"/>
-          <inkml:channelProperty channel="F" name="resolution" value="0" units="1/dev"/>
-        </inkml:channelProperties>
-      </inkml:inkSource>
-      <inkml:timestamp xml:id="ts0" timeString="2021-04-01T16:41:01.911"/>
-    </inkml:context>
-    <inkml:brush xml:id="br0">
-      <inkml:brushProperty name="width" value="0.05" units="cm"/>
-      <inkml:brushProperty name="height" value="0.05" units="cm"/>
-    </inkml:brush>
-  </inkml:definitions>
-  <inkml:trace contextRef="#ctx0" brushRef="#br0">1 13 24575,'17'-4'0,"-2"1"0,12-1 0,34 2 0,28 2 0,8 7 0,5 1 0,-32-4 0,3 1 0,7 4 0,8 1 0,-11-1 0,-22-2 0,-3 0 0,38 4 0,-1-1 0,2 1 0,-7-4 0,5-2 0,-20-1 0,2-1 0,-6-1 0,3 0 0,0 1 0,26 2 0,2 0 0,-20-1 0,2-1 0,-4 0 0,8 2 0,-3 0 0,8-2 0,2 0 0,9 2 0,-3-1 0,-31-2 0,0 0 0,5 1 0,6 0 0,1-1 0,5-1 0,1-1 0,-5 1 0,4-2 0,2 2 0,12 0 0,9 2 0,-11-1 0,-22-1 0,-2 1 0,1 2 0,5 0 0,-5 0 0,0-1 0,-2 0 0,30 1 0,-2-1 0,-43 1 0,-1-1 0,43 0 0,0 1 0,-45-2 0,0 1-216,36 2 1,1-1 215,-27-2 0,3 0 0,13 1 0,9 0 0,-7 0 0,-4 0 0,1 0 0,4 0 0,7 0 0,-1-1 0,-12 1 0,-2-1 0,0 0 0,-1 0 0,1 0 0,-1-1 0,-2 0 0,0 0 0,-2 1 0,30 0 0,-12 1 0,-9-2 0,-23 1 0,-3 0 0,-2-2 0,-9 0 0,10 0 431,-11 0-431,4 0 0,-4 0 0,0 0 0,7 0 0,-15 0 0,-9 1 0,-27-1 0,-25-4 0,15 3 0,-13-3 0</inkml:trace>
-</inkml:ink>
-</file>
-
-<file path=ppt/ink/ink29.xml><?xml version="1.0" encoding="utf-8"?>
-<inkml:ink xmlns:inkml="http://www.w3.org/2003/InkML">
-  <inkml:definitions>
-    <inkml:context xml:id="ctx0">
-      <inkml:inkSource xml:id="inkSrc0">
-        <inkml:traceFormat>
-          <inkml:channel name="X" type="integer" min="-2.14748E9" max="2.14748E9" units="cm"/>
-          <inkml:channel name="Y" type="integer" min="-2.14748E9" max="2.14748E9" units="cm"/>
-          <inkml:channel name="F" type="integer" max="32767" units="dev"/>
-        </inkml:traceFormat>
-        <inkml:channelProperties>
-          <inkml:channelProperty channel="X" name="resolution" value="1000" units="1/cm"/>
-          <inkml:channelProperty channel="Y" name="resolution" value="1000" units="1/cm"/>
-          <inkml:channelProperty channel="F" name="resolution" value="0" units="1/dev"/>
-        </inkml:channelProperties>
-      </inkml:inkSource>
-      <inkml:timestamp xml:id="ts0" timeString="2021-04-01T16:41:04.647"/>
-    </inkml:context>
-    <inkml:brush xml:id="br0">
-      <inkml:brushProperty name="width" value="0.05" units="cm"/>
-      <inkml:brushProperty name="height" value="0.05" units="cm"/>
-    </inkml:brush>
-  </inkml:definitions>
-  <inkml:trace contextRef="#ctx0" brushRef="#br0">0 0 24575,'10'6'0,"-2"-2"0,8 9 0,14 7 0,-4-2 0,17 4 0,-16-12 0,-7-2 0,-6-4 0,-12-1 0,-2-1 0,0 1 0,0 0 0,0 2 0,0-1 0,-3 3 0,-1 0 0,-1-1 0,1 0 0,-2 2 0,2-3 0,-4 9 0,5-6 0,-2 5 0,0-1 0,2-3 0,-2 3 0,3-6 0,0 2 0,-3-2 0,2 2 0,-2 1 0,1 4 0,3-1 0,-2-1 0,2-5 0,1-4 0,-1-2 0,1 1 0</inkml:trace>
-</inkml:ink>
-</file>
-
 <file path=ppt/ink/ink3.xml><?xml version="1.0" encoding="utf-8"?>
 <inkml:ink xmlns:inkml="http://www.w3.org/2003/InkML">
   <inkml:definitions>
@@ -831,276 +752,6 @@
     </inkml:brush>
   </inkml:definitions>
   <inkml:trace contextRef="#ctx0" brushRef="#br0">0 49 24575,'3'54'0,"-1"17"0,0-13 0,1 2 0,0 36 0,0-29 0,7-72 0,0-25 0,11-34 0,7 0 0,16-20 0,13 6 0,-7 16 0,-6 28 0,-25 30 0,-4 10 0,-5 5 0,3 20 0,2 9 0,3 16 0,7 20 0,-10-20 0,-1 1 0,-11-24 0,-2-20 0,1-8 0,3-21 0,11-27 0,33-41 0,-10 21 0,-6 20 0,1 2 0,14 0 0,1 8 0,0 0 0,-18 18 0,-6 14 0,9 67 0,-15-19 0,0 4 0,4 12 0,-1-2 0,11 28 0,-13-40 0,-9-36 0,5-3 0,15-19 0,42-24 0,8-11 0,-35 11 0,-1-1 0,36-13 0,-10-1 0,-35 0 0,-31 25 0,-4 3 0,-3 4 0,-3 5 0,-2 1 0,1 4 0,-4 2 0,4 3 0,-9 2 0,1 1 0,-13 18 0,6 14 0,-2 11 0,6 40 0,13-39 0,4 16 0,21-34 0,-2-15 0,35 1 0,-14-11 0,49-18 0,-42 2 0,9-9 0,-36 6 0,-14 8 0,1-9 0,-8-5 0,1 4 0,-2 1 0,2 13 0</inkml:trace>
-</inkml:ink>
-</file>
-
-<file path=ppt/ink/ink30.xml><?xml version="1.0" encoding="utf-8"?>
-<inkml:ink xmlns:inkml="http://www.w3.org/2003/InkML">
-  <inkml:definitions>
-    <inkml:context xml:id="ctx0">
-      <inkml:inkSource xml:id="inkSrc0">
-        <inkml:traceFormat>
-          <inkml:channel name="X" type="integer" min="-2.14748E9" max="2.14748E9" units="cm"/>
-          <inkml:channel name="Y" type="integer" min="-2.14748E9" max="2.14748E9" units="cm"/>
-          <inkml:channel name="F" type="integer" max="32767" units="dev"/>
-        </inkml:traceFormat>
-        <inkml:channelProperties>
-          <inkml:channelProperty channel="X" name="resolution" value="1000" units="1/cm"/>
-          <inkml:channelProperty channel="Y" name="resolution" value="1000" units="1/cm"/>
-          <inkml:channelProperty channel="F" name="resolution" value="0" units="1/dev"/>
-        </inkml:channelProperties>
-      </inkml:inkSource>
-      <inkml:timestamp xml:id="ts0" timeString="2021-04-01T16:41:05.367"/>
-    </inkml:context>
-    <inkml:brush xml:id="br0">
-      <inkml:brushProperty name="width" value="0.05" units="cm"/>
-      <inkml:brushProperty name="height" value="0.05" units="cm"/>
-    </inkml:brush>
-  </inkml:definitions>
-  <inkml:trace contextRef="#ctx0" brushRef="#br0">0 0 24575,'6'13'0,"45"56"0,-20-29 0,2 4 0,0 0 0,-2-7 0,-3 0 0,-11-16 0,-7-5 0,-7-11 0,-2-8 0,0-5 0,0 2 0,0 0 0</inkml:trace>
-</inkml:ink>
-</file>
-
-<file path=ppt/ink/ink31.xml><?xml version="1.0" encoding="utf-8"?>
-<inkml:ink xmlns:inkml="http://www.w3.org/2003/InkML">
-  <inkml:definitions>
-    <inkml:context xml:id="ctx0">
-      <inkml:inkSource xml:id="inkSrc0">
-        <inkml:traceFormat>
-          <inkml:channel name="X" type="integer" min="-2.14748E9" max="2.14748E9" units="cm"/>
-          <inkml:channel name="Y" type="integer" min="-2.14748E9" max="2.14748E9" units="cm"/>
-          <inkml:channel name="F" type="integer" max="32767" units="dev"/>
-        </inkml:traceFormat>
-        <inkml:channelProperties>
-          <inkml:channelProperty channel="X" name="resolution" value="1000" units="1/cm"/>
-          <inkml:channelProperty channel="Y" name="resolution" value="1000" units="1/cm"/>
-          <inkml:channelProperty channel="F" name="resolution" value="0" units="1/dev"/>
-        </inkml:channelProperties>
-      </inkml:inkSource>
-      <inkml:timestamp xml:id="ts0" timeString="2021-04-01T16:41:05.929"/>
-    </inkml:context>
-    <inkml:brush xml:id="br0">
-      <inkml:brushProperty name="width" value="0.05" units="cm"/>
-      <inkml:brushProperty name="height" value="0.05" units="cm"/>
-    </inkml:brush>
-  </inkml:definitions>
-  <inkml:trace contextRef="#ctx0" brushRef="#br0">344 1 24575,'-15'8'0,"-29"20"0,6-5 0,-25 19 0,30-22 0,-22 15 0,27-16 0,-10 7 0,23-13 0,8-9 0,1 1 0,5-5 0</inkml:trace>
-</inkml:ink>
-</file>
-
-<file path=ppt/ink/ink32.xml><?xml version="1.0" encoding="utf-8"?>
-<inkml:ink xmlns:inkml="http://www.w3.org/2003/InkML">
-  <inkml:definitions>
-    <inkml:context xml:id="ctx0">
-      <inkml:inkSource xml:id="inkSrc0">
-        <inkml:traceFormat>
-          <inkml:channel name="X" type="integer" min="-2.14748E9" max="2.14748E9" units="cm"/>
-          <inkml:channel name="Y" type="integer" min="-2.14748E9" max="2.14748E9" units="cm"/>
-          <inkml:channel name="F" type="integer" max="32767" units="dev"/>
-        </inkml:traceFormat>
-        <inkml:channelProperties>
-          <inkml:channelProperty channel="X" name="resolution" value="1000" units="1/cm"/>
-          <inkml:channelProperty channel="Y" name="resolution" value="1000" units="1/cm"/>
-          <inkml:channelProperty channel="F" name="resolution" value="0" units="1/dev"/>
-        </inkml:channelProperties>
-      </inkml:inkSource>
-      <inkml:timestamp xml:id="ts0" timeString="2021-04-01T16:41:06.578"/>
-    </inkml:context>
-    <inkml:brush xml:id="br0">
-      <inkml:brushProperty name="width" value="0.05" units="cm"/>
-      <inkml:brushProperty name="height" value="0.05" units="cm"/>
-    </inkml:brush>
-  </inkml:definitions>
-  <inkml:trace contextRef="#ctx0" brushRef="#br0">1 0 24575,'17'0'0,"-4"0"0,23 1 0,-13 0 0,20 0 0,-15-1 0,-3 0 0,-13 0 0,-12 0 0,-3 0 0,2 0 0,-1 0 0</inkml:trace>
-</inkml:ink>
-</file>
-
-<file path=ppt/ink/ink33.xml><?xml version="1.0" encoding="utf-8"?>
-<inkml:ink xmlns:inkml="http://www.w3.org/2003/InkML">
-  <inkml:definitions>
-    <inkml:context xml:id="ctx0">
-      <inkml:inkSource xml:id="inkSrc0">
-        <inkml:traceFormat>
-          <inkml:channel name="X" type="integer" min="-2.14748E9" max="2.14748E9" units="cm"/>
-          <inkml:channel name="Y" type="integer" min="-2.14748E9" max="2.14748E9" units="cm"/>
-          <inkml:channel name="F" type="integer" max="32767" units="dev"/>
-        </inkml:traceFormat>
-        <inkml:channelProperties>
-          <inkml:channelProperty channel="X" name="resolution" value="1000" units="1/cm"/>
-          <inkml:channelProperty channel="Y" name="resolution" value="1000" units="1/cm"/>
-          <inkml:channelProperty channel="F" name="resolution" value="0" units="1/dev"/>
-        </inkml:channelProperties>
-      </inkml:inkSource>
-      <inkml:timestamp xml:id="ts0" timeString="2021-04-01T16:41:07.826"/>
-    </inkml:context>
-    <inkml:brush xml:id="br0">
-      <inkml:brushProperty name="width" value="0.05" units="cm"/>
-      <inkml:brushProperty name="height" value="0.05" units="cm"/>
-    </inkml:brush>
-  </inkml:definitions>
-  <inkml:trace contextRef="#ctx0" brushRef="#br0">287 12 24575,'-4'-5'0,"1"1"0,-1 2 0,-47 1 0,26 2 0,-56 7 0,51 2 0,-9 8 0,15 9 0,12-8 0,1 9 0,8-3 0,3-10 0,3 6 0,0-18 0,10-2 0,-2-6 0,20-8 0,-10 1 0,8-4 0,-12 4 0,0 0 0,-7 2 0,3-5 0,-10 8 0,3-3 0,-5 8 0,0 0 0,1 0 0,-5 12 0,1 0 0,-6 36 0,2-4 0,0 14 0,3-28 0,6-18 0,6-23 0,-3 3 0,2 0 0</inkml:trace>
-</inkml:ink>
-</file>
-
-<file path=ppt/ink/ink34.xml><?xml version="1.0" encoding="utf-8"?>
-<inkml:ink xmlns:inkml="http://www.w3.org/2003/InkML">
-  <inkml:definitions>
-    <inkml:context xml:id="ctx0">
-      <inkml:inkSource xml:id="inkSrc0">
-        <inkml:traceFormat>
-          <inkml:channel name="X" type="integer" min="-2.14748E9" max="2.14748E9" units="cm"/>
-          <inkml:channel name="Y" type="integer" min="-2.14748E9" max="2.14748E9" units="cm"/>
-          <inkml:channel name="F" type="integer" max="32767" units="dev"/>
-        </inkml:traceFormat>
-        <inkml:channelProperties>
-          <inkml:channelProperty channel="X" name="resolution" value="1000" units="1/cm"/>
-          <inkml:channelProperty channel="Y" name="resolution" value="1000" units="1/cm"/>
-          <inkml:channelProperty channel="F" name="resolution" value="0" units="1/dev"/>
-        </inkml:channelProperties>
-      </inkml:inkSource>
-      <inkml:timestamp xml:id="ts0" timeString="2021-04-01T16:41:08.297"/>
-    </inkml:context>
-    <inkml:brush xml:id="br0">
-      <inkml:brushProperty name="width" value="0.05" units="cm"/>
-      <inkml:brushProperty name="height" value="0.05" units="cm"/>
-    </inkml:brush>
-  </inkml:definitions>
-  <inkml:trace contextRef="#ctx0" brushRef="#br0">0 1 24575,'13'40'0,"1"-7"0,-2-7 0,2-7 0,-10-11 0,2 0 0,-4-6 0,6-3 0,-6 0 0,4-1 0</inkml:trace>
-</inkml:ink>
-</file>
-
-<file path=ppt/ink/ink35.xml><?xml version="1.0" encoding="utf-8"?>
-<inkml:ink xmlns:inkml="http://www.w3.org/2003/InkML">
-  <inkml:definitions>
-    <inkml:context xml:id="ctx0">
-      <inkml:inkSource xml:id="inkSrc0">
-        <inkml:traceFormat>
-          <inkml:channel name="X" type="integer" min="-2.14748E9" max="2.14748E9" units="cm"/>
-          <inkml:channel name="Y" type="integer" min="-2.14748E9" max="2.14748E9" units="cm"/>
-          <inkml:channel name="F" type="integer" max="32767" units="dev"/>
-        </inkml:traceFormat>
-        <inkml:channelProperties>
-          <inkml:channelProperty channel="X" name="resolution" value="1000" units="1/cm"/>
-          <inkml:channelProperty channel="Y" name="resolution" value="1000" units="1/cm"/>
-          <inkml:channelProperty channel="F" name="resolution" value="0" units="1/dev"/>
-        </inkml:channelProperties>
-      </inkml:inkSource>
-      <inkml:timestamp xml:id="ts0" timeString="2021-04-01T16:41:08.894"/>
-    </inkml:context>
-    <inkml:brush xml:id="br0">
-      <inkml:brushProperty name="width" value="0.05" units="cm"/>
-      <inkml:brushProperty name="height" value="0.05" units="cm"/>
-    </inkml:brush>
-  </inkml:definitions>
-  <inkml:trace contextRef="#ctx0" brushRef="#br0">184 0 24575,'-7'7'0,"-8"7"0,-3-1 0,-13 8 0,10-7 0,-13 8 0,13-2 0,0-2 0,9-3 0,8-11 0,12-3 0,-5-2 0,7-1 0</inkml:trace>
-</inkml:ink>
-</file>
-
-<file path=ppt/ink/ink36.xml><?xml version="1.0" encoding="utf-8"?>
-<inkml:ink xmlns:inkml="http://www.w3.org/2003/InkML">
-  <inkml:definitions>
-    <inkml:context xml:id="ctx0">
-      <inkml:inkSource xml:id="inkSrc0">
-        <inkml:traceFormat>
-          <inkml:channel name="X" type="integer" min="-2.14748E9" max="2.14748E9" units="cm"/>
-          <inkml:channel name="Y" type="integer" min="-2.14748E9" max="2.14748E9" units="cm"/>
-          <inkml:channel name="F" type="integer" max="32767" units="dev"/>
-        </inkml:traceFormat>
-        <inkml:channelProperties>
-          <inkml:channelProperty channel="X" name="resolution" value="1000" units="1/cm"/>
-          <inkml:channelProperty channel="Y" name="resolution" value="1000" units="1/cm"/>
-          <inkml:channelProperty channel="F" name="resolution" value="0" units="1/dev"/>
-        </inkml:channelProperties>
-      </inkml:inkSource>
-      <inkml:timestamp xml:id="ts0" timeString="2021-04-01T16:41:09.314"/>
-    </inkml:context>
-    <inkml:brush xml:id="br0">
-      <inkml:brushProperty name="width" value="0.05" units="cm"/>
-      <inkml:brushProperty name="height" value="0.05" units="cm"/>
-    </inkml:brush>
-  </inkml:definitions>
-  <inkml:trace contextRef="#ctx0" brushRef="#br0">1 0 24575,'0'9'0,"2"5"0,0-5 0,0 10 0,-2-11 0,0 7 0,1-7 0,0-2 0,-1-3 0,0-2 0</inkml:trace>
-</inkml:ink>
-</file>
-
-<file path=ppt/ink/ink37.xml><?xml version="1.0" encoding="utf-8"?>
-<inkml:ink xmlns:inkml="http://www.w3.org/2003/InkML">
-  <inkml:definitions>
-    <inkml:context xml:id="ctx0">
-      <inkml:inkSource xml:id="inkSrc0">
-        <inkml:traceFormat>
-          <inkml:channel name="X" type="integer" min="-2.14748E9" max="2.14748E9" units="cm"/>
-          <inkml:channel name="Y" type="integer" min="-2.14748E9" max="2.14748E9" units="cm"/>
-          <inkml:channel name="F" type="integer" max="32767" units="dev"/>
-        </inkml:traceFormat>
-        <inkml:channelProperties>
-          <inkml:channelProperty channel="X" name="resolution" value="1000" units="1/cm"/>
-          <inkml:channelProperty channel="Y" name="resolution" value="1000" units="1/cm"/>
-          <inkml:channelProperty channel="F" name="resolution" value="0" units="1/dev"/>
-        </inkml:channelProperties>
-      </inkml:inkSource>
-      <inkml:timestamp xml:id="ts0" timeString="2021-04-01T16:41:09.670"/>
-    </inkml:context>
-    <inkml:brush xml:id="br0">
-      <inkml:brushProperty name="width" value="0.05" units="cm"/>
-      <inkml:brushProperty name="height" value="0.05" units="cm"/>
-    </inkml:brush>
-  </inkml:definitions>
-  <inkml:trace contextRef="#ctx0" brushRef="#br0">1 0 24575,'1'11'0,"0"-3"0,-1 1 0,0-3 0,15 10 0,-11-11 0,11 7 0</inkml:trace>
-</inkml:ink>
-</file>
-
-<file path=ppt/ink/ink38.xml><?xml version="1.0" encoding="utf-8"?>
-<inkml:ink xmlns:inkml="http://www.w3.org/2003/InkML">
-  <inkml:definitions>
-    <inkml:context xml:id="ctx0">
-      <inkml:inkSource xml:id="inkSrc0">
-        <inkml:traceFormat>
-          <inkml:channel name="X" type="integer" min="-2.14748E9" max="2.14748E9" units="cm"/>
-          <inkml:channel name="Y" type="integer" min="-2.14748E9" max="2.14748E9" units="cm"/>
-          <inkml:channel name="F" type="integer" max="32767" units="dev"/>
-        </inkml:traceFormat>
-        <inkml:channelProperties>
-          <inkml:channelProperty channel="X" name="resolution" value="1000" units="1/cm"/>
-          <inkml:channelProperty channel="Y" name="resolution" value="1000" units="1/cm"/>
-          <inkml:channelProperty channel="F" name="resolution" value="0" units="1/dev"/>
-        </inkml:channelProperties>
-      </inkml:inkSource>
-      <inkml:timestamp xml:id="ts0" timeString="2021-04-01T16:41:10.595"/>
-    </inkml:context>
-    <inkml:brush xml:id="br0">
-      <inkml:brushProperty name="width" value="0.05" units="cm"/>
-      <inkml:brushProperty name="height" value="0.05" units="cm"/>
-    </inkml:brush>
-  </inkml:definitions>
-  <inkml:trace contextRef="#ctx0" brushRef="#br0">80 2 24575,'-9'-1'0,"3"0"0,1 1 0,-4 5 0,4 5 0,-2-3 0,4 4 0,3-7 0,0-1 0,3 4 0,11 12 0,-3-4 0,17 17 0,-19-18 0,4 8 0,-10-7 0,-3 1 0,1-2 0,-2 0 0,-1-6 0,-1 0 0,-3-5 0,-1 0 0,-1-1 0,-2 2 0,-1-2 0,-11 1 0,5-2 0,-2 0 0,10-1 0,7-1 0,1-3 0,1-1 0,0 0 0,0 1 0</inkml:trace>
-</inkml:ink>
-</file>
-
-<file path=ppt/ink/ink39.xml><?xml version="1.0" encoding="utf-8"?>
-<inkml:ink xmlns:inkml="http://www.w3.org/2003/InkML">
-  <inkml:definitions>
-    <inkml:context xml:id="ctx0">
-      <inkml:inkSource xml:id="inkSrc0">
-        <inkml:traceFormat>
-          <inkml:channel name="X" type="integer" min="-2.14748E9" max="2.14748E9" units="cm"/>
-          <inkml:channel name="Y" type="integer" min="-2.14748E9" max="2.14748E9" units="cm"/>
-          <inkml:channel name="F" type="integer" max="32767" units="dev"/>
-        </inkml:traceFormat>
-        <inkml:channelProperties>
-          <inkml:channelProperty channel="X" name="resolution" value="1000" units="1/cm"/>
-          <inkml:channelProperty channel="Y" name="resolution" value="1000" units="1/cm"/>
-          <inkml:channelProperty channel="F" name="resolution" value="0" units="1/dev"/>
-        </inkml:channelProperties>
-      </inkml:inkSource>
-      <inkml:timestamp xml:id="ts0" timeString="2021-04-01T16:41:11.431"/>
-    </inkml:context>
-    <inkml:brush xml:id="br0">
-      <inkml:brushProperty name="width" value="0.05" units="cm"/>
-      <inkml:brushProperty name="height" value="0.05" units="cm"/>
-    </inkml:brush>
-  </inkml:definitions>
-  <inkml:trace contextRef="#ctx0" brushRef="#br0">1 0 24575,'9'0'0,"8"1"0,-6 0 0,3 0 0,-14-1 0,-1 1 0,-2 1 0,0 0 0,1-1 0</inkml:trace>
 </inkml:ink>
 </file>
 
@@ -1131,276 +782,6 @@
 </inkml:ink>
 </file>
 
-<file path=ppt/ink/ink40.xml><?xml version="1.0" encoding="utf-8"?>
-<inkml:ink xmlns:inkml="http://www.w3.org/2003/InkML">
-  <inkml:definitions>
-    <inkml:context xml:id="ctx0">
-      <inkml:inkSource xml:id="inkSrc0">
-        <inkml:traceFormat>
-          <inkml:channel name="X" type="integer" min="-2.14748E9" max="2.14748E9" units="cm"/>
-          <inkml:channel name="Y" type="integer" min="-2.14748E9" max="2.14748E9" units="cm"/>
-          <inkml:channel name="F" type="integer" max="32767" units="dev"/>
-        </inkml:traceFormat>
-        <inkml:channelProperties>
-          <inkml:channelProperty channel="X" name="resolution" value="1000" units="1/cm"/>
-          <inkml:channelProperty channel="Y" name="resolution" value="1000" units="1/cm"/>
-          <inkml:channelProperty channel="F" name="resolution" value="0" units="1/dev"/>
-        </inkml:channelProperties>
-      </inkml:inkSource>
-      <inkml:timestamp xml:id="ts0" timeString="2021-04-01T16:41:12.745"/>
-    </inkml:context>
-    <inkml:brush xml:id="br0">
-      <inkml:brushProperty name="width" value="0.05" units="cm"/>
-      <inkml:brushProperty name="height" value="0.05" units="cm"/>
-    </inkml:brush>
-  </inkml:definitions>
-  <inkml:trace contextRef="#ctx0" brushRef="#br0">236 0 24575,'-37'12'0,"-3"-2"0,-8 4 0,-4 2 0,19-3 0,16-8 0,9 0 0,17-11 0</inkml:trace>
-</inkml:ink>
-</file>
-
-<file path=ppt/ink/ink41.xml><?xml version="1.0" encoding="utf-8"?>
-<inkml:ink xmlns:inkml="http://www.w3.org/2003/InkML">
-  <inkml:definitions>
-    <inkml:context xml:id="ctx0">
-      <inkml:inkSource xml:id="inkSrc0">
-        <inkml:traceFormat>
-          <inkml:channel name="X" type="integer" min="-2.14748E9" max="2.14748E9" units="cm"/>
-          <inkml:channel name="Y" type="integer" min="-2.14748E9" max="2.14748E9" units="cm"/>
-          <inkml:channel name="F" type="integer" max="32767" units="dev"/>
-        </inkml:traceFormat>
-        <inkml:channelProperties>
-          <inkml:channelProperty channel="X" name="resolution" value="1000" units="1/cm"/>
-          <inkml:channelProperty channel="Y" name="resolution" value="1000" units="1/cm"/>
-          <inkml:channelProperty channel="F" name="resolution" value="0" units="1/dev"/>
-        </inkml:channelProperties>
-      </inkml:inkSource>
-      <inkml:timestamp xml:id="ts0" timeString="2021-04-01T16:41:13.177"/>
-    </inkml:context>
-    <inkml:brush xml:id="br0">
-      <inkml:brushProperty name="width" value="0.05" units="cm"/>
-      <inkml:brushProperty name="height" value="0.05" units="cm"/>
-    </inkml:brush>
-  </inkml:definitions>
-  <inkml:trace contextRef="#ctx0" brushRef="#br0">0 0 24575,'10'11'0,"25"27"0,-7-14 0,8 13 0,-22-28 0,-13-8 0,-2-1 0</inkml:trace>
-</inkml:ink>
-</file>
-
-<file path=ppt/ink/ink42.xml><?xml version="1.0" encoding="utf-8"?>
-<inkml:ink xmlns:inkml="http://www.w3.org/2003/InkML">
-  <inkml:definitions>
-    <inkml:context xml:id="ctx0">
-      <inkml:inkSource xml:id="inkSrc0">
-        <inkml:traceFormat>
-          <inkml:channel name="X" type="integer" min="-2.14748E9" max="2.14748E9" units="cm"/>
-          <inkml:channel name="Y" type="integer" min="-2.14748E9" max="2.14748E9" units="cm"/>
-          <inkml:channel name="F" type="integer" max="32767" units="dev"/>
-        </inkml:traceFormat>
-        <inkml:channelProperties>
-          <inkml:channelProperty channel="X" name="resolution" value="1000" units="1/cm"/>
-          <inkml:channelProperty channel="Y" name="resolution" value="1000" units="1/cm"/>
-          <inkml:channelProperty channel="F" name="resolution" value="0" units="1/dev"/>
-        </inkml:channelProperties>
-      </inkml:inkSource>
-      <inkml:timestamp xml:id="ts0" timeString="2021-04-01T16:41:13.659"/>
-    </inkml:context>
-    <inkml:brush xml:id="br0">
-      <inkml:brushProperty name="width" value="0.05" units="cm"/>
-      <inkml:brushProperty name="height" value="0.05" units="cm"/>
-    </inkml:brush>
-  </inkml:definitions>
-  <inkml:trace contextRef="#ctx0" brushRef="#br0">1 1 24575,'2'9'0,"7"17"0,4-1 0,24 32 0,-15-26 0,13 13 0,-25-32 0,-3 0 0,-4-10 0,-2 1 0,3-3 0,-3 1 0,2-2 0</inkml:trace>
-</inkml:ink>
-</file>
-
-<file path=ppt/ink/ink43.xml><?xml version="1.0" encoding="utf-8"?>
-<inkml:ink xmlns:inkml="http://www.w3.org/2003/InkML">
-  <inkml:definitions>
-    <inkml:context xml:id="ctx0">
-      <inkml:inkSource xml:id="inkSrc0">
-        <inkml:traceFormat>
-          <inkml:channel name="X" type="integer" min="-2.14748E9" max="2.14748E9" units="cm"/>
-          <inkml:channel name="Y" type="integer" min="-2.14748E9" max="2.14748E9" units="cm"/>
-          <inkml:channel name="F" type="integer" max="32767" units="dev"/>
-        </inkml:traceFormat>
-        <inkml:channelProperties>
-          <inkml:channelProperty channel="X" name="resolution" value="1000" units="1/cm"/>
-          <inkml:channelProperty channel="Y" name="resolution" value="1000" units="1/cm"/>
-          <inkml:channelProperty channel="F" name="resolution" value="0" units="1/dev"/>
-        </inkml:channelProperties>
-      </inkml:inkSource>
-      <inkml:timestamp xml:id="ts0" timeString="2021-04-01T16:41:14.426"/>
-    </inkml:context>
-    <inkml:brush xml:id="br0">
-      <inkml:brushProperty name="width" value="0.05" units="cm"/>
-      <inkml:brushProperty name="height" value="0.05" units="cm"/>
-    </inkml:brush>
-  </inkml:definitions>
-  <inkml:trace contextRef="#ctx0" brushRef="#br0">191 1 24575,'-8'4'0,"-12"7"0,2-1 0,-12 10 0,7-3 0,-9 12 0,13-8 0,1-1 0,12-13 0,5 41 0,-2-14 0,0 39 0,-2-21 0,3-15 0,0-4 0,2-25 0,3-7 0,-2-4 0,3-1 0</inkml:trace>
-</inkml:ink>
-</file>
-
-<file path=ppt/ink/ink44.xml><?xml version="1.0" encoding="utf-8"?>
-<inkml:ink xmlns:inkml="http://www.w3.org/2003/InkML">
-  <inkml:definitions>
-    <inkml:context xml:id="ctx0">
-      <inkml:inkSource xml:id="inkSrc0">
-        <inkml:traceFormat>
-          <inkml:channel name="X" type="integer" min="-2.14748E9" max="2.14748E9" units="cm"/>
-          <inkml:channel name="Y" type="integer" min="-2.14748E9" max="2.14748E9" units="cm"/>
-          <inkml:channel name="F" type="integer" max="32767" units="dev"/>
-        </inkml:traceFormat>
-        <inkml:channelProperties>
-          <inkml:channelProperty channel="X" name="resolution" value="1000" units="1/cm"/>
-          <inkml:channelProperty channel="Y" name="resolution" value="1000" units="1/cm"/>
-          <inkml:channelProperty channel="F" name="resolution" value="0" units="1/dev"/>
-        </inkml:channelProperties>
-      </inkml:inkSource>
-      <inkml:timestamp xml:id="ts0" timeString="2021-04-01T16:41:14.875"/>
-    </inkml:context>
-    <inkml:brush xml:id="br0">
-      <inkml:brushProperty name="width" value="0.05" units="cm"/>
-      <inkml:brushProperty name="height" value="0.05" units="cm"/>
-    </inkml:brush>
-  </inkml:definitions>
-  <inkml:trace contextRef="#ctx0" brushRef="#br0">0 1 24575,'15'0'0,"34"1"0,8 1 0,10 1 0,-2 0 0,-4-1 0,-25-1 0,-17-1 0</inkml:trace>
-</inkml:ink>
-</file>
-
-<file path=ppt/ink/ink45.xml><?xml version="1.0" encoding="utf-8"?>
-<inkml:ink xmlns:inkml="http://www.w3.org/2003/InkML">
-  <inkml:definitions>
-    <inkml:context xml:id="ctx0">
-      <inkml:inkSource xml:id="inkSrc0">
-        <inkml:traceFormat>
-          <inkml:channel name="X" type="integer" min="-2.14748E9" max="2.14748E9" units="cm"/>
-          <inkml:channel name="Y" type="integer" min="-2.14748E9" max="2.14748E9" units="cm"/>
-          <inkml:channel name="F" type="integer" max="32767" units="dev"/>
-        </inkml:traceFormat>
-        <inkml:channelProperties>
-          <inkml:channelProperty channel="X" name="resolution" value="1000" units="1/cm"/>
-          <inkml:channelProperty channel="Y" name="resolution" value="1000" units="1/cm"/>
-          <inkml:channelProperty channel="F" name="resolution" value="0" units="1/dev"/>
-        </inkml:channelProperties>
-      </inkml:inkSource>
-      <inkml:timestamp xml:id="ts0" timeString="2021-04-01T16:41:15.928"/>
-    </inkml:context>
-    <inkml:brush xml:id="br0">
-      <inkml:brushProperty name="width" value="0.05" units="cm"/>
-      <inkml:brushProperty name="height" value="0.05" units="cm"/>
-    </inkml:brush>
-  </inkml:definitions>
-  <inkml:trace contextRef="#ctx0" brushRef="#br0">128 1 24575,'-21'4'0,"6"0"0,-16 21 0,14-2 0,-9 26 0,15-14 0,4 13 0,8-29 0,4 1 0,0-19 0,4 0 0,2-2 0,7-1 0,39-22 0,-20 3 0,24-15 0,-40 13 0,-8 4 0,-8 8 0,-1 3 0,-4 8 0,0 13 0,0 7 0,3 32 0,5 18 0,4-4 0,-1-11 0,-4-34 0,-6-25 0,-3-7 0,2 2 0,-1-1 0</inkml:trace>
-</inkml:ink>
-</file>
-
-<file path=ppt/ink/ink46.xml><?xml version="1.0" encoding="utf-8"?>
-<inkml:ink xmlns:inkml="http://www.w3.org/2003/InkML">
-  <inkml:definitions>
-    <inkml:context xml:id="ctx0">
-      <inkml:inkSource xml:id="inkSrc0">
-        <inkml:traceFormat>
-          <inkml:channel name="X" type="integer" min="-2.14748E9" max="2.14748E9" units="cm"/>
-          <inkml:channel name="Y" type="integer" min="-2.14748E9" max="2.14748E9" units="cm"/>
-          <inkml:channel name="F" type="integer" max="32767" units="dev"/>
-        </inkml:traceFormat>
-        <inkml:channelProperties>
-          <inkml:channelProperty channel="X" name="resolution" value="1000" units="1/cm"/>
-          <inkml:channelProperty channel="Y" name="resolution" value="1000" units="1/cm"/>
-          <inkml:channelProperty channel="F" name="resolution" value="0" units="1/dev"/>
-        </inkml:channelProperties>
-      </inkml:inkSource>
-      <inkml:timestamp xml:id="ts0" timeString="2021-04-01T16:41:16.330"/>
-    </inkml:context>
-    <inkml:brush xml:id="br0">
-      <inkml:brushProperty name="width" value="0.05" units="cm"/>
-      <inkml:brushProperty name="height" value="0.05" units="cm"/>
-    </inkml:brush>
-  </inkml:definitions>
-  <inkml:trace contextRef="#ctx0" brushRef="#br0">1 0 24575,'12'11'0,"17"12"0,2 5 0,27 26 0,-21-17 0,11 11 0,-32-31 0,2-11 0,-18-7 0,1-8 0</inkml:trace>
-</inkml:ink>
-</file>
-
-<file path=ppt/ink/ink47.xml><?xml version="1.0" encoding="utf-8"?>
-<inkml:ink xmlns:inkml="http://www.w3.org/2003/InkML">
-  <inkml:definitions>
-    <inkml:context xml:id="ctx0">
-      <inkml:inkSource xml:id="inkSrc0">
-        <inkml:traceFormat>
-          <inkml:channel name="X" type="integer" min="-2.14748E9" max="2.14748E9" units="cm"/>
-          <inkml:channel name="Y" type="integer" min="-2.14748E9" max="2.14748E9" units="cm"/>
-          <inkml:channel name="F" type="integer" max="32767" units="dev"/>
-        </inkml:traceFormat>
-        <inkml:channelProperties>
-          <inkml:channelProperty channel="X" name="resolution" value="1000" units="1/cm"/>
-          <inkml:channelProperty channel="Y" name="resolution" value="1000" units="1/cm"/>
-          <inkml:channelProperty channel="F" name="resolution" value="0" units="1/dev"/>
-        </inkml:channelProperties>
-      </inkml:inkSource>
-      <inkml:timestamp xml:id="ts0" timeString="2021-04-01T16:41:16.911"/>
-    </inkml:context>
-    <inkml:brush xml:id="br0">
-      <inkml:brushProperty name="width" value="0.05" units="cm"/>
-      <inkml:brushProperty name="height" value="0.05" units="cm"/>
-    </inkml:brush>
-  </inkml:definitions>
-  <inkml:trace contextRef="#ctx0" brushRef="#br0">180 0 24575,'-23'16'0,"-8"8"0,12-8 0,-7 6 0,7-7 0,4-2 0,4-3 0,-1 3 0,3-4 0,0 0 0,4-3 0,4-4 0,3-1 0,3-1 0,-2 0 0,2-1 0</inkml:trace>
-</inkml:ink>
-</file>
-
-<file path=ppt/ink/ink48.xml><?xml version="1.0" encoding="utf-8"?>
-<inkml:ink xmlns:inkml="http://www.w3.org/2003/InkML">
-  <inkml:definitions>
-    <inkml:context xml:id="ctx0">
-      <inkml:inkSource xml:id="inkSrc0">
-        <inkml:traceFormat>
-          <inkml:channel name="X" type="integer" min="-2.14748E9" max="2.14748E9" units="cm"/>
-          <inkml:channel name="Y" type="integer" min="-2.14748E9" max="2.14748E9" units="cm"/>
-          <inkml:channel name="F" type="integer" max="32767" units="dev"/>
-        </inkml:traceFormat>
-        <inkml:channelProperties>
-          <inkml:channelProperty channel="X" name="resolution" value="1000" units="1/cm"/>
-          <inkml:channelProperty channel="Y" name="resolution" value="1000" units="1/cm"/>
-          <inkml:channelProperty channel="F" name="resolution" value="0" units="1/dev"/>
-        </inkml:channelProperties>
-      </inkml:inkSource>
-      <inkml:timestamp xml:id="ts0" timeString="2021-04-01T16:41:17.394"/>
-    </inkml:context>
-    <inkml:brush xml:id="br0">
-      <inkml:brushProperty name="width" value="0.05" units="cm"/>
-      <inkml:brushProperty name="height" value="0.05" units="cm"/>
-    </inkml:brush>
-  </inkml:definitions>
-  <inkml:trace contextRef="#ctx0" brushRef="#br0">1 0 24575,'1'11'0,"4"12"0,0-5 0,3 7 0,-2-11 0,-2-6 0,-2-3 0,-2-4 0,0 0 0</inkml:trace>
-</inkml:ink>
-</file>
-
-<file path=ppt/ink/ink49.xml><?xml version="1.0" encoding="utf-8"?>
-<inkml:ink xmlns:inkml="http://www.w3.org/2003/InkML">
-  <inkml:definitions>
-    <inkml:context xml:id="ctx0">
-      <inkml:inkSource xml:id="inkSrc0">
-        <inkml:traceFormat>
-          <inkml:channel name="X" type="integer" min="-2.14748E9" max="2.14748E9" units="cm"/>
-          <inkml:channel name="Y" type="integer" min="-2.14748E9" max="2.14748E9" units="cm"/>
-          <inkml:channel name="F" type="integer" max="32767" units="dev"/>
-        </inkml:traceFormat>
-        <inkml:channelProperties>
-          <inkml:channelProperty channel="X" name="resolution" value="1000" units="1/cm"/>
-          <inkml:channelProperty channel="Y" name="resolution" value="1000" units="1/cm"/>
-          <inkml:channelProperty channel="F" name="resolution" value="0" units="1/dev"/>
-        </inkml:channelProperties>
-      </inkml:inkSource>
-      <inkml:timestamp xml:id="ts0" timeString="2021-04-01T16:41:17.781"/>
-    </inkml:context>
-    <inkml:brush xml:id="br0">
-      <inkml:brushProperty name="width" value="0.05" units="cm"/>
-      <inkml:brushProperty name="height" value="0.05" units="cm"/>
-    </inkml:brush>
-  </inkml:definitions>
-  <inkml:trace contextRef="#ctx0" brushRef="#br0">0 0 24575,'1'7'0,"1"0"0,-1-4 0,0 1 0,0-3 0,-1 0 0</inkml:trace>
-</inkml:ink>
-</file>
-
 <file path=ppt/ink/ink5.xml><?xml version="1.0" encoding="utf-8"?>
 <inkml:ink xmlns:inkml="http://www.w3.org/2003/InkML">
   <inkml:definitions>
@@ -1425,276 +806,6 @@
     </inkml:brush>
   </inkml:definitions>
   <inkml:trace contextRef="#ctx0" brushRef="#br0">1 63 24575,'43'1'0,"15"1"0,7-4 0,3-2 0,31-4 0,-42-2 0,-6-2 0,-13 0 0,-20-2 0,-18 12 0,-1 1 0,-2 1 0,-10 9 0,2 1 0,-31 44 0,16-15 0,-14 26 0,7 13 0,9-3 0,10-26 0,2-1 0,-1 13 0,7-22 0,0-31 0,0-7 0,-5-8 0,-5-6 0,3 5 0,17 4 0,9 9 0,30 8 0,9-3 0,14-1 0,4-1 0,18-3 0,-20-1 0,-8-2 0,-26-9 0,-17-6 0,-18 5 0,-1 0 0,-10 4 0,8 3 0,-8-1 0</inkml:trace>
-</inkml:ink>
-</file>
-
-<file path=ppt/ink/ink50.xml><?xml version="1.0" encoding="utf-8"?>
-<inkml:ink xmlns:inkml="http://www.w3.org/2003/InkML">
-  <inkml:definitions>
-    <inkml:context xml:id="ctx0">
-      <inkml:inkSource xml:id="inkSrc0">
-        <inkml:traceFormat>
-          <inkml:channel name="X" type="integer" min="-2.14748E9" max="2.14748E9" units="cm"/>
-          <inkml:channel name="Y" type="integer" min="-2.14748E9" max="2.14748E9" units="cm"/>
-          <inkml:channel name="F" type="integer" max="32767" units="dev"/>
-        </inkml:traceFormat>
-        <inkml:channelProperties>
-          <inkml:channelProperty channel="X" name="resolution" value="1000" units="1/cm"/>
-          <inkml:channelProperty channel="Y" name="resolution" value="1000" units="1/cm"/>
-          <inkml:channelProperty channel="F" name="resolution" value="0" units="1/dev"/>
-        </inkml:channelProperties>
-      </inkml:inkSource>
-      <inkml:timestamp xml:id="ts0" timeString="2021-04-01T16:41:18.859"/>
-    </inkml:context>
-    <inkml:brush xml:id="br0">
-      <inkml:brushProperty name="width" value="0.05" units="cm"/>
-      <inkml:brushProperty name="height" value="0.05" units="cm"/>
-    </inkml:brush>
-  </inkml:definitions>
-  <inkml:trace contextRef="#ctx0" brushRef="#br0">138 1 24575,'-19'3'0,"0"3"0,10-1 0,0 4 0,6-4 0,-1 1 0,3 1 0,0-2 0,-1 11 0,2-7 0,-2 10 0,5-7 0,0-2 0,14 8 0,-6-9 0,7 4 0,-11-8 0,-3-1 0,-1-1 0,-2 0 0,0-1 0,-1 1 0,0 0 0,-1 2 0,-2 4 0,-2 0 0,-2 3 0,-1-6 0,1 0 0,0-4 0,1 0 0,-3 0 0,0-1 0,0 1 0,-5-2 0,5 1 0,0-1 0,5-3 0,0 2 0,-8-9 0,8 7 0,-6-4 0</inkml:trace>
-</inkml:ink>
-</file>
-
-<file path=ppt/ink/ink51.xml><?xml version="1.0" encoding="utf-8"?>
-<inkml:ink xmlns:inkml="http://www.w3.org/2003/InkML">
-  <inkml:definitions>
-    <inkml:context xml:id="ctx0">
-      <inkml:inkSource xml:id="inkSrc0">
-        <inkml:traceFormat>
-          <inkml:channel name="X" type="integer" min="-2.14748E9" max="2.14748E9" units="cm"/>
-          <inkml:channel name="Y" type="integer" min="-2.14748E9" max="2.14748E9" units="cm"/>
-          <inkml:channel name="F" type="integer" max="32767" units="dev"/>
-        </inkml:traceFormat>
-        <inkml:channelProperties>
-          <inkml:channelProperty channel="X" name="resolution" value="1000" units="1/cm"/>
-          <inkml:channelProperty channel="Y" name="resolution" value="1000" units="1/cm"/>
-          <inkml:channelProperty channel="F" name="resolution" value="0" units="1/dev"/>
-        </inkml:channelProperties>
-      </inkml:inkSource>
-      <inkml:timestamp xml:id="ts0" timeString="2021-04-01T16:41:19.839"/>
-    </inkml:context>
-    <inkml:brush xml:id="br0">
-      <inkml:brushProperty name="width" value="0.05" units="cm"/>
-      <inkml:brushProperty name="height" value="0.05" units="cm"/>
-    </inkml:brush>
-  </inkml:definitions>
-  <inkml:trace contextRef="#ctx0" brushRef="#br0">1 0 24575,'11'0'0,"-3"0"0,-2 0 0,-3 0 0,5 1 0,2-1 0,18 2 0,-13-2 0,7 1 0,-19-1 0,-2 0 0,-6 0 0,3 0 0,-2 0 0</inkml:trace>
-</inkml:ink>
-</file>
-
-<file path=ppt/ink/ink52.xml><?xml version="1.0" encoding="utf-8"?>
-<inkml:ink xmlns:inkml="http://www.w3.org/2003/InkML">
-  <inkml:definitions>
-    <inkml:context xml:id="ctx0">
-      <inkml:inkSource xml:id="inkSrc0">
-        <inkml:traceFormat>
-          <inkml:channel name="X" type="integer" min="-2.14748E9" max="2.14748E9" units="cm"/>
-          <inkml:channel name="Y" type="integer" min="-2.14748E9" max="2.14748E9" units="cm"/>
-          <inkml:channel name="F" type="integer" max="32767" units="dev"/>
-        </inkml:traceFormat>
-        <inkml:channelProperties>
-          <inkml:channelProperty channel="X" name="resolution" value="1000" units="1/cm"/>
-          <inkml:channelProperty channel="Y" name="resolution" value="1000" units="1/cm"/>
-          <inkml:channelProperty channel="F" name="resolution" value="0" units="1/dev"/>
-        </inkml:channelProperties>
-      </inkml:inkSource>
-      <inkml:timestamp xml:id="ts0" timeString="2021-04-01T16:41:21.021"/>
-    </inkml:context>
-    <inkml:brush xml:id="br0">
-      <inkml:brushProperty name="width" value="0.05" units="cm"/>
-      <inkml:brushProperty name="height" value="0.05" units="cm"/>
-    </inkml:brush>
-  </inkml:definitions>
-  <inkml:trace contextRef="#ctx0" brushRef="#br0">27 1 24575,'-6'8'0,"-3"10"0,5-6 0,-2 5 0,5-10 0,0 3 0,1-7 0,0 3 0</inkml:trace>
-</inkml:ink>
-</file>
-
-<file path=ppt/ink/ink53.xml><?xml version="1.0" encoding="utf-8"?>
-<inkml:ink xmlns:inkml="http://www.w3.org/2003/InkML">
-  <inkml:definitions>
-    <inkml:context xml:id="ctx0">
-      <inkml:inkSource xml:id="inkSrc0">
-        <inkml:traceFormat>
-          <inkml:channel name="X" type="integer" min="-2.14748E9" max="2.14748E9" units="cm"/>
-          <inkml:channel name="Y" type="integer" min="-2.14748E9" max="2.14748E9" units="cm"/>
-          <inkml:channel name="F" type="integer" max="32767" units="dev"/>
-        </inkml:traceFormat>
-        <inkml:channelProperties>
-          <inkml:channelProperty channel="X" name="resolution" value="1000" units="1/cm"/>
-          <inkml:channelProperty channel="Y" name="resolution" value="1000" units="1/cm"/>
-          <inkml:channelProperty channel="F" name="resolution" value="0" units="1/dev"/>
-        </inkml:channelProperties>
-      </inkml:inkSource>
-      <inkml:timestamp xml:id="ts0" timeString="2021-04-01T16:41:22.281"/>
-    </inkml:context>
-    <inkml:brush xml:id="br0">
-      <inkml:brushProperty name="width" value="0.05" units="cm"/>
-      <inkml:brushProperty name="height" value="0.05" units="cm"/>
-    </inkml:brush>
-  </inkml:definitions>
-  <inkml:trace contextRef="#ctx0" brushRef="#br0">31 0 24575,'-2'8'0,"0"4"0,-2 4 0,0 2 0,-2 4 0,0 0 0,3-10 0,-1 1 0,4-12 0,0 0 0</inkml:trace>
-</inkml:ink>
-</file>
-
-<file path=ppt/ink/ink54.xml><?xml version="1.0" encoding="utf-8"?>
-<inkml:ink xmlns:inkml="http://www.w3.org/2003/InkML">
-  <inkml:definitions>
-    <inkml:context xml:id="ctx0">
-      <inkml:inkSource xml:id="inkSrc0">
-        <inkml:traceFormat>
-          <inkml:channel name="X" type="integer" min="-2.14748E9" max="2.14748E9" units="cm"/>
-          <inkml:channel name="Y" type="integer" min="-2.14748E9" max="2.14748E9" units="cm"/>
-          <inkml:channel name="F" type="integer" max="32767" units="dev"/>
-        </inkml:traceFormat>
-        <inkml:channelProperties>
-          <inkml:channelProperty channel="X" name="resolution" value="1000" units="1/cm"/>
-          <inkml:channelProperty channel="Y" name="resolution" value="1000" units="1/cm"/>
-          <inkml:channelProperty channel="F" name="resolution" value="0" units="1/dev"/>
-        </inkml:channelProperties>
-      </inkml:inkSource>
-      <inkml:timestamp xml:id="ts0" timeString="2021-04-01T16:41:22.962"/>
-    </inkml:context>
-    <inkml:brush xml:id="br0">
-      <inkml:brushProperty name="width" value="0.05" units="cm"/>
-      <inkml:brushProperty name="height" value="0.05" units="cm"/>
-    </inkml:brush>
-  </inkml:definitions>
-  <inkml:trace contextRef="#ctx0" brushRef="#br0">54 0 24575,'-9'24'0,"-6"20"0,4-16 0,-4 18 0,11-31 0,6-4 0,-1-11 0,3-3 0</inkml:trace>
-</inkml:ink>
-</file>
-
-<file path=ppt/ink/ink55.xml><?xml version="1.0" encoding="utf-8"?>
-<inkml:ink xmlns:inkml="http://www.w3.org/2003/InkML">
-  <inkml:definitions>
-    <inkml:context xml:id="ctx0">
-      <inkml:inkSource xml:id="inkSrc0">
-        <inkml:traceFormat>
-          <inkml:channel name="X" type="integer" min="-2.14748E9" max="2.14748E9" units="cm"/>
-          <inkml:channel name="Y" type="integer" min="-2.14748E9" max="2.14748E9" units="cm"/>
-          <inkml:channel name="F" type="integer" max="32767" units="dev"/>
-        </inkml:traceFormat>
-        <inkml:channelProperties>
-          <inkml:channelProperty channel="X" name="resolution" value="1000" units="1/cm"/>
-          <inkml:channelProperty channel="Y" name="resolution" value="1000" units="1/cm"/>
-          <inkml:channelProperty channel="F" name="resolution" value="0" units="1/dev"/>
-        </inkml:channelProperties>
-      </inkml:inkSource>
-      <inkml:timestamp xml:id="ts0" timeString="2021-04-01T16:41:23.758"/>
-    </inkml:context>
-    <inkml:brush xml:id="br0">
-      <inkml:brushProperty name="width" value="0.05" units="cm"/>
-      <inkml:brushProperty name="height" value="0.05" units="cm"/>
-    </inkml:brush>
-  </inkml:definitions>
-  <inkml:trace contextRef="#ctx0" brushRef="#br0">16 1 24575,'-4'30'0,"3"-10"0,-2 20 0,2-7 0,-1-1 0,0-9 0,0-7 0</inkml:trace>
-</inkml:ink>
-</file>
-
-<file path=ppt/ink/ink56.xml><?xml version="1.0" encoding="utf-8"?>
-<inkml:ink xmlns:inkml="http://www.w3.org/2003/InkML">
-  <inkml:definitions>
-    <inkml:context xml:id="ctx0">
-      <inkml:inkSource xml:id="inkSrc0">
-        <inkml:traceFormat>
-          <inkml:channel name="X" type="integer" min="-2.14748E9" max="2.14748E9" units="cm"/>
-          <inkml:channel name="Y" type="integer" min="-2.14748E9" max="2.14748E9" units="cm"/>
-          <inkml:channel name="F" type="integer" max="32767" units="dev"/>
-        </inkml:traceFormat>
-        <inkml:channelProperties>
-          <inkml:channelProperty channel="X" name="resolution" value="1000" units="1/cm"/>
-          <inkml:channelProperty channel="Y" name="resolution" value="1000" units="1/cm"/>
-          <inkml:channelProperty channel="F" name="resolution" value="0" units="1/dev"/>
-        </inkml:channelProperties>
-      </inkml:inkSource>
-      <inkml:timestamp xml:id="ts0" timeString="2021-04-01T16:41:24.779"/>
-    </inkml:context>
-    <inkml:brush xml:id="br0">
-      <inkml:brushProperty name="width" value="0.05" units="cm"/>
-      <inkml:brushProperty name="height" value="0.05" units="cm"/>
-    </inkml:brush>
-  </inkml:definitions>
-  <inkml:trace contextRef="#ctx0" brushRef="#br0">92 24 24575,'13'-8'0,"4"0"0,-7 3 0,2 3 0,-11 5 0,2 11 0,-4 20 0,-6 9 0,-20 37 0,9-42 0,-11 11 0,23-44 0,-7 0 0,5-2 0,-9 4 0,4-1 0,4 0 0,12-3 0,34-1 0,-12-2 0,14 1 0,-29-1 0,35 5 0,-3 0 0,47 4 0,-41-4 0,-9-3 0,-33-2 0,-8 0 0</inkml:trace>
-</inkml:ink>
-</file>
-
-<file path=ppt/ink/ink57.xml><?xml version="1.0" encoding="utf-8"?>
-<inkml:ink xmlns:inkml="http://www.w3.org/2003/InkML">
-  <inkml:definitions>
-    <inkml:context xml:id="ctx0">
-      <inkml:inkSource xml:id="inkSrc0">
-        <inkml:traceFormat>
-          <inkml:channel name="X" type="integer" min="-2.14748E9" max="2.14748E9" units="cm"/>
-          <inkml:channel name="Y" type="integer" min="-2.14748E9" max="2.14748E9" units="cm"/>
-          <inkml:channel name="F" type="integer" max="32767" units="dev"/>
-        </inkml:traceFormat>
-        <inkml:channelProperties>
-          <inkml:channelProperty channel="X" name="resolution" value="1000" units="1/cm"/>
-          <inkml:channelProperty channel="Y" name="resolution" value="1000" units="1/cm"/>
-          <inkml:channelProperty channel="F" name="resolution" value="0" units="1/dev"/>
-        </inkml:channelProperties>
-      </inkml:inkSource>
-      <inkml:timestamp xml:id="ts0" timeString="2021-04-01T16:41:25.543"/>
-    </inkml:context>
-    <inkml:brush xml:id="br0">
-      <inkml:brushProperty name="width" value="0.05" units="cm"/>
-      <inkml:brushProperty name="height" value="0.05" units="cm"/>
-    </inkml:brush>
-  </inkml:definitions>
-  <inkml:trace contextRef="#ctx0" brushRef="#br0">37 0 24575,'-6'33'0,"-2"16"0,-1-13 0,2 2 0,2-16 0,4-17 0,1-3 0</inkml:trace>
-</inkml:ink>
-</file>
-
-<file path=ppt/ink/ink58.xml><?xml version="1.0" encoding="utf-8"?>
-<inkml:ink xmlns:inkml="http://www.w3.org/2003/InkML">
-  <inkml:definitions>
-    <inkml:context xml:id="ctx0">
-      <inkml:inkSource xml:id="inkSrc0">
-        <inkml:traceFormat>
-          <inkml:channel name="X" type="integer" min="-2.14748E9" max="2.14748E9" units="cm"/>
-          <inkml:channel name="Y" type="integer" min="-2.14748E9" max="2.14748E9" units="cm"/>
-          <inkml:channel name="F" type="integer" max="32767" units="dev"/>
-        </inkml:traceFormat>
-        <inkml:channelProperties>
-          <inkml:channelProperty channel="X" name="resolution" value="1000" units="1/cm"/>
-          <inkml:channelProperty channel="Y" name="resolution" value="1000" units="1/cm"/>
-          <inkml:channelProperty channel="F" name="resolution" value="0" units="1/dev"/>
-        </inkml:channelProperties>
-      </inkml:inkSource>
-      <inkml:timestamp xml:id="ts0" timeString="2021-04-01T16:41:26.845"/>
-    </inkml:context>
-    <inkml:brush xml:id="br0">
-      <inkml:brushProperty name="width" value="0.05" units="cm"/>
-      <inkml:brushProperty name="height" value="0.05" units="cm"/>
-    </inkml:brush>
-  </inkml:definitions>
-  <inkml:trace contextRef="#ctx0" brushRef="#br0">185 4 24575,'11'-1'0,"10"0"0,-4-1 0,21 4 0,-7 2 0,23 9 0,-25-4 0,2 4 0,-26 4 0,-2-3 0,0 17 0,-1-18 0,-2 4 0,-18-11 0,0 2 0,-35 14 0,33-12 0,-11 7 0,38-15 0,-3 13 0,2-4 0,-5 21 0,-1-14 0,0 6 0,-1-13 0,0-5 0,-2-3 0,-3 4 0,-3 9 0,-13 7 0,2 0 0,-4-5 0,7-9 0,-1-6 0,-2-1 0,-4-1 0,0 0 0,-30 0 0,31 1 0,-16-3 0,37 1 0,3-2 0</inkml:trace>
-</inkml:ink>
-</file>
-
-<file path=ppt/ink/ink59.xml><?xml version="1.0" encoding="utf-8"?>
-<inkml:ink xmlns:inkml="http://www.w3.org/2003/InkML">
-  <inkml:definitions>
-    <inkml:context xml:id="ctx0">
-      <inkml:inkSource xml:id="inkSrc0">
-        <inkml:traceFormat>
-          <inkml:channel name="X" type="integer" min="-2.14748E9" max="2.14748E9" units="cm"/>
-          <inkml:channel name="Y" type="integer" min="-2.14748E9" max="2.14748E9" units="cm"/>
-          <inkml:channel name="F" type="integer" max="32767" units="dev"/>
-        </inkml:traceFormat>
-        <inkml:channelProperties>
-          <inkml:channelProperty channel="X" name="resolution" value="1000" units="1/cm"/>
-          <inkml:channelProperty channel="Y" name="resolution" value="1000" units="1/cm"/>
-          <inkml:channelProperty channel="F" name="resolution" value="0" units="1/dev"/>
-        </inkml:channelProperties>
-      </inkml:inkSource>
-      <inkml:timestamp xml:id="ts0" timeString="2021-04-01T16:41:27.908"/>
-    </inkml:context>
-    <inkml:brush xml:id="br0">
-      <inkml:brushProperty name="width" value="0.05" units="cm"/>
-      <inkml:brushProperty name="height" value="0.05" units="cm"/>
-    </inkml:brush>
-  </inkml:definitions>
-  <inkml:trace contextRef="#ctx0" brushRef="#br0">1 0 24575,'29'2'0,"5"0"0,-17-1 0,5 1 0,-18-2 0,0 0 0</inkml:trace>
 </inkml:ink>
 </file>
 
@@ -1725,281 +836,6 @@
 </inkml:ink>
 </file>
 
-<file path=ppt/ink/ink60.xml><?xml version="1.0" encoding="utf-8"?>
-<inkml:ink xmlns:inkml="http://www.w3.org/2003/InkML">
-  <inkml:definitions>
-    <inkml:context xml:id="ctx0">
-      <inkml:inkSource xml:id="inkSrc0">
-        <inkml:traceFormat>
-          <inkml:channel name="X" type="integer" min="-2.14748E9" max="2.14748E9" units="cm"/>
-          <inkml:channel name="Y" type="integer" min="-2.14748E9" max="2.14748E9" units="cm"/>
-          <inkml:channel name="F" type="integer" max="32767" units="dev"/>
-        </inkml:traceFormat>
-        <inkml:channelProperties>
-          <inkml:channelProperty channel="X" name="resolution" value="1000" units="1/cm"/>
-          <inkml:channelProperty channel="Y" name="resolution" value="1000" units="1/cm"/>
-          <inkml:channelProperty channel="F" name="resolution" value="0" units="1/dev"/>
-        </inkml:channelProperties>
-      </inkml:inkSource>
-      <inkml:timestamp xml:id="ts0" timeString="2021-04-01T16:41:28.465"/>
-    </inkml:context>
-    <inkml:brush xml:id="br0">
-      <inkml:brushProperty name="width" value="0.05" units="cm"/>
-      <inkml:brushProperty name="height" value="0.05" units="cm"/>
-    </inkml:brush>
-  </inkml:definitions>
-  <inkml:trace contextRef="#ctx0" brushRef="#br0">55 1 24575,'-10'44'0,"-4"12"0,3-18 0,0 4 0,5-19 0,3-12 0,5-7 0,4-10 0,13-16 0,-10 11 0,7-7 0</inkml:trace>
-</inkml:ink>
-</file>
-
-<file path=ppt/ink/ink61.xml><?xml version="1.0" encoding="utf-8"?>
-<inkml:ink xmlns:inkml="http://www.w3.org/2003/InkML">
-  <inkml:definitions>
-    <inkml:context xml:id="ctx0">
-      <inkml:inkSource xml:id="inkSrc0">
-        <inkml:traceFormat>
-          <inkml:channel name="X" type="integer" min="-2.14748E9" max="2.14748E9" units="cm"/>
-          <inkml:channel name="Y" type="integer" min="-2.14748E9" max="2.14748E9" units="cm"/>
-          <inkml:channel name="F" type="integer" max="32767" units="dev"/>
-        </inkml:traceFormat>
-        <inkml:channelProperties>
-          <inkml:channelProperty channel="X" name="resolution" value="1000" units="1/cm"/>
-          <inkml:channelProperty channel="Y" name="resolution" value="1000" units="1/cm"/>
-          <inkml:channelProperty channel="F" name="resolution" value="0" units="1/dev"/>
-        </inkml:channelProperties>
-      </inkml:inkSource>
-      <inkml:timestamp xml:id="ts0" timeString="2021-04-01T16:41:29.326"/>
-    </inkml:context>
-    <inkml:brush xml:id="br0">
-      <inkml:brushProperty name="width" value="0.05" units="cm"/>
-      <inkml:brushProperty name="height" value="0.05" units="cm"/>
-    </inkml:brush>
-  </inkml:definitions>
-  <inkml:trace contextRef="#ctx0" brushRef="#br0">0 15 24575,'45'-1'0,"11"-3"0,-28 4 0,5-3 0,-30 2 0,-4 1 0,-6-1 0,-10-1 0,7 1 0,-3 0 0</inkml:trace>
-</inkml:ink>
-</file>
-
-<file path=ppt/ink/ink62.xml><?xml version="1.0" encoding="utf-8"?>
-<inkml:ink xmlns:inkml="http://www.w3.org/2003/InkML">
-  <inkml:definitions>
-    <inkml:context xml:id="ctx0">
-      <inkml:inkSource xml:id="inkSrc0">
-        <inkml:traceFormat>
-          <inkml:channel name="X" type="integer" min="-2.14748E9" max="2.14748E9" units="cm"/>
-          <inkml:channel name="Y" type="integer" min="-2.14748E9" max="2.14748E9" units="cm"/>
-          <inkml:channel name="F" type="integer" max="32767" units="dev"/>
-        </inkml:traceFormat>
-        <inkml:channelProperties>
-          <inkml:channelProperty channel="X" name="resolution" value="1000" units="1/cm"/>
-          <inkml:channelProperty channel="Y" name="resolution" value="1000" units="1/cm"/>
-          <inkml:channelProperty channel="F" name="resolution" value="0" units="1/dev"/>
-        </inkml:channelProperties>
-      </inkml:inkSource>
-      <inkml:timestamp xml:id="ts0" timeString="2021-04-01T16:41:30.260"/>
-    </inkml:context>
-    <inkml:brush xml:id="br0">
-      <inkml:brushProperty name="width" value="0.05" units="cm"/>
-      <inkml:brushProperty name="height" value="0.05" units="cm"/>
-    </inkml:brush>
-  </inkml:definitions>
-  <inkml:trace contextRef="#ctx0" brushRef="#br0">73 53 24575,'39'-15'0,"22"-4"0,-23 9 0,5 2 0,-33 12 0,-9 7 0,0 4 0,-15 20 0,-1-11 0,-29 27 0,6-25 0,-18 14 0,11-13 0,14-7 0,9-4 0,23-13 0,4-1 0,35 0 0,-12 0 0,23 1 0,-12 1 0,4 0 0,2 1 0,9 0 0,-28-2 0,-2-2 0,-20-2 0,-5 0 0,1 0 0</inkml:trace>
-</inkml:ink>
-</file>
-
-<file path=ppt/ink/ink63.xml><?xml version="1.0" encoding="utf-8"?>
-<inkml:ink xmlns:inkml="http://www.w3.org/2003/InkML">
-  <inkml:definitions>
-    <inkml:context xml:id="ctx0">
-      <inkml:inkSource xml:id="inkSrc0">
-        <inkml:traceFormat>
-          <inkml:channel name="X" type="integer" min="-2.14748E9" max="2.14748E9" units="cm"/>
-          <inkml:channel name="Y" type="integer" min="-2.14748E9" max="2.14748E9" units="cm"/>
-          <inkml:channel name="F" type="integer" max="32767" units="dev"/>
-        </inkml:traceFormat>
-        <inkml:channelProperties>
-          <inkml:channelProperty channel="X" name="resolution" value="1000" units="1/cm"/>
-          <inkml:channelProperty channel="Y" name="resolution" value="1000" units="1/cm"/>
-          <inkml:channelProperty channel="F" name="resolution" value="0" units="1/dev"/>
-        </inkml:channelProperties>
-      </inkml:inkSource>
-      <inkml:timestamp xml:id="ts0" timeString="2021-04-01T16:41:30.997"/>
-    </inkml:context>
-    <inkml:brush xml:id="br0">
-      <inkml:brushProperty name="width" value="0.05" units="cm"/>
-      <inkml:brushProperty name="height" value="0.05" units="cm"/>
-    </inkml:brush>
-  </inkml:definitions>
-  <inkml:trace contextRef="#ctx0" brushRef="#br0">0 8 24575,'18'-1'0,"1"0"0,-9 0 0,8 0 0,1-1 0,48 2 0,-11-1 0,18 1 0,-43 0 0,-20 0 0,-20 0 0,5 0 0,-3 0 0</inkml:trace>
-</inkml:ink>
-</file>
-
-<file path=ppt/ink/ink64.xml><?xml version="1.0" encoding="utf-8"?>
-<inkml:ink xmlns:inkml="http://www.w3.org/2003/InkML">
-  <inkml:definitions>
-    <inkml:context xml:id="ctx0">
-      <inkml:inkSource xml:id="inkSrc0">
-        <inkml:traceFormat>
-          <inkml:channel name="X" type="integer" min="-2.14748E9" max="2.14748E9" units="cm"/>
-          <inkml:channel name="Y" type="integer" min="-2.14748E9" max="2.14748E9" units="cm"/>
-          <inkml:channel name="F" type="integer" max="32767" units="dev"/>
-        </inkml:traceFormat>
-        <inkml:channelProperties>
-          <inkml:channelProperty channel="X" name="resolution" value="1000" units="1/cm"/>
-          <inkml:channelProperty channel="Y" name="resolution" value="1000" units="1/cm"/>
-          <inkml:channelProperty channel="F" name="resolution" value="0" units="1/dev"/>
-        </inkml:channelProperties>
-      </inkml:inkSource>
-      <inkml:timestamp xml:id="ts0" timeString="2021-04-01T16:41:32.093"/>
-    </inkml:context>
-    <inkml:brush xml:id="br0">
-      <inkml:brushProperty name="width" value="0.05" units="cm"/>
-      <inkml:brushProperty name="height" value="0.05" units="cm"/>
-    </inkml:brush>
-  </inkml:definitions>
-  <inkml:trace contextRef="#ctx0" brushRef="#br0">25 0 24575,'30'0'0,"-1"0"0,-15 0 0,-1 0 0,-7 4 0,7 10 0,-4 0 0,0 12 0,-10-12 0,-20 18 0,3-14 0,-27 20 0,22-20 0,-5 1 0,25-12 0,8-4 0,20-1 0,1 0 0,23 7 0,-20-3 0,4 15 0,-25-7 0,-2 7 0,-8 2 0,-3-8 0,-19 17 0,9-19 0,-24 6 0,22-15 0,-5 0 0,-8-3 0,18 0 0,-9-2 0,19 1 0,2-1 0</inkml:trace>
-</inkml:ink>
-</file>
-
-<file path=ppt/ink/ink65.xml><?xml version="1.0" encoding="utf-8"?>
-<inkml:ink xmlns:inkml="http://www.w3.org/2003/InkML">
-  <inkml:definitions>
-    <inkml:context xml:id="ctx0">
-      <inkml:inkSource xml:id="inkSrc0">
-        <inkml:traceFormat>
-          <inkml:channel name="X" type="integer" min="-2.14748E9" max="2.14748E9" units="cm"/>
-          <inkml:channel name="Y" type="integer" min="-2.14748E9" max="2.14748E9" units="cm"/>
-          <inkml:channel name="F" type="integer" max="32767" units="dev"/>
-        </inkml:traceFormat>
-        <inkml:channelProperties>
-          <inkml:channelProperty channel="X" name="resolution" value="1000" units="1/cm"/>
-          <inkml:channelProperty channel="Y" name="resolution" value="1000" units="1/cm"/>
-          <inkml:channelProperty channel="F" name="resolution" value="0" units="1/dev"/>
-        </inkml:channelProperties>
-      </inkml:inkSource>
-      <inkml:timestamp xml:id="ts0" timeString="2021-04-01T16:41:38.830"/>
-    </inkml:context>
-    <inkml:brush xml:id="br0">
-      <inkml:brushProperty name="width" value="0.1" units="cm"/>
-      <inkml:brushProperty name="height" value="0.1" units="cm"/>
-      <inkml:brushProperty name="color" value="#FF0066"/>
-    </inkml:brush>
-  </inkml:definitions>
-  <inkml:trace contextRef="#ctx0" brushRef="#br0">138 180 24575,'-25'1'0,"-2"3"0,3 1 0,8-2 0,12-7 0,-5-27 0,2-14 0,-2 1 0,10-1 0,2 34 0,4-1 0,-5 12 0,1 4 0,-3 3 0,-1 6 0,-5 2 0,-6 3 0,5-8 0,0-4 0,21-19 0,-4 6 0,6-4 0,-9 13 0,-6 0 0,0 2 0,-1-2 0,0 0 0,-2 2 0,-4 0 0,1 0 0,-2-2 0,6-4 0,5-6 0,14-6 0,-7 2 0,5 3 0,-14 10 0,-2 3 0,0 0 0,-3 7 0,-5 3 0,0 0 0,-4 2 0,6-10 0,2-2 0,4-5 0,4 5 0,-3-1 0,0 6 0,-5-2 0,0-1 0,-1-2 0,3-2 0,-6 1 0,2-1 0,-1 0 0,3-2 0,4-2 0,5-5 0,1 0 0,10-7 0,-6 6 0,9 0 0,-11 4 0,2 3 0,-7 1 0,-2 1 0,-2 3 0,1 0 0,-2 4 0,2-3 0,-2 1 0,0-3 0,0-1 0,-1-1 0,2-5 0,0 1 0,5-7 0,1 4 0,11-8 0,-6 8 0,3-2 0,-10 9 0,-2 2 0,-2 0 0,1 1 0</inkml:trace>
-</inkml:ink>
-</file>
-
-<file path=ppt/ink/ink66.xml><?xml version="1.0" encoding="utf-8"?>
-<inkml:ink xmlns:inkml="http://www.w3.org/2003/InkML">
-  <inkml:definitions>
-    <inkml:context xml:id="ctx0">
-      <inkml:inkSource xml:id="inkSrc0">
-        <inkml:traceFormat>
-          <inkml:channel name="X" type="integer" min="-2.14748E9" max="2.14748E9" units="cm"/>
-          <inkml:channel name="Y" type="integer" min="-2.14748E9" max="2.14748E9" units="cm"/>
-          <inkml:channel name="F" type="integer" max="32767" units="dev"/>
-        </inkml:traceFormat>
-        <inkml:channelProperties>
-          <inkml:channelProperty channel="X" name="resolution" value="1000" units="1/cm"/>
-          <inkml:channelProperty channel="Y" name="resolution" value="1000" units="1/cm"/>
-          <inkml:channelProperty channel="F" name="resolution" value="0" units="1/dev"/>
-        </inkml:channelProperties>
-      </inkml:inkSource>
-      <inkml:timestamp xml:id="ts0" timeString="2021-04-01T16:41:41.860"/>
-    </inkml:context>
-    <inkml:brush xml:id="br0">
-      <inkml:brushProperty name="width" value="0.1" units="cm"/>
-      <inkml:brushProperty name="height" value="0.1" units="cm"/>
-      <inkml:brushProperty name="color" value="#FF0066"/>
-    </inkml:brush>
-  </inkml:definitions>
-  <inkml:trace contextRef="#ctx0" brushRef="#br0">44 81 24575,'6'-8'0,"-1"0"0,0 4 0,2 0 0,-3 0 0,2 3 0,-4 4 0,-1 1 0,0 2 0,-8 5 0,-10 5 0,2-3 0,-6 2 0,13-13 0,2 0 0,3-2 0,1-1 0,1-7 0,0 1 0,4-17 0,3 2 0,5-7 0,2 10 0,-3 9 0,-4 7 0,-4 3 0,-1 4 0,0-1 0,-1 9 0,0-6 0,-2 4 0,0-3 0,-10 7 0,6-5 0,-3 3 0,5-8 0,4-5 0,2-6 0,3 0 0,1-2 0,-2 8 0,-3 1 0,-1 2 0</inkml:trace>
-</inkml:ink>
-</file>
-
-<file path=ppt/ink/ink67.xml><?xml version="1.0" encoding="utf-8"?>
-<inkml:ink xmlns:inkml="http://www.w3.org/2003/InkML">
-  <inkml:definitions>
-    <inkml:context xml:id="ctx0">
-      <inkml:inkSource xml:id="inkSrc0">
-        <inkml:traceFormat>
-          <inkml:channel name="X" type="integer" min="-2.14748E9" max="2.14748E9" units="cm"/>
-          <inkml:channel name="Y" type="integer" min="-2.14748E9" max="2.14748E9" units="cm"/>
-          <inkml:channel name="F" type="integer" max="32767" units="dev"/>
-        </inkml:traceFormat>
-        <inkml:channelProperties>
-          <inkml:channelProperty channel="X" name="resolution" value="1000" units="1/cm"/>
-          <inkml:channelProperty channel="Y" name="resolution" value="1000" units="1/cm"/>
-          <inkml:channelProperty channel="F" name="resolution" value="0" units="1/dev"/>
-        </inkml:channelProperties>
-      </inkml:inkSource>
-      <inkml:timestamp xml:id="ts0" timeString="2021-04-01T16:41:46.175"/>
-    </inkml:context>
-    <inkml:brush xml:id="br0">
-      <inkml:brushProperty name="width" value="0.1" units="cm"/>
-      <inkml:brushProperty name="height" value="0.1" units="cm"/>
-      <inkml:brushProperty name="color" value="#66CC00"/>
-    </inkml:brush>
-  </inkml:definitions>
-  <inkml:trace contextRef="#ctx0" brushRef="#br0">84 1 24575,'-33'30'0,"14"-2"0,-5 16 0,18-17 0,4 17 0,8 18 0,12 7 0,-3-5 0,8-27 0,16-17 0,4-3 0,16 2 0,-25-10 0,-15-4 0</inkml:trace>
-</inkml:ink>
-</file>
-
-<file path=ppt/ink/ink68.xml><?xml version="1.0" encoding="utf-8"?>
-<inkml:ink xmlns:inkml="http://www.w3.org/2003/InkML">
-  <inkml:definitions>
-    <inkml:context xml:id="ctx0">
-      <inkml:inkSource xml:id="inkSrc0">
-        <inkml:traceFormat>
-          <inkml:channel name="X" type="integer" min="-2.14748E9" max="2.14748E9" units="cm"/>
-          <inkml:channel name="Y" type="integer" min="-2.14748E9" max="2.14748E9" units="cm"/>
-          <inkml:channel name="F" type="integer" max="32767" units="dev"/>
-        </inkml:traceFormat>
-        <inkml:channelProperties>
-          <inkml:channelProperty channel="X" name="resolution" value="1000" units="1/cm"/>
-          <inkml:channelProperty channel="Y" name="resolution" value="1000" units="1/cm"/>
-          <inkml:channelProperty channel="F" name="resolution" value="0" units="1/dev"/>
-        </inkml:channelProperties>
-      </inkml:inkSource>
-      <inkml:timestamp xml:id="ts0" timeString="2021-04-01T16:41:46.727"/>
-    </inkml:context>
-    <inkml:brush xml:id="br0">
-      <inkml:brushProperty name="width" value="0.1" units="cm"/>
-      <inkml:brushProperty name="height" value="0.1" units="cm"/>
-      <inkml:brushProperty name="color" value="#66CC00"/>
-    </inkml:brush>
-  </inkml:definitions>
-  <inkml:trace contextRef="#ctx0" brushRef="#br0">74 0 24575,'-12'64'0,"3"-16"0,1-1 0,-1 5 0,2 0 0,0-2 0,-4 28 0,1 17 0,12-67 0,-2-4 0,4-25 0</inkml:trace>
-</inkml:ink>
-</file>
-
-<file path=ppt/ink/ink69.xml><?xml version="1.0" encoding="utf-8"?>
-<inkml:ink xmlns:inkml="http://www.w3.org/2003/InkML">
-  <inkml:definitions>
-    <inkml:context xml:id="ctx0">
-      <inkml:inkSource xml:id="inkSrc0">
-        <inkml:traceFormat>
-          <inkml:channel name="X" type="integer" min="-2.14748E9" max="2.14748E9" units="cm"/>
-          <inkml:channel name="Y" type="integer" min="-2.14748E9" max="2.14748E9" units="cm"/>
-          <inkml:channel name="F" type="integer" max="32767" units="dev"/>
-        </inkml:traceFormat>
-        <inkml:channelProperties>
-          <inkml:channelProperty channel="X" name="resolution" value="1000" units="1/cm"/>
-          <inkml:channelProperty channel="Y" name="resolution" value="1000" units="1/cm"/>
-          <inkml:channelProperty channel="F" name="resolution" value="0" units="1/dev"/>
-        </inkml:channelProperties>
-      </inkml:inkSource>
-      <inkml:timestamp xml:id="ts0" timeString="2021-04-01T16:41:47.148"/>
-    </inkml:context>
-    <inkml:brush xml:id="br0">
-      <inkml:brushProperty name="width" value="0.1" units="cm"/>
-      <inkml:brushProperty name="height" value="0.1" units="cm"/>
-      <inkml:brushProperty name="color" value="#66CC00"/>
-    </inkml:brush>
-  </inkml:definitions>
-  <inkml:trace contextRef="#ctx0" brushRef="#br0">184 1 24575,'-17'12'0,"-1"2"0,-25 15 0,15-9 0,-16 13 0,24-21 0,9-3 0,8-7 0,6-4 0</inkml:trace>
-</inkml:ink>
-</file>
-
 <file path=ppt/ink/ink7.xml><?xml version="1.0" encoding="utf-8"?>
 <inkml:ink xmlns:inkml="http://www.w3.org/2003/InkML">
   <inkml:definitions>
@@ -2024,230 +860,6 @@
     </inkml:brush>
   </inkml:definitions>
   <inkml:trace contextRef="#ctx0" brushRef="#br0">194 8 24575,'-17'-4'0,"4"2"0,-1 1 0,1 3 0,1 1 0,-2 5 0,5 2 0,-4 7 0,3-2 0,-1 8 0,6-5 0,2-3 0,5 8 0,2-12 0,12 25 0,-2-15 0,17 19 0,-16-21 0,3 3 0,-13-14 0,-2-1 0,-3-3 0,-1 0 0,-1 3 0,-5 2 0,-5 5 0,-5 1 0,4-4 0,1-4 0,7-6 0,-3 1 0,2-1 0,-5 0 0,6 0 0,-8-2 0,6 0 0,-18-4 0,16 2 0,-6-1 0,39-8 0,-17 9 0,17-8 0</inkml:trace>
-</inkml:ink>
-</file>
-
-<file path=ppt/ink/ink70.xml><?xml version="1.0" encoding="utf-8"?>
-<inkml:ink xmlns:inkml="http://www.w3.org/2003/InkML">
-  <inkml:definitions>
-    <inkml:context xml:id="ctx0">
-      <inkml:inkSource xml:id="inkSrc0">
-        <inkml:traceFormat>
-          <inkml:channel name="X" type="integer" min="-2.14748E9" max="2.14748E9" units="cm"/>
-          <inkml:channel name="Y" type="integer" min="-2.14748E9" max="2.14748E9" units="cm"/>
-          <inkml:channel name="F" type="integer" max="32767" units="dev"/>
-        </inkml:traceFormat>
-        <inkml:channelProperties>
-          <inkml:channelProperty channel="X" name="resolution" value="1000" units="1/cm"/>
-          <inkml:channelProperty channel="Y" name="resolution" value="1000" units="1/cm"/>
-          <inkml:channelProperty channel="F" name="resolution" value="0" units="1/dev"/>
-        </inkml:channelProperties>
-      </inkml:inkSource>
-      <inkml:timestamp xml:id="ts0" timeString="2021-04-01T16:41:47.728"/>
-    </inkml:context>
-    <inkml:brush xml:id="br0">
-      <inkml:brushProperty name="width" value="0.1" units="cm"/>
-      <inkml:brushProperty name="height" value="0.1" units="cm"/>
-      <inkml:brushProperty name="color" value="#66CC00"/>
-    </inkml:brush>
-  </inkml:definitions>
-  <inkml:trace contextRef="#ctx0" brushRef="#br0">92 1 24575,'-11'48'0,"-2"23"0,0 9 0,6-29 0,-1-1 0,-4 29 0,3-22 0,3-28 0,1-15 0,0 7 0,3-13 0,2 0 0,0-5 0,1-3 0</inkml:trace>
-</inkml:ink>
-</file>
-
-<file path=ppt/ink/ink71.xml><?xml version="1.0" encoding="utf-8"?>
-<inkml:ink xmlns:inkml="http://www.w3.org/2003/InkML">
-  <inkml:definitions>
-    <inkml:context xml:id="ctx0">
-      <inkml:inkSource xml:id="inkSrc0">
-        <inkml:traceFormat>
-          <inkml:channel name="X" type="integer" min="-2.14748E9" max="2.14748E9" units="cm"/>
-          <inkml:channel name="Y" type="integer" min="-2.14748E9" max="2.14748E9" units="cm"/>
-          <inkml:channel name="F" type="integer" max="32767" units="dev"/>
-        </inkml:traceFormat>
-        <inkml:channelProperties>
-          <inkml:channelProperty channel="X" name="resolution" value="1000" units="1/cm"/>
-          <inkml:channelProperty channel="Y" name="resolution" value="1000" units="1/cm"/>
-          <inkml:channelProperty channel="F" name="resolution" value="0" units="1/dev"/>
-        </inkml:channelProperties>
-      </inkml:inkSource>
-      <inkml:timestamp xml:id="ts0" timeString="2021-04-01T16:41:48.386"/>
-    </inkml:context>
-    <inkml:brush xml:id="br0">
-      <inkml:brushProperty name="width" value="0.1" units="cm"/>
-      <inkml:brushProperty name="height" value="0.1" units="cm"/>
-      <inkml:brushProperty name="color" value="#66CC00"/>
-    </inkml:brush>
-  </inkml:definitions>
-  <inkml:trace contextRef="#ctx0" brushRef="#br0">134 1 24575,'12'23'0,"0"9"0,-11 18 0,-2-6 0,-5 15 0,-2-17 0,-7 11 0,0-9 0,-15 10 0,14-32 0,-4-4 0,11-13 0,2-3 0,-1 1 0,-1-2 0,2 1 0,1-2 0,4 1 0,3-2 0</inkml:trace>
-</inkml:ink>
-</file>
-
-<file path=ppt/ink/ink72.xml><?xml version="1.0" encoding="utf-8"?>
-<inkml:ink xmlns:inkml="http://www.w3.org/2003/InkML">
-  <inkml:definitions>
-    <inkml:context xml:id="ctx0">
-      <inkml:inkSource xml:id="inkSrc0">
-        <inkml:traceFormat>
-          <inkml:channel name="X" type="integer" min="-2.14748E9" max="2.14748E9" units="cm"/>
-          <inkml:channel name="Y" type="integer" min="-2.14748E9" max="2.14748E9" units="cm"/>
-          <inkml:channel name="F" type="integer" max="32767" units="dev"/>
-        </inkml:traceFormat>
-        <inkml:channelProperties>
-          <inkml:channelProperty channel="X" name="resolution" value="1000" units="1/cm"/>
-          <inkml:channelProperty channel="Y" name="resolution" value="1000" units="1/cm"/>
-          <inkml:channelProperty channel="F" name="resolution" value="0" units="1/dev"/>
-        </inkml:channelProperties>
-      </inkml:inkSource>
-      <inkml:timestamp xml:id="ts0" timeString="2021-04-01T16:41:49.326"/>
-    </inkml:context>
-    <inkml:brush xml:id="br0">
-      <inkml:brushProperty name="width" value="0.1" units="cm"/>
-      <inkml:brushProperty name="height" value="0.1" units="cm"/>
-      <inkml:brushProperty name="color" value="#66CC00"/>
-    </inkml:brush>
-  </inkml:definitions>
-  <inkml:trace contextRef="#ctx0" brushRef="#br0">223 0 24575,'-34'33'0,"5"-6"0,-10 17 0,3 2 0,9-6 0,2 4 0,11-13 0,7-8 0,1-2 0,3-2 0,1-5 0,2 9 0,1-13 0,2 7 0,-1-11 0,1-1 0,4-1 0,-1-1 0,8 2 0,-4-4 0,-1 1 0,-5-2 0,-2 0 0</inkml:trace>
-</inkml:ink>
-</file>
-
-<file path=ppt/ink/ink73.xml><?xml version="1.0" encoding="utf-8"?>
-<inkml:ink xmlns:inkml="http://www.w3.org/2003/InkML">
-  <inkml:definitions>
-    <inkml:context xml:id="ctx0">
-      <inkml:inkSource xml:id="inkSrc0">
-        <inkml:traceFormat>
-          <inkml:channel name="X" type="integer" min="-2.14748E9" max="2.14748E9" units="cm"/>
-          <inkml:channel name="Y" type="integer" min="-2.14748E9" max="2.14748E9" units="cm"/>
-          <inkml:channel name="F" type="integer" max="32767" units="dev"/>
-        </inkml:traceFormat>
-        <inkml:channelProperties>
-          <inkml:channelProperty channel="X" name="resolution" value="1000" units="1/cm"/>
-          <inkml:channelProperty channel="Y" name="resolution" value="1000" units="1/cm"/>
-          <inkml:channelProperty channel="F" name="resolution" value="0" units="1/dev"/>
-        </inkml:channelProperties>
-      </inkml:inkSource>
-      <inkml:timestamp xml:id="ts0" timeString="2021-04-01T16:41:53.903"/>
-    </inkml:context>
-    <inkml:brush xml:id="br0">
-      <inkml:brushProperty name="width" value="0.1" units="cm"/>
-      <inkml:brushProperty name="height" value="0.1" units="cm"/>
-      <inkml:brushProperty name="color" value="#66CC00"/>
-    </inkml:brush>
-  </inkml:definitions>
-  <inkml:trace contextRef="#ctx0" brushRef="#br0">295 0 24575,'-11'37'0,"1"-9"0,-6 11 0,2-16 0,-11 7 0,-5-4 0,-1-1 0,-1-5 0,20-14 0,2-3 0,13-5 0,19-1 0,-12 2 0,13-1 0,-18 4 0,4 2 0,12 17 0,-11-11 0,7 13 0,-18-16 0,-2 6 0,0-2 0,-3 3 0,2-3 0,-7 4 0,4-6 0,-3 3 0,-1-4 0,3-2 0,-3 1 0,-1-1 0,-2 0 0,-4 3 0,-11 4 0,7-6 0,-1 3 0,11-9 0,4 0 0,3-1 0,1-1 0,3-1 0,1-1 0</inkml:trace>
-</inkml:ink>
-</file>
-
-<file path=ppt/ink/ink74.xml><?xml version="1.0" encoding="utf-8"?>
-<inkml:ink xmlns:inkml="http://www.w3.org/2003/InkML">
-  <inkml:definitions>
-    <inkml:context xml:id="ctx0">
-      <inkml:inkSource xml:id="inkSrc0">
-        <inkml:traceFormat>
-          <inkml:channel name="X" type="integer" min="-2.14748E9" max="2.14748E9" units="cm"/>
-          <inkml:channel name="Y" type="integer" min="-2.14748E9" max="2.14748E9" units="cm"/>
-          <inkml:channel name="F" type="integer" max="32767" units="dev"/>
-        </inkml:traceFormat>
-        <inkml:channelProperties>
-          <inkml:channelProperty channel="X" name="resolution" value="1000" units="1/cm"/>
-          <inkml:channelProperty channel="Y" name="resolution" value="1000" units="1/cm"/>
-          <inkml:channelProperty channel="F" name="resolution" value="0" units="1/dev"/>
-        </inkml:channelProperties>
-      </inkml:inkSource>
-      <inkml:timestamp xml:id="ts0" timeString="2021-04-01T16:41:55.630"/>
-    </inkml:context>
-    <inkml:brush xml:id="br0">
-      <inkml:brushProperty name="width" value="0.1" units="cm"/>
-      <inkml:brushProperty name="height" value="0.1" units="cm"/>
-      <inkml:brushProperty name="color" value="#66CC00"/>
-    </inkml:brush>
-  </inkml:definitions>
-  <inkml:trace contextRef="#ctx0" brushRef="#br0">0 0 24575,'10'4'0,"-2"-2"0,-4-1 0,3 1 0,-1 1 0,2 0 0,-2-1 0,0 0 0,-2 0 0,6-2 0,-2 0 0,8 0 0,-5 0 0,-2 0 0,-5 0 0</inkml:trace>
-</inkml:ink>
-</file>
-
-<file path=ppt/ink/ink75.xml><?xml version="1.0" encoding="utf-8"?>
-<inkml:ink xmlns:inkml="http://www.w3.org/2003/InkML">
-  <inkml:definitions>
-    <inkml:context xml:id="ctx0">
-      <inkml:inkSource xml:id="inkSrc0">
-        <inkml:traceFormat>
-          <inkml:channel name="X" type="integer" min="-2.14748E9" max="2.14748E9" units="cm"/>
-          <inkml:channel name="Y" type="integer" min="-2.14748E9" max="2.14748E9" units="cm"/>
-          <inkml:channel name="F" type="integer" max="32767" units="dev"/>
-        </inkml:traceFormat>
-        <inkml:channelProperties>
-          <inkml:channelProperty channel="X" name="resolution" value="1000" units="1/cm"/>
-          <inkml:channelProperty channel="Y" name="resolution" value="1000" units="1/cm"/>
-          <inkml:channelProperty channel="F" name="resolution" value="0" units="1/dev"/>
-        </inkml:channelProperties>
-      </inkml:inkSource>
-      <inkml:timestamp xml:id="ts0" timeString="2021-04-01T16:41:56.162"/>
-    </inkml:context>
-    <inkml:brush xml:id="br0">
-      <inkml:brushProperty name="width" value="0.1" units="cm"/>
-      <inkml:brushProperty name="height" value="0.1" units="cm"/>
-      <inkml:brushProperty name="color" value="#66CC00"/>
-    </inkml:brush>
-  </inkml:definitions>
-  <inkml:trace contextRef="#ctx0" brushRef="#br0">79 0 24575,'-9'14'0,"-9"5"0,7-4 0,-16 18 0,20-20 0,1-1 0,7-12 0,6-7 0</inkml:trace>
-</inkml:ink>
-</file>
-
-<file path=ppt/ink/ink76.xml><?xml version="1.0" encoding="utf-8"?>
-<inkml:ink xmlns:inkml="http://www.w3.org/2003/InkML">
-  <inkml:definitions>
-    <inkml:context xml:id="ctx0">
-      <inkml:inkSource xml:id="inkSrc0">
-        <inkml:traceFormat>
-          <inkml:channel name="X" type="integer" min="-2.14748E9" max="2.14748E9" units="cm"/>
-          <inkml:channel name="Y" type="integer" min="-2.14748E9" max="2.14748E9" units="cm"/>
-          <inkml:channel name="F" type="integer" max="32767" units="dev"/>
-        </inkml:traceFormat>
-        <inkml:channelProperties>
-          <inkml:channelProperty channel="X" name="resolution" value="1000" units="1/cm"/>
-          <inkml:channelProperty channel="Y" name="resolution" value="1000" units="1/cm"/>
-          <inkml:channelProperty channel="F" name="resolution" value="0" units="1/dev"/>
-        </inkml:channelProperties>
-      </inkml:inkSource>
-      <inkml:timestamp xml:id="ts0" timeString="2021-04-01T16:41:57.046"/>
-    </inkml:context>
-    <inkml:brush xml:id="br0">
-      <inkml:brushProperty name="width" value="0.1" units="cm"/>
-      <inkml:brushProperty name="height" value="0.1" units="cm"/>
-      <inkml:brushProperty name="color" value="#66CC00"/>
-    </inkml:brush>
-  </inkml:definitions>
-  <inkml:trace contextRef="#ctx0" brushRef="#br0">77 7 24575,'26'-4'0,"15"2"0,-14 2 0,16 6 0,-24 3 0,1 7 0,-8 5 0,-4 4 0,-4 1 0,-34 29 0,0-20 0,-33 25 0,-7-9 0,32-23 0,-6 5 0,43-31 0,20 1 0,27 2 0,-3 1 0,10-1 0,-28-3 0,-10-1 0,-7-1 0,-7-1 0,-8-5 0,4 4 0,-3-4 0</inkml:trace>
-</inkml:ink>
-</file>
-
-<file path=ppt/ink/ink77.xml><?xml version="1.0" encoding="utf-8"?>
-<inkml:ink xmlns:inkml="http://www.w3.org/2003/InkML">
-  <inkml:definitions>
-    <inkml:context xml:id="ctx0">
-      <inkml:inkSource xml:id="inkSrc0">
-        <inkml:traceFormat>
-          <inkml:channel name="X" type="integer" min="-2.14748E9" max="2.14748E9" units="cm"/>
-          <inkml:channel name="Y" type="integer" min="-2.14748E9" max="2.14748E9" units="cm"/>
-          <inkml:channel name="F" type="integer" max="32767" units="dev"/>
-        </inkml:traceFormat>
-        <inkml:channelProperties>
-          <inkml:channelProperty channel="X" name="resolution" value="1000" units="1/cm"/>
-          <inkml:channelProperty channel="Y" name="resolution" value="1000" units="1/cm"/>
-          <inkml:channelProperty channel="F" name="resolution" value="0" units="1/dev"/>
-        </inkml:channelProperties>
-      </inkml:inkSource>
-      <inkml:timestamp xml:id="ts0" timeString="2021-04-01T16:41:57.777"/>
-    </inkml:context>
-    <inkml:brush xml:id="br0">
-      <inkml:brushProperty name="width" value="0.1" units="cm"/>
-      <inkml:brushProperty name="height" value="0.1" units="cm"/>
-      <inkml:brushProperty name="color" value="#66CC00"/>
-    </inkml:brush>
-  </inkml:definitions>
-  <inkml:trace contextRef="#ctx0" brushRef="#br0">1 1 24575,'26'26'0,"1"14"0,10 16 0,-17-9 0,-3 1 0,2 9 0,-12-4 0,-5 0 0,-11-4 0,-9 19 0,-1-23 0,-4 4 0,1-16 0,6-7 0,8-19 0</inkml:trace>
 </inkml:ink>
 </file>
 
@@ -2396,7 +1008,7 @@
             <a:fld id="{6A1DBDC4-F84B-4B3A-9BA0-F77140A66E90}" type="datetimeFigureOut">
               <a:rPr lang="en-US"/>
               <a:pPr/>
-              <a:t>4/7/21</a:t>
+              <a:t>1/17/23</a:t>
             </a:fld>
             <a:endParaRPr lang="en-US"/>
           </a:p>
@@ -2700,6 +1312,432 @@
 </p:notesMaster>
 </file>
 
+<file path=ppt/notesSlides/notesSlide1.xml><?xml version="1.0" encoding="utf-8"?>
+<p:notes xmlns:a="http://schemas.openxmlformats.org/drawingml/2006/main" xmlns:r="http://schemas.openxmlformats.org/officeDocument/2006/relationships" xmlns:p="http://schemas.openxmlformats.org/presentationml/2006/main">
+  <p:cSld>
+    <p:spTree>
+      <p:nvGrpSpPr>
+        <p:cNvPr id="1" name=""/>
+        <p:cNvGrpSpPr/>
+        <p:nvPr/>
+      </p:nvGrpSpPr>
+      <p:grpSpPr>
+        <a:xfrm>
+          <a:off x="0" y="0"/>
+          <a:ext cx="0" cy="0"/>
+          <a:chOff x="0" y="0"/>
+          <a:chExt cx="0" cy="0"/>
+        </a:xfrm>
+      </p:grpSpPr>
+      <p:sp>
+        <p:nvSpPr>
+          <p:cNvPr id="2" name="Slide Image Placeholder 1"/>
+          <p:cNvSpPr>
+            <a:spLocks noGrp="1" noRot="1" noChangeAspect="1"/>
+          </p:cNvSpPr>
+          <p:nvPr>
+            <p:ph type="sldImg"/>
+          </p:nvPr>
+        </p:nvSpPr>
+        <p:spPr/>
+      </p:sp>
+      <p:sp>
+        <p:nvSpPr>
+          <p:cNvPr id="3" name="Notes Placeholder 2"/>
+          <p:cNvSpPr>
+            <a:spLocks noGrp="1"/>
+          </p:cNvSpPr>
+          <p:nvPr>
+            <p:ph type="body" idx="1"/>
+          </p:nvPr>
+        </p:nvSpPr>
+        <p:spPr/>
+        <p:txBody>
+          <a:bodyPr/>
+          <a:lstStyle/>
+          <a:p>
+            <a:r>
+              <a:rPr lang="en-US" dirty="0"/>
+              <a:t>A linked list is a sequence of items arranged one after another.</a:t>
+            </a:r>
+          </a:p>
+          <a:p>
+            <a:endParaRPr lang="en-US" dirty="0"/>
+          </a:p>
+          <a:p>
+            <a:r>
+              <a:rPr lang="en-US" dirty="0"/>
+              <a:t> • Each item in list is connected to the next item via a link</a:t>
+            </a:r>
+          </a:p>
+          <a:p>
+            <a:endParaRPr lang="en-US" dirty="0"/>
+          </a:p>
+          <a:p>
+            <a:r>
+              <a:rPr lang="en-US" dirty="0"/>
+              <a:t>• Each item is placed together with the link to the next item, resulting in a simple component called a node.</a:t>
+            </a:r>
+          </a:p>
+        </p:txBody>
+      </p:sp>
+      <p:sp>
+        <p:nvSpPr>
+          <p:cNvPr id="4" name="Slide Number Placeholder 3"/>
+          <p:cNvSpPr>
+            <a:spLocks noGrp="1"/>
+          </p:cNvSpPr>
+          <p:nvPr>
+            <p:ph type="sldNum" sz="quarter" idx="5"/>
+          </p:nvPr>
+        </p:nvSpPr>
+        <p:spPr/>
+        <p:txBody>
+          <a:bodyPr/>
+          <a:lstStyle/>
+          <a:p>
+            <a:fld id="{8F967494-5CD2-4A8C-BB45-7F1FAACBB45B}" type="slidenum">
+              <a:rPr lang="en-US" smtClean="0"/>
+              <a:pPr/>
+              <a:t>11</a:t>
+            </a:fld>
+            <a:endParaRPr lang="en-US"/>
+          </a:p>
+        </p:txBody>
+      </p:sp>
+    </p:spTree>
+    <p:extLst>
+      <p:ext uri="{BB962C8B-B14F-4D97-AF65-F5344CB8AC3E}">
+        <p14:creationId xmlns:p14="http://schemas.microsoft.com/office/powerpoint/2010/main" val="1918180103"/>
+      </p:ext>
+    </p:extLst>
+  </p:cSld>
+  <p:clrMapOvr>
+    <a:masterClrMapping/>
+  </p:clrMapOvr>
+</p:notes>
+</file>
+
+<file path=ppt/notesSlides/notesSlide2.xml><?xml version="1.0" encoding="utf-8"?>
+<p:notes xmlns:a="http://schemas.openxmlformats.org/drawingml/2006/main" xmlns:r="http://schemas.openxmlformats.org/officeDocument/2006/relationships" xmlns:p="http://schemas.openxmlformats.org/presentationml/2006/main">
+  <p:cSld>
+    <p:spTree>
+      <p:nvGrpSpPr>
+        <p:cNvPr id="1" name=""/>
+        <p:cNvGrpSpPr/>
+        <p:nvPr/>
+      </p:nvGrpSpPr>
+      <p:grpSpPr>
+        <a:xfrm>
+          <a:off x="0" y="0"/>
+          <a:ext cx="0" cy="0"/>
+          <a:chOff x="0" y="0"/>
+          <a:chExt cx="0" cy="0"/>
+        </a:xfrm>
+      </p:grpSpPr>
+      <p:sp>
+        <p:nvSpPr>
+          <p:cNvPr id="2" name="Slide Image Placeholder 1"/>
+          <p:cNvSpPr>
+            <a:spLocks noGrp="1" noRot="1" noChangeAspect="1"/>
+          </p:cNvSpPr>
+          <p:nvPr>
+            <p:ph type="sldImg"/>
+          </p:nvPr>
+        </p:nvSpPr>
+        <p:spPr/>
+      </p:sp>
+      <p:sp>
+        <p:nvSpPr>
+          <p:cNvPr id="3" name="Notes Placeholder 2"/>
+          <p:cNvSpPr>
+            <a:spLocks noGrp="1"/>
+          </p:cNvSpPr>
+          <p:nvPr>
+            <p:ph type="body" idx="1"/>
+          </p:nvPr>
+        </p:nvSpPr>
+        <p:spPr/>
+        <p:txBody>
+          <a:bodyPr/>
+          <a:lstStyle/>
+          <a:p>
+            <a:r>
+              <a:rPr lang="en-US" dirty="0"/>
+              <a:t>A struct is a special kind of class where all members are public</a:t>
+            </a:r>
+          </a:p>
+          <a:p>
+            <a:endParaRPr lang="en-US" dirty="0"/>
+          </a:p>
+          <a:p>
+            <a:r>
+              <a:rPr lang="en-US" dirty="0"/>
+              <a:t>e two public member variables: data, link</a:t>
+            </a:r>
+          </a:p>
+          <a:p>
+            <a:endParaRPr lang="en-US" dirty="0"/>
+          </a:p>
+          <a:p>
+            <a:r>
+              <a:rPr lang="en-US" dirty="0"/>
+              <a:t>Whenever a program needs to refer to the item type, we can use the expression Node::Item.</a:t>
+            </a:r>
+          </a:p>
+        </p:txBody>
+      </p:sp>
+      <p:sp>
+        <p:nvSpPr>
+          <p:cNvPr id="4" name="Slide Number Placeholder 3"/>
+          <p:cNvSpPr>
+            <a:spLocks noGrp="1"/>
+          </p:cNvSpPr>
+          <p:nvPr>
+            <p:ph type="sldNum" sz="quarter" idx="5"/>
+          </p:nvPr>
+        </p:nvSpPr>
+        <p:spPr/>
+        <p:txBody>
+          <a:bodyPr/>
+          <a:lstStyle/>
+          <a:p>
+            <a:fld id="{8F967494-5CD2-4A8C-BB45-7F1FAACBB45B}" type="slidenum">
+              <a:rPr lang="en-US" smtClean="0"/>
+              <a:pPr/>
+              <a:t>12</a:t>
+            </a:fld>
+            <a:endParaRPr lang="en-US"/>
+          </a:p>
+        </p:txBody>
+      </p:sp>
+    </p:spTree>
+    <p:extLst>
+      <p:ext uri="{BB962C8B-B14F-4D97-AF65-F5344CB8AC3E}">
+        <p14:creationId xmlns:p14="http://schemas.microsoft.com/office/powerpoint/2010/main" val="2810413623"/>
+      </p:ext>
+    </p:extLst>
+  </p:cSld>
+  <p:clrMapOvr>
+    <a:masterClrMapping/>
+  </p:clrMapOvr>
+</p:notes>
+</file>
+
+<file path=ppt/notesSlides/notesSlide3.xml><?xml version="1.0" encoding="utf-8"?>
+<p:notes xmlns:a="http://schemas.openxmlformats.org/drawingml/2006/main" xmlns:r="http://schemas.openxmlformats.org/officeDocument/2006/relationships" xmlns:p="http://schemas.openxmlformats.org/presentationml/2006/main">
+  <p:cSld>
+    <p:spTree>
+      <p:nvGrpSpPr>
+        <p:cNvPr id="1" name=""/>
+        <p:cNvGrpSpPr/>
+        <p:nvPr/>
+      </p:nvGrpSpPr>
+      <p:grpSpPr>
+        <a:xfrm>
+          <a:off x="0" y="0"/>
+          <a:ext cx="0" cy="0"/>
+          <a:chOff x="0" y="0"/>
+          <a:chExt cx="0" cy="0"/>
+        </a:xfrm>
+      </p:grpSpPr>
+      <p:sp>
+        <p:nvSpPr>
+          <p:cNvPr id="2" name="Slide Image Placeholder 1"/>
+          <p:cNvSpPr>
+            <a:spLocks noGrp="1" noRot="1" noChangeAspect="1"/>
+          </p:cNvSpPr>
+          <p:nvPr>
+            <p:ph type="sldImg"/>
+          </p:nvPr>
+        </p:nvSpPr>
+        <p:spPr/>
+      </p:sp>
+      <p:sp>
+        <p:nvSpPr>
+          <p:cNvPr id="3" name="Notes Placeholder 2"/>
+          <p:cNvSpPr>
+            <a:spLocks noGrp="1"/>
+          </p:cNvSpPr>
+          <p:nvPr>
+            <p:ph type="body" idx="1"/>
+          </p:nvPr>
+        </p:nvSpPr>
+        <p:spPr/>
+        <p:txBody>
+          <a:bodyPr/>
+          <a:lstStyle/>
+          <a:p>
+            <a:r>
+              <a:rPr lang="en-US" dirty="0"/>
+              <a:t>Usually, programs do not actually declare node variables. Instead, the list is accessed through one or more pointers to nodes.</a:t>
+            </a:r>
+          </a:p>
+          <a:p>
+            <a:endParaRPr lang="en-US" dirty="0"/>
+          </a:p>
+          <a:p>
+            <a:r>
+              <a:rPr lang="en-US" dirty="0" err="1"/>
+              <a:t>Head_pointer</a:t>
+            </a:r>
+            <a:endParaRPr lang="en-US" dirty="0"/>
+          </a:p>
+          <a:p>
+            <a:r>
+              <a:rPr lang="en-US" dirty="0" err="1"/>
+              <a:t>Tail_pointer</a:t>
+            </a:r>
+            <a:endParaRPr lang="en-US" dirty="0"/>
+          </a:p>
+          <a:p>
+            <a:endParaRPr lang="en-US" dirty="0"/>
+          </a:p>
+        </p:txBody>
+      </p:sp>
+      <p:sp>
+        <p:nvSpPr>
+          <p:cNvPr id="4" name="Slide Number Placeholder 3"/>
+          <p:cNvSpPr>
+            <a:spLocks noGrp="1"/>
+          </p:cNvSpPr>
+          <p:nvPr>
+            <p:ph type="sldNum" sz="quarter" idx="5"/>
+          </p:nvPr>
+        </p:nvSpPr>
+        <p:spPr/>
+        <p:txBody>
+          <a:bodyPr/>
+          <a:lstStyle/>
+          <a:p>
+            <a:fld id="{8F967494-5CD2-4A8C-BB45-7F1FAACBB45B}" type="slidenum">
+              <a:rPr lang="en-US" smtClean="0"/>
+              <a:pPr/>
+              <a:t>13</a:t>
+            </a:fld>
+            <a:endParaRPr lang="en-US"/>
+          </a:p>
+        </p:txBody>
+      </p:sp>
+    </p:spTree>
+    <p:extLst>
+      <p:ext uri="{BB962C8B-B14F-4D97-AF65-F5344CB8AC3E}">
+        <p14:creationId xmlns:p14="http://schemas.microsoft.com/office/powerpoint/2010/main" val="2160676671"/>
+      </p:ext>
+    </p:extLst>
+  </p:cSld>
+  <p:clrMapOvr>
+    <a:masterClrMapping/>
+  </p:clrMapOvr>
+</p:notes>
+</file>
+
+<file path=ppt/notesSlides/notesSlide4.xml><?xml version="1.0" encoding="utf-8"?>
+<p:notes xmlns:a="http://schemas.openxmlformats.org/drawingml/2006/main" xmlns:r="http://schemas.openxmlformats.org/officeDocument/2006/relationships" xmlns:p="http://schemas.openxmlformats.org/presentationml/2006/main">
+  <p:cSld>
+    <p:spTree>
+      <p:nvGrpSpPr>
+        <p:cNvPr id="1" name=""/>
+        <p:cNvGrpSpPr/>
+        <p:nvPr/>
+      </p:nvGrpSpPr>
+      <p:grpSpPr>
+        <a:xfrm>
+          <a:off x="0" y="0"/>
+          <a:ext cx="0" cy="0"/>
+          <a:chOff x="0" y="0"/>
+          <a:chExt cx="0" cy="0"/>
+        </a:xfrm>
+      </p:grpSpPr>
+      <p:sp>
+        <p:nvSpPr>
+          <p:cNvPr id="2" name="Slide Image Placeholder 1"/>
+          <p:cNvSpPr>
+            <a:spLocks noGrp="1" noRot="1" noChangeAspect="1"/>
+          </p:cNvSpPr>
+          <p:nvPr>
+            <p:ph type="sldImg"/>
+          </p:nvPr>
+        </p:nvSpPr>
+        <p:spPr/>
+      </p:sp>
+      <p:sp>
+        <p:nvSpPr>
+          <p:cNvPr id="3" name="Notes Placeholder 2"/>
+          <p:cNvSpPr>
+            <a:spLocks noGrp="1"/>
+          </p:cNvSpPr>
+          <p:nvPr>
+            <p:ph type="body" idx="1"/>
+          </p:nvPr>
+        </p:nvSpPr>
+        <p:spPr/>
+        <p:txBody>
+          <a:bodyPr/>
+          <a:lstStyle/>
+          <a:p>
+            <a:r>
+              <a:rPr lang="en-US" dirty="0"/>
+              <a:t>A linked list is a sequence of items arranged one after another.</a:t>
+            </a:r>
+          </a:p>
+          <a:p>
+            <a:endParaRPr lang="en-US" dirty="0"/>
+          </a:p>
+          <a:p>
+            <a:r>
+              <a:rPr lang="en-US" dirty="0"/>
+              <a:t> • Each item in list is connected to the next item via a link</a:t>
+            </a:r>
+          </a:p>
+          <a:p>
+            <a:endParaRPr lang="en-US" dirty="0"/>
+          </a:p>
+          <a:p>
+            <a:r>
+              <a:rPr lang="en-US" dirty="0"/>
+              <a:t>• Each item is placed together with the link to the next item, resulting in a simple component called a node.</a:t>
+            </a:r>
+          </a:p>
+        </p:txBody>
+      </p:sp>
+      <p:sp>
+        <p:nvSpPr>
+          <p:cNvPr id="4" name="Slide Number Placeholder 3"/>
+          <p:cNvSpPr>
+            <a:spLocks noGrp="1"/>
+          </p:cNvSpPr>
+          <p:nvPr>
+            <p:ph type="sldNum" sz="quarter" idx="5"/>
+          </p:nvPr>
+        </p:nvSpPr>
+        <p:spPr/>
+        <p:txBody>
+          <a:bodyPr/>
+          <a:lstStyle/>
+          <a:p>
+            <a:fld id="{8F967494-5CD2-4A8C-BB45-7F1FAACBB45B}" type="slidenum">
+              <a:rPr lang="en-US" smtClean="0"/>
+              <a:pPr/>
+              <a:t>14</a:t>
+            </a:fld>
+            <a:endParaRPr lang="en-US"/>
+          </a:p>
+        </p:txBody>
+      </p:sp>
+    </p:spTree>
+    <p:extLst>
+      <p:ext uri="{BB962C8B-B14F-4D97-AF65-F5344CB8AC3E}">
+        <p14:creationId xmlns:p14="http://schemas.microsoft.com/office/powerpoint/2010/main" val="2411119168"/>
+      </p:ext>
+    </p:extLst>
+  </p:cSld>
+  <p:clrMapOvr>
+    <a:masterClrMapping/>
+  </p:clrMapOvr>
+</p:notes>
+</file>
+
 <file path=ppt/slideLayouts/slideLayout1.xml><?xml version="1.0" encoding="utf-8"?>
 <p:sldLayout xmlns:a="http://schemas.openxmlformats.org/drawingml/2006/main" xmlns:r="http://schemas.openxmlformats.org/officeDocument/2006/relationships" xmlns:p="http://schemas.openxmlformats.org/presentationml/2006/main" type="title" preserve="1">
   <p:cSld name="Title Slide">
@@ -2884,7 +1922,7 @@
             <a:fld id="{C498CA56-6208-4A5A-9D23-DDD25A18C2B3}" type="datetimeFigureOut">
               <a:rPr lang="en-US"/>
               <a:pPr/>
-              <a:t>4/7/21</a:t>
+              <a:t>1/17/23</a:t>
             </a:fld>
             <a:endParaRPr lang="en-US"/>
           </a:p>
@@ -3061,7 +2099,7 @@
             <a:fld id="{624805B7-2B4A-43C9-B3C5-64F2C528AD69}" type="datetimeFigureOut">
               <a:rPr lang="en-US"/>
               <a:pPr/>
-              <a:t>4/7/21</a:t>
+              <a:t>1/17/23</a:t>
             </a:fld>
             <a:endParaRPr lang="en-US"/>
           </a:p>
@@ -3248,7 +2286,7 @@
             <a:fld id="{91DCC2F5-5EE7-45BF-99F9-75890DB739B3}" type="datetimeFigureOut">
               <a:rPr lang="en-US"/>
               <a:pPr/>
-              <a:t>4/7/21</a:t>
+              <a:t>1/17/23</a:t>
             </a:fld>
             <a:endParaRPr lang="en-US"/>
           </a:p>
@@ -3464,7 +2502,7 @@
             <a:fld id="{E2E976A5-1009-4436-9B8C-9835B82C0FBB}" type="datetimeFigureOut">
               <a:rPr lang="en-US"/>
               <a:pPr/>
-              <a:t>4/7/21</a:t>
+              <a:t>1/17/23</a:t>
             </a:fld>
             <a:endParaRPr lang="en-US"/>
           </a:p>
@@ -3718,7 +2756,7 @@
             <a:fld id="{9A8AA87E-C144-4B2A-81EA-9E72F880C0CA}" type="datetimeFigureOut">
               <a:rPr lang="en-US"/>
               <a:pPr/>
-              <a:t>4/7/21</a:t>
+              <a:t>1/17/23</a:t>
             </a:fld>
             <a:endParaRPr lang="en-US"/>
           </a:p>
@@ -4012,7 +3050,7 @@
             <a:fld id="{866C2420-2C3E-4748-8453-226F4817B4EC}" type="datetimeFigureOut">
               <a:rPr lang="en-US"/>
               <a:pPr/>
-              <a:t>4/7/21</a:t>
+              <a:t>1/17/23</a:t>
             </a:fld>
             <a:endParaRPr lang="en-US"/>
           </a:p>
@@ -4440,7 +3478,7 @@
             <a:fld id="{9487ECFB-269A-4EB6-9175-6162B8DD08E6}" type="datetimeFigureOut">
               <a:rPr lang="en-US"/>
               <a:pPr/>
-              <a:t>4/7/21</a:t>
+              <a:t>1/17/23</a:t>
             </a:fld>
             <a:endParaRPr lang="en-US"/>
           </a:p>
@@ -4566,7 +3604,7 @@
             <a:fld id="{1AF75B6C-5D1D-40DC-9998-BF03558B319A}" type="datetimeFigureOut">
               <a:rPr lang="en-US"/>
               <a:pPr/>
-              <a:t>4/7/21</a:t>
+              <a:t>1/17/23</a:t>
             </a:fld>
             <a:endParaRPr lang="en-US"/>
           </a:p>
@@ -4670,7 +3708,7 @@
             <a:fld id="{0919E438-5101-4170-AE07-87A782222B07}" type="datetimeFigureOut">
               <a:rPr lang="en-US"/>
               <a:pPr/>
-              <a:t>4/7/21</a:t>
+              <a:t>1/17/23</a:t>
             </a:fld>
             <a:endParaRPr lang="en-US"/>
           </a:p>
@@ -4954,7 +3992,7 @@
             <a:fld id="{A466955D-1EC8-499F-9263-BF2FDD726013}" type="datetimeFigureOut">
               <a:rPr lang="en-US"/>
               <a:pPr/>
-              <a:t>4/7/21</a:t>
+              <a:t>1/17/23</a:t>
             </a:fld>
             <a:endParaRPr lang="en-US"/>
           </a:p>
@@ -5218,7 +4256,7 @@
             <a:fld id="{0680152A-1D85-4AE3-AA4E-3962D2958CEE}" type="datetimeFigureOut">
               <a:rPr lang="en-US"/>
               <a:pPr/>
-              <a:t>4/7/21</a:t>
+              <a:t>1/17/23</a:t>
             </a:fld>
             <a:endParaRPr lang="en-US"/>
           </a:p>
@@ -5455,7 +4493,7 @@
             <a:fld id="{10932223-8D2A-4930-ACED-A722D6E87D91}" type="datetimeFigureOut">
               <a:rPr lang="en-US"/>
               <a:pPr/>
-              <a:t>4/7/21</a:t>
+              <a:t>1/17/23</a:t>
             </a:fld>
             <a:endParaRPr lang="en-US"/>
           </a:p>
@@ -6173,7 +5211,7 @@
                 <a:latin typeface="Courier New" pitchFamily="49" charset="0"/>
                 <a:cs typeface="Courier New" pitchFamily="49" charset="0"/>
               </a:rPr>
-              <a:t>	emp.name = “peter”;</a:t>
+              <a:t>	e1.name = “peter”;</a:t>
             </a:r>
           </a:p>
           <a:p>
@@ -6246,47 +5284,7 @@
                 <a:latin typeface="Courier New" pitchFamily="49" charset="0"/>
                 <a:cs typeface="Courier New" pitchFamily="49" charset="0"/>
               </a:rPr>
-              <a:t>	</a:t>
-            </a:r>
-            <a:r>
-              <a:rPr lang="en-US" sz="1800" dirty="0" err="1">
-                <a:solidFill>
-                  <a:schemeClr val="accent4"/>
-                </a:solidFill>
-                <a:latin typeface="Courier New" pitchFamily="49" charset="0"/>
-                <a:cs typeface="Courier New" pitchFamily="49" charset="0"/>
-              </a:rPr>
-              <a:t>emp.kpi</a:t>
-            </a:r>
-            <a:r>
-              <a:rPr lang="en-US" sz="1800" dirty="0">
-                <a:solidFill>
-                  <a:schemeClr val="accent4"/>
-                </a:solidFill>
-                <a:latin typeface="Courier New" pitchFamily="49" charset="0"/>
-                <a:cs typeface="Courier New" pitchFamily="49" charset="0"/>
-              </a:rPr>
-              <a:t>= </a:t>
-            </a:r>
-            <a:r>
-              <a:rPr lang="en-US" sz="1800" dirty="0" err="1">
-                <a:solidFill>
-                  <a:schemeClr val="accent4"/>
-                </a:solidFill>
-                <a:latin typeface="Courier New" pitchFamily="49" charset="0"/>
-                <a:cs typeface="Courier New" pitchFamily="49" charset="0"/>
-              </a:rPr>
-              <a:t>emp.kpi</a:t>
-            </a:r>
-            <a:r>
-              <a:rPr lang="en-US" sz="1800" dirty="0">
-                <a:solidFill>
-                  <a:schemeClr val="accent4"/>
-                </a:solidFill>
-                <a:latin typeface="Courier New" pitchFamily="49" charset="0"/>
-                <a:cs typeface="Courier New" pitchFamily="49" charset="0"/>
-              </a:rPr>
-              <a:t> + 1;</a:t>
+              <a:t>	e1.kpi= e1.kpi + 1;</a:t>
             </a:r>
           </a:p>
         </p:txBody>
@@ -6318,9 +5316,15 @@
       </p:grpSpPr>
       <p:sp>
         <p:nvSpPr>
-          <p:cNvPr id="2" name="Title 1"/>
+          <p:cNvPr id="2051" name="Rectangle 2">
+            <a:extLst>
+              <a:ext uri="{FF2B5EF4-FFF2-40B4-BE49-F238E27FC236}">
+                <a16:creationId xmlns:a16="http://schemas.microsoft.com/office/drawing/2014/main" id="{31D6E301-B858-A164-0D9F-0CE7E64C3440}"/>
+              </a:ext>
+            </a:extLst>
+          </p:cNvPr>
           <p:cNvSpPr>
-            <a:spLocks noGrp="1"/>
+            <a:spLocks noGrp="1" noChangeArrowheads="1"/>
           </p:cNvSpPr>
           <p:nvPr>
             <p:ph type="title"/>
@@ -6328,233 +5332,141 @@
         </p:nvSpPr>
         <p:spPr/>
         <p:txBody>
-          <a:bodyPr/>
+          <a:bodyPr>
+            <a:normAutofit/>
+          </a:bodyPr>
           <a:lstStyle/>
           <a:p>
-            <a:pPr>
+            <a:pPr eaLnBrk="1" fontAlgn="auto" hangingPunct="1">
+              <a:spcAft>
+                <a:spcPts val="0"/>
+              </a:spcAft>
               <a:defRPr/>
             </a:pPr>
             <a:r>
-              <a:rPr lang="en-US" dirty="0"/>
-              <a:t>Arrays of objects</a:t>
-            </a:r>
+              <a:rPr lang="tr-TR" dirty="0" err="1"/>
+              <a:t>Linked</a:t>
+            </a:r>
+            <a:r>
+              <a:rPr lang="tr-TR" dirty="0"/>
+              <a:t> </a:t>
+            </a:r>
+            <a:r>
+              <a:rPr lang="tr-TR" dirty="0" err="1"/>
+              <a:t>List</a:t>
+            </a:r>
+            <a:endParaRPr lang="en-US" dirty="0"/>
           </a:p>
         </p:txBody>
       </p:sp>
-      <p:sp>
-        <p:nvSpPr>
-          <p:cNvPr id="3" name="Content Placeholder 2"/>
-          <p:cNvSpPr>
-            <a:spLocks noGrp="1"/>
-          </p:cNvSpPr>
+      <p:graphicFrame>
+        <p:nvGraphicFramePr>
+          <p:cNvPr id="2050" name="Object 4">
+            <a:extLst>
+              <a:ext uri="{FF2B5EF4-FFF2-40B4-BE49-F238E27FC236}">
+                <a16:creationId xmlns:a16="http://schemas.microsoft.com/office/drawing/2014/main" id="{1DBDA9BA-DA77-15CA-1D0A-CABB0F8B85B8}"/>
+              </a:ext>
+            </a:extLst>
+          </p:cNvPr>
+          <p:cNvGraphicFramePr>
+            <a:graphicFrameLocks noChangeAspect="1"/>
+          </p:cNvGraphicFramePr>
           <p:nvPr>
-            <p:ph idx="1"/>
+            <p:ph sz="quarter" idx="1"/>
           </p:nvPr>
-        </p:nvSpPr>
-        <p:spPr>
-          <a:xfrm>
-            <a:off x="457200" y="1295400"/>
-            <a:ext cx="8305800" cy="5181600"/>
-          </a:xfrm>
-        </p:spPr>
-        <p:txBody>
-          <a:bodyPr/>
-          <a:lstStyle/>
-          <a:p>
-            <a:pPr>
-              <a:defRPr/>
-            </a:pPr>
-            <a:r>
-              <a:rPr lang="en-US" sz="2800" dirty="0"/>
-              <a:t>Now that we’ve defined a class for employee</a:t>
-            </a:r>
-          </a:p>
-          <a:p>
-            <a:pPr lvl="1">
-              <a:defRPr/>
-            </a:pPr>
-            <a:r>
-              <a:rPr lang="en-US" sz="2400" dirty="0"/>
-              <a:t>We can have a set of employees using an array</a:t>
-            </a:r>
-          </a:p>
-          <a:p>
-            <a:pPr lvl="2">
-              <a:buNone/>
-              <a:defRPr/>
-            </a:pPr>
-            <a:r>
-              <a:rPr lang="en-US" dirty="0">
-                <a:solidFill>
-                  <a:schemeClr val="accent4"/>
-                </a:solidFill>
-                <a:latin typeface="Courier New" pitchFamily="49" charset="0"/>
-                <a:cs typeface="Courier New" pitchFamily="49" charset="0"/>
-              </a:rPr>
-              <a:t>employee e</a:t>
-            </a:r>
-            <a:r>
-              <a:rPr lang="en-US" sz="2000" dirty="0">
-                <a:solidFill>
-                  <a:schemeClr val="accent4"/>
-                </a:solidFill>
-                <a:latin typeface="Courier New" pitchFamily="49" charset="0"/>
-                <a:cs typeface="Courier New" pitchFamily="49" charset="0"/>
-              </a:rPr>
-              <a:t>[10];</a:t>
-            </a:r>
-          </a:p>
-          <a:p>
-            <a:pPr lvl="1">
-              <a:defRPr/>
-            </a:pPr>
-            <a:r>
-              <a:rPr lang="en-US" sz="2400" dirty="0"/>
-              <a:t>Allocates space for 10 employee objects</a:t>
-            </a:r>
-          </a:p>
-          <a:p>
-            <a:pPr lvl="2">
-              <a:defRPr/>
-            </a:pPr>
-            <a:r>
-              <a:rPr lang="en-US" sz="2000" dirty="0"/>
-              <a:t>Each one has 2 strings and 1 </a:t>
-            </a:r>
-            <a:r>
-              <a:rPr lang="en-US" sz="2000" dirty="0" err="1"/>
-              <a:t>int</a:t>
-            </a:r>
-            <a:endParaRPr lang="en-US" sz="2000" dirty="0"/>
-          </a:p>
-          <a:p>
-            <a:pPr>
-              <a:defRPr/>
-            </a:pPr>
-            <a:endParaRPr lang="en-US" sz="2800" dirty="0"/>
-          </a:p>
-          <a:p>
-            <a:pPr>
-              <a:defRPr/>
-            </a:pPr>
-            <a:r>
-              <a:rPr lang="en-US" dirty="0"/>
-              <a:t>Combine array and class access operators</a:t>
-            </a:r>
-          </a:p>
-          <a:p>
-            <a:pPr lvl="1">
-              <a:defRPr/>
-            </a:pPr>
-            <a:r>
-              <a:rPr lang="en-US" sz="2400" dirty="0"/>
-              <a:t>The 6</a:t>
-            </a:r>
-            <a:r>
-              <a:rPr lang="en-US" sz="2400" baseline="30000" dirty="0"/>
-              <a:t>th</a:t>
-            </a:r>
-            <a:r>
-              <a:rPr lang="en-US" sz="2400" dirty="0"/>
-              <a:t> employee’s name:</a:t>
-            </a:r>
-          </a:p>
-          <a:p>
-            <a:pPr lvl="2">
-              <a:defRPr/>
-            </a:pPr>
-            <a:r>
-              <a:rPr lang="en-US" dirty="0">
-                <a:solidFill>
-                  <a:schemeClr val="accent4"/>
-                </a:solidFill>
-                <a:latin typeface="Courier New" pitchFamily="49" charset="0"/>
-                <a:cs typeface="Courier New" pitchFamily="49" charset="0"/>
-              </a:rPr>
-              <a:t>e</a:t>
-            </a:r>
-            <a:r>
-              <a:rPr lang="en-US" sz="2000" dirty="0"/>
-              <a:t>[5].name</a:t>
-            </a:r>
-          </a:p>
-          <a:p>
-            <a:pPr lvl="1">
-              <a:defRPr/>
-            </a:pPr>
-            <a:r>
-              <a:rPr lang="en-US" sz="2400" dirty="0"/>
-              <a:t>the first employee’s review score:</a:t>
-            </a:r>
-          </a:p>
-          <a:p>
-            <a:pPr lvl="2">
-              <a:defRPr/>
-            </a:pPr>
-            <a:r>
-              <a:rPr lang="en-US" dirty="0">
-                <a:solidFill>
-                  <a:schemeClr val="accent4"/>
-                </a:solidFill>
-                <a:latin typeface="Courier New" pitchFamily="49" charset="0"/>
-                <a:cs typeface="Courier New" pitchFamily="49" charset="0"/>
-              </a:rPr>
-              <a:t>e</a:t>
-            </a:r>
-            <a:r>
-              <a:rPr lang="en-US" sz="2000" dirty="0"/>
-              <a:t>[0].</a:t>
-            </a:r>
-            <a:r>
-              <a:rPr lang="en-US" sz="2000" dirty="0" err="1"/>
-              <a:t>kpi</a:t>
-            </a:r>
-            <a:r>
-              <a:rPr lang="en-US" sz="2000" dirty="0"/>
-              <a:t> = 10;</a:t>
-            </a:r>
-          </a:p>
-          <a:p>
-            <a:pPr lvl="1">
-              <a:defRPr/>
-            </a:pPr>
-            <a:r>
-              <a:rPr lang="en-US" dirty="0"/>
-              <a:t>the Id of the 5</a:t>
-            </a:r>
-            <a:r>
-              <a:rPr lang="en-US" baseline="30000" dirty="0"/>
-              <a:t>th</a:t>
-            </a:r>
-            <a:r>
-              <a:rPr lang="en-US" dirty="0"/>
-              <a:t> employee</a:t>
-            </a:r>
-          </a:p>
-          <a:p>
-            <a:pPr lvl="2">
-              <a:defRPr/>
-            </a:pPr>
-            <a:r>
-              <a:rPr lang="en-US" dirty="0" err="1"/>
-              <a:t>cout</a:t>
-            </a:r>
-            <a:r>
-              <a:rPr lang="en-US" dirty="0"/>
-              <a:t> &lt;&lt; e[4].id &lt;&lt; </a:t>
-            </a:r>
-            <a:r>
-              <a:rPr lang="en-US" dirty="0" err="1"/>
-              <a:t>endl</a:t>
-            </a:r>
-            <a:r>
-              <a:rPr lang="en-US" dirty="0"/>
-              <a:t>;</a:t>
-            </a:r>
-          </a:p>
-        </p:txBody>
-      </p:sp>
+        </p:nvGraphicFramePr>
+        <p:xfrm>
+          <a:off x="1189038" y="2708275"/>
+          <a:ext cx="6407150" cy="1165225"/>
+        </p:xfrm>
+        <a:graphic>
+          <a:graphicData uri="http://schemas.openxmlformats.org/presentationml/2006/ole">
+            <mc:AlternateContent xmlns:mc="http://schemas.openxmlformats.org/markup-compatibility/2006">
+              <mc:Choice xmlns:v="urn:schemas-microsoft-com:vml" Requires="v">
+                <p:oleObj name="RFFlow" r:id="rId3" imgW="3175000" imgH="584200" progId="RFFlow4">
+                  <p:embed/>
+                </p:oleObj>
+              </mc:Choice>
+              <mc:Fallback>
+                <p:oleObj name="RFFlow" r:id="rId3" imgW="3175000" imgH="584200" progId="RFFlow4">
+                  <p:embed/>
+                  <p:pic>
+                    <p:nvPicPr>
+                      <p:cNvPr id="2050" name="Object 4">
+                        <a:extLst>
+                          <a:ext uri="{FF2B5EF4-FFF2-40B4-BE49-F238E27FC236}">
+                            <a16:creationId xmlns:a16="http://schemas.microsoft.com/office/drawing/2014/main" id="{1DBDA9BA-DA77-15CA-1D0A-CABB0F8B85B8}"/>
+                          </a:ext>
+                        </a:extLst>
+                      </p:cNvPr>
+                      <p:cNvPicPr>
+                        <a:picLocks noChangeAspect="1" noChangeArrowheads="1"/>
+                      </p:cNvPicPr>
+                      <p:nvPr/>
+                    </p:nvPicPr>
+                    <p:blipFill>
+                      <a:blip r:embed="rId4">
+                        <a:extLst>
+                          <a:ext uri="{28A0092B-C50C-407E-A947-70E740481C1C}">
+                            <a14:useLocalDpi xmlns:a14="http://schemas.microsoft.com/office/drawing/2010/main" val="0"/>
+                          </a:ext>
+                        </a:extLst>
+                      </a:blip>
+                      <a:srcRect/>
+                      <a:stretch>
+                        <a:fillRect/>
+                      </a:stretch>
+                    </p:blipFill>
+                    <p:spPr bwMode="auto">
+                      <a:xfrm>
+                        <a:off x="1189038" y="2708275"/>
+                        <a:ext cx="6407150" cy="1165225"/>
+                      </a:xfrm>
+                      <a:prstGeom prst="rect">
+                        <a:avLst/>
+                      </a:prstGeom>
+                      <a:solidFill>
+                        <a:srgbClr val="CCFFCC"/>
+                      </a:solidFill>
+                      <a:ln>
+                        <a:noFill/>
+                      </a:ln>
+                      <a:effectLst/>
+                      <a:extLst>
+                        <a:ext uri="{91240B29-F687-4F45-9708-019B960494DF}">
+                          <a14:hiddenLine xmlns:a14="http://schemas.microsoft.com/office/drawing/2010/main" w="9525">
+                            <a:solidFill>
+                              <a:srgbClr val="000000"/>
+                            </a:solidFill>
+                            <a:miter lim="800000"/>
+                            <a:headEnd/>
+                            <a:tailEnd/>
+                          </a14:hiddenLine>
+                        </a:ext>
+                        <a:ext uri="{AF507438-7753-43E0-B8FC-AC1667EBCBE1}">
+                          <a14:hiddenEffects xmlns:a14="http://schemas.microsoft.com/office/drawing/2010/main">
+                            <a:effectLst>
+                              <a:outerShdw dist="35921" dir="2700000" algn="ctr" rotWithShape="0">
+                                <a:srgbClr val="808080"/>
+                              </a:outerShdw>
+                            </a:effectLst>
+                          </a14:hiddenEffects>
+                        </a:ext>
+                      </a:extLst>
+                    </p:spPr>
+                  </p:pic>
+                </p:oleObj>
+              </mc:Fallback>
+            </mc:AlternateContent>
+          </a:graphicData>
+        </a:graphic>
+      </p:graphicFrame>
     </p:spTree>
+    <p:extLst>
+      <p:ext uri="{BB962C8B-B14F-4D97-AF65-F5344CB8AC3E}">
+        <p14:creationId xmlns:p14="http://schemas.microsoft.com/office/powerpoint/2010/main" val="1998545935"/>
+      </p:ext>
+    </p:extLst>
   </p:cSld>
   <p:clrMapOvr>
     <a:masterClrMapping/>
@@ -6581,2852 +5493,597 @@
       </p:grpSpPr>
       <p:sp>
         <p:nvSpPr>
-          <p:cNvPr id="2" name="Title 1"/>
+          <p:cNvPr id="2051" name="Rectangle 2">
+            <a:extLst>
+              <a:ext uri="{FF2B5EF4-FFF2-40B4-BE49-F238E27FC236}">
+                <a16:creationId xmlns:a16="http://schemas.microsoft.com/office/drawing/2014/main" id="{31D6E301-B858-A164-0D9F-0CE7E64C3440}"/>
+              </a:ext>
+            </a:extLst>
+          </p:cNvPr>
           <p:cNvSpPr>
-            <a:spLocks noGrp="1"/>
+            <a:spLocks noGrp="1" noChangeArrowheads="1"/>
           </p:cNvSpPr>
           <p:nvPr>
             <p:ph type="title"/>
           </p:nvPr>
         </p:nvSpPr>
+        <p:spPr/>
+        <p:txBody>
+          <a:bodyPr>
+            <a:normAutofit/>
+          </a:bodyPr>
+          <a:lstStyle/>
+          <a:p>
+            <a:pPr eaLnBrk="1" fontAlgn="auto" hangingPunct="1">
+              <a:spcAft>
+                <a:spcPts val="0"/>
+              </a:spcAft>
+              <a:defRPr/>
+            </a:pPr>
+            <a:r>
+              <a:rPr lang="tr-TR" dirty="0" err="1"/>
+              <a:t>Declare</a:t>
+            </a:r>
+            <a:r>
+              <a:rPr lang="tr-TR" dirty="0"/>
+              <a:t> a Call </a:t>
+            </a:r>
+            <a:r>
+              <a:rPr lang="tr-TR" dirty="0" err="1"/>
+              <a:t>for</a:t>
+            </a:r>
+            <a:r>
+              <a:rPr lang="tr-TR" dirty="0"/>
+              <a:t> </a:t>
+            </a:r>
+            <a:r>
+              <a:rPr lang="tr-TR" dirty="0" err="1"/>
+              <a:t>Node</a:t>
+            </a:r>
+            <a:endParaRPr lang="en-US" dirty="0"/>
+          </a:p>
+        </p:txBody>
+      </p:sp>
+      <p:pic>
+        <p:nvPicPr>
+          <p:cNvPr id="5" name="Content Placeholder 4" descr="Text, letter&#10;&#10;Description automatically generated">
+            <a:extLst>
+              <a:ext uri="{FF2B5EF4-FFF2-40B4-BE49-F238E27FC236}">
+                <a16:creationId xmlns:a16="http://schemas.microsoft.com/office/drawing/2014/main" id="{510576BE-3A56-3798-F9C2-578698ECD5E6}"/>
+              </a:ext>
+            </a:extLst>
+          </p:cNvPr>
+          <p:cNvPicPr>
+            <a:picLocks noGrp="1" noChangeAspect="1"/>
+          </p:cNvPicPr>
+          <p:nvPr>
+            <p:ph idx="1"/>
+          </p:nvPr>
+        </p:nvPicPr>
+        <p:blipFill>
+          <a:blip r:embed="rId3">
+            <a:extLst>
+              <a:ext uri="{28A0092B-C50C-407E-A947-70E740481C1C}">
+                <a14:useLocalDpi xmlns:a14="http://schemas.microsoft.com/office/drawing/2010/main" val="0"/>
+              </a:ext>
+            </a:extLst>
+          </a:blip>
+          <a:stretch>
+            <a:fillRect/>
+          </a:stretch>
+        </p:blipFill>
         <p:spPr>
           <a:xfrm>
-            <a:off x="1181100" y="228600"/>
-            <a:ext cx="6781800" cy="838200"/>
+            <a:off x="762000" y="1621366"/>
+            <a:ext cx="8032674" cy="3103033"/>
           </a:xfrm>
         </p:spPr>
+      </p:pic>
+    </p:spTree>
+    <p:extLst>
+      <p:ext uri="{BB962C8B-B14F-4D97-AF65-F5344CB8AC3E}">
+        <p14:creationId xmlns:p14="http://schemas.microsoft.com/office/powerpoint/2010/main" val="2229946117"/>
+      </p:ext>
+    </p:extLst>
+  </p:cSld>
+  <p:clrMapOvr>
+    <a:masterClrMapping/>
+  </p:clrMapOvr>
+</p:sld>
+</file>
+
+<file path=ppt/slides/slide13.xml><?xml version="1.0" encoding="utf-8"?>
+<p:sld xmlns:a="http://schemas.openxmlformats.org/drawingml/2006/main" xmlns:r="http://schemas.openxmlformats.org/officeDocument/2006/relationships" xmlns:p="http://schemas.openxmlformats.org/presentationml/2006/main">
+  <p:cSld>
+    <p:spTree>
+      <p:nvGrpSpPr>
+        <p:cNvPr id="1" name=""/>
+        <p:cNvGrpSpPr/>
+        <p:nvPr/>
+      </p:nvGrpSpPr>
+      <p:grpSpPr>
+        <a:xfrm>
+          <a:off x="0" y="0"/>
+          <a:ext cx="0" cy="0"/>
+          <a:chOff x="0" y="0"/>
+          <a:chExt cx="0" cy="0"/>
+        </a:xfrm>
+      </p:grpSpPr>
+      <p:sp>
+        <p:nvSpPr>
+          <p:cNvPr id="2051" name="Rectangle 2">
+            <a:extLst>
+              <a:ext uri="{FF2B5EF4-FFF2-40B4-BE49-F238E27FC236}">
+                <a16:creationId xmlns:a16="http://schemas.microsoft.com/office/drawing/2014/main" id="{31D6E301-B858-A164-0D9F-0CE7E64C3440}"/>
+              </a:ext>
+            </a:extLst>
+          </p:cNvPr>
+          <p:cNvSpPr>
+            <a:spLocks noGrp="1" noChangeArrowheads="1"/>
+          </p:cNvSpPr>
+          <p:nvPr>
+            <p:ph type="title"/>
+          </p:nvPr>
+        </p:nvSpPr>
+        <p:spPr/>
         <p:txBody>
           <a:bodyPr>
-            <a:normAutofit fontScale="90000"/>
+            <a:normAutofit/>
           </a:bodyPr>
           <a:lstStyle/>
           <a:p>
-            <a:r>
-              <a:rPr lang="en-US" dirty="0"/>
-              <a:t>Exercise: arrays of objects</a:t>
-            </a:r>
+            <a:pPr eaLnBrk="1" fontAlgn="auto" hangingPunct="1">
+              <a:spcAft>
+                <a:spcPts val="0"/>
+              </a:spcAft>
+              <a:defRPr/>
+            </a:pPr>
+            <a:r>
+              <a:rPr lang="tr-TR" dirty="0" err="1"/>
+              <a:t>Linked</a:t>
+            </a:r>
+            <a:r>
+              <a:rPr lang="tr-TR" dirty="0"/>
+              <a:t> </a:t>
+            </a:r>
+            <a:r>
+              <a:rPr lang="tr-TR" dirty="0" err="1"/>
+              <a:t>List</a:t>
+            </a:r>
+            <a:endParaRPr lang="en-US" dirty="0"/>
+          </a:p>
+        </p:txBody>
+      </p:sp>
+      <p:pic>
+        <p:nvPicPr>
+          <p:cNvPr id="5" name="Content Placeholder 4" descr="A picture containing text, clock&#10;&#10;Description automatically generated">
+            <a:extLst>
+              <a:ext uri="{FF2B5EF4-FFF2-40B4-BE49-F238E27FC236}">
+                <a16:creationId xmlns:a16="http://schemas.microsoft.com/office/drawing/2014/main" id="{C8C6AB51-B8CF-8429-7D8E-57C0A6442C5F}"/>
+              </a:ext>
+            </a:extLst>
+          </p:cNvPr>
+          <p:cNvPicPr>
+            <a:picLocks noGrp="1" noChangeAspect="1"/>
+          </p:cNvPicPr>
+          <p:nvPr>
+            <p:ph idx="1"/>
+          </p:nvPr>
+        </p:nvPicPr>
+        <p:blipFill>
+          <a:blip r:embed="rId3">
+            <a:extLst>
+              <a:ext uri="{28A0092B-C50C-407E-A947-70E740481C1C}">
+                <a14:useLocalDpi xmlns:a14="http://schemas.microsoft.com/office/drawing/2010/main" val="0"/>
+              </a:ext>
+            </a:extLst>
+          </a:blip>
+          <a:stretch>
+            <a:fillRect/>
+          </a:stretch>
+        </p:blipFill>
+        <p:spPr>
+          <a:xfrm>
+            <a:off x="2590800" y="2209800"/>
+            <a:ext cx="3771900" cy="825500"/>
+          </a:xfrm>
+        </p:spPr>
+      </p:pic>
+      <p:cxnSp>
+        <p:nvCxnSpPr>
+          <p:cNvPr id="7" name="Straight Arrow Connector 6">
+            <a:extLst>
+              <a:ext uri="{FF2B5EF4-FFF2-40B4-BE49-F238E27FC236}">
+                <a16:creationId xmlns:a16="http://schemas.microsoft.com/office/drawing/2014/main" id="{6BFD03DC-7AF8-9B26-7CCB-11D9BD7D95BD}"/>
+              </a:ext>
+            </a:extLst>
+          </p:cNvPr>
+          <p:cNvCxnSpPr/>
+          <p:nvPr/>
+        </p:nvCxnSpPr>
+        <p:spPr>
+          <a:xfrm>
+            <a:off x="1828800" y="1828800"/>
+            <a:ext cx="1066800" cy="609600"/>
+          </a:xfrm>
+          <a:prstGeom prst="straightConnector1">
+            <a:avLst/>
+          </a:prstGeom>
+          <a:ln w="41275">
+            <a:tailEnd type="triangle"/>
+          </a:ln>
+        </p:spPr>
+        <p:style>
+          <a:lnRef idx="1">
+            <a:schemeClr val="accent1"/>
+          </a:lnRef>
+          <a:fillRef idx="0">
+            <a:schemeClr val="accent1"/>
+          </a:fillRef>
+          <a:effectRef idx="0">
+            <a:schemeClr val="accent1"/>
+          </a:effectRef>
+          <a:fontRef idx="minor">
+            <a:schemeClr val="tx1"/>
+          </a:fontRef>
+        </p:style>
+      </p:cxnSp>
+      <p:cxnSp>
+        <p:nvCxnSpPr>
+          <p:cNvPr id="8" name="Straight Arrow Connector 7">
+            <a:extLst>
+              <a:ext uri="{FF2B5EF4-FFF2-40B4-BE49-F238E27FC236}">
+                <a16:creationId xmlns:a16="http://schemas.microsoft.com/office/drawing/2014/main" id="{AB5DC924-363F-5AB4-75A1-C3482C40DB70}"/>
+              </a:ext>
+            </a:extLst>
+          </p:cNvPr>
+          <p:cNvCxnSpPr>
+            <a:cxnSpLocks/>
+          </p:cNvCxnSpPr>
+          <p:nvPr/>
+        </p:nvCxnSpPr>
+        <p:spPr>
+          <a:xfrm flipH="1">
+            <a:off x="6096000" y="1798638"/>
+            <a:ext cx="838200" cy="639762"/>
+          </a:xfrm>
+          <a:prstGeom prst="straightConnector1">
+            <a:avLst/>
+          </a:prstGeom>
+          <a:ln w="41275">
+            <a:tailEnd type="triangle"/>
+          </a:ln>
+        </p:spPr>
+        <p:style>
+          <a:lnRef idx="1">
+            <a:schemeClr val="accent1"/>
+          </a:lnRef>
+          <a:fillRef idx="0">
+            <a:schemeClr val="accent1"/>
+          </a:fillRef>
+          <a:effectRef idx="0">
+            <a:schemeClr val="accent1"/>
+          </a:effectRef>
+          <a:fontRef idx="minor">
+            <a:schemeClr val="tx1"/>
+          </a:fontRef>
+        </p:style>
+      </p:cxnSp>
+      <p:sp>
+        <p:nvSpPr>
+          <p:cNvPr id="11" name="Rectangle 10">
+            <a:extLst>
+              <a:ext uri="{FF2B5EF4-FFF2-40B4-BE49-F238E27FC236}">
+                <a16:creationId xmlns:a16="http://schemas.microsoft.com/office/drawing/2014/main" id="{641CDF64-976F-9276-099D-7328766FA613}"/>
+              </a:ext>
+            </a:extLst>
+          </p:cNvPr>
+          <p:cNvSpPr/>
+          <p:nvPr/>
+        </p:nvSpPr>
+        <p:spPr>
+          <a:xfrm>
+            <a:off x="457200" y="1417638"/>
+            <a:ext cx="1676400" cy="381000"/>
+          </a:xfrm>
+          <a:prstGeom prst="rect">
+            <a:avLst/>
+          </a:prstGeom>
+        </p:spPr>
+        <p:style>
+          <a:lnRef idx="2">
+            <a:schemeClr val="accent6"/>
+          </a:lnRef>
+          <a:fillRef idx="1">
+            <a:schemeClr val="lt1"/>
+          </a:fillRef>
+          <a:effectRef idx="0">
+            <a:schemeClr val="accent6"/>
+          </a:effectRef>
+          <a:fontRef idx="minor">
+            <a:schemeClr val="dk1"/>
+          </a:fontRef>
+        </p:style>
+        <p:txBody>
+          <a:bodyPr rtlCol="0" anchor="ctr"/>
+          <a:lstStyle/>
+          <a:p>
+            <a:pPr algn="ctr"/>
+            <a:r>
+              <a:rPr lang="en-US" dirty="0" err="1"/>
+              <a:t>Head_ptr</a:t>
+            </a:r>
+            <a:endParaRPr lang="en-US" dirty="0"/>
           </a:p>
         </p:txBody>
       </p:sp>
       <p:sp>
         <p:nvSpPr>
-          <p:cNvPr id="3" name="Content Placeholder 2"/>
+          <p:cNvPr id="12" name="Rectangle 11">
+            <a:extLst>
+              <a:ext uri="{FF2B5EF4-FFF2-40B4-BE49-F238E27FC236}">
+                <a16:creationId xmlns:a16="http://schemas.microsoft.com/office/drawing/2014/main" id="{2434C3D4-6DB8-519E-2599-697300611E72}"/>
+              </a:ext>
+            </a:extLst>
+          </p:cNvPr>
+          <p:cNvSpPr/>
+          <p:nvPr/>
+        </p:nvSpPr>
+        <p:spPr>
+          <a:xfrm>
+            <a:off x="6362700" y="1432719"/>
+            <a:ext cx="1676400" cy="381000"/>
+          </a:xfrm>
+          <a:prstGeom prst="rect">
+            <a:avLst/>
+          </a:prstGeom>
+        </p:spPr>
+        <p:style>
+          <a:lnRef idx="2">
+            <a:schemeClr val="accent6"/>
+          </a:lnRef>
+          <a:fillRef idx="1">
+            <a:schemeClr val="lt1"/>
+          </a:fillRef>
+          <a:effectRef idx="0">
+            <a:schemeClr val="accent6"/>
+          </a:effectRef>
+          <a:fontRef idx="minor">
+            <a:schemeClr val="dk1"/>
+          </a:fontRef>
+        </p:style>
+        <p:txBody>
+          <a:bodyPr rtlCol="0" anchor="ctr"/>
+          <a:lstStyle/>
+          <a:p>
+            <a:pPr algn="ctr"/>
+            <a:r>
+              <a:rPr lang="en-US" dirty="0" err="1"/>
+              <a:t>tail_ptr</a:t>
+            </a:r>
+            <a:endParaRPr lang="en-US" dirty="0"/>
+          </a:p>
+        </p:txBody>
+      </p:sp>
+      <p:pic>
+        <p:nvPicPr>
+          <p:cNvPr id="14" name="Picture 13" descr="Text&#10;&#10;Description automatically generated">
+            <a:extLst>
+              <a:ext uri="{FF2B5EF4-FFF2-40B4-BE49-F238E27FC236}">
+                <a16:creationId xmlns:a16="http://schemas.microsoft.com/office/drawing/2014/main" id="{C997D658-56D6-CFB4-9D45-8D24727B81A2}"/>
+              </a:ext>
+            </a:extLst>
+          </p:cNvPr>
+          <p:cNvPicPr>
+            <a:picLocks noChangeAspect="1"/>
+          </p:cNvPicPr>
+          <p:nvPr/>
+        </p:nvPicPr>
+        <p:blipFill>
+          <a:blip r:embed="rId4">
+            <a:extLst>
+              <a:ext uri="{28A0092B-C50C-407E-A947-70E740481C1C}">
+                <a14:useLocalDpi xmlns:a14="http://schemas.microsoft.com/office/drawing/2010/main" val="0"/>
+              </a:ext>
+            </a:extLst>
+          </a:blip>
+          <a:stretch>
+            <a:fillRect/>
+          </a:stretch>
+        </p:blipFill>
+        <p:spPr>
+          <a:xfrm>
+            <a:off x="898524" y="3230562"/>
+            <a:ext cx="2911476" cy="3600000"/>
+          </a:xfrm>
+          <a:prstGeom prst="rect">
+            <a:avLst/>
+          </a:prstGeom>
+        </p:spPr>
+      </p:pic>
+    </p:spTree>
+    <p:extLst>
+      <p:ext uri="{BB962C8B-B14F-4D97-AF65-F5344CB8AC3E}">
+        <p14:creationId xmlns:p14="http://schemas.microsoft.com/office/powerpoint/2010/main" val="889086778"/>
+      </p:ext>
+    </p:extLst>
+  </p:cSld>
+  <p:clrMapOvr>
+    <a:masterClrMapping/>
+  </p:clrMapOvr>
+</p:sld>
+</file>
+
+<file path=ppt/slides/slide14.xml><?xml version="1.0" encoding="utf-8"?>
+<p:sld xmlns:a="http://schemas.openxmlformats.org/drawingml/2006/main" xmlns:r="http://schemas.openxmlformats.org/officeDocument/2006/relationships" xmlns:p="http://schemas.openxmlformats.org/presentationml/2006/main">
+  <p:cSld>
+    <p:spTree>
+      <p:nvGrpSpPr>
+        <p:cNvPr id="1" name=""/>
+        <p:cNvGrpSpPr/>
+        <p:nvPr/>
+      </p:nvGrpSpPr>
+      <p:grpSpPr>
+        <a:xfrm>
+          <a:off x="0" y="0"/>
+          <a:ext cx="0" cy="0"/>
+          <a:chOff x="0" y="0"/>
+          <a:chExt cx="0" cy="0"/>
+        </a:xfrm>
+      </p:grpSpPr>
+      <p:sp>
+        <p:nvSpPr>
+          <p:cNvPr id="2051" name="Rectangle 2">
+            <a:extLst>
+              <a:ext uri="{FF2B5EF4-FFF2-40B4-BE49-F238E27FC236}">
+                <a16:creationId xmlns:a16="http://schemas.microsoft.com/office/drawing/2014/main" id="{31D6E301-B858-A164-0D9F-0CE7E64C3440}"/>
+              </a:ext>
+            </a:extLst>
+          </p:cNvPr>
           <p:cNvSpPr>
-            <a:spLocks noGrp="1"/>
+            <a:spLocks noGrp="1" noChangeArrowheads="1"/>
           </p:cNvSpPr>
           <p:nvPr>
-            <p:ph idx="1"/>
+            <p:ph type="title"/>
           </p:nvPr>
         </p:nvSpPr>
         <p:spPr/>
         <p:txBody>
-          <a:bodyPr/>
+          <a:bodyPr>
+            <a:normAutofit/>
+          </a:bodyPr>
           <a:lstStyle/>
           <a:p>
-            <a:r>
-              <a:rPr lang="en-US" dirty="0"/>
-              <a:t>Define a class to hold a point (x, y)</a:t>
-            </a:r>
-          </a:p>
-          <a:p>
-            <a:pPr lvl="1"/>
-            <a:r>
-              <a:rPr lang="en-US" dirty="0"/>
-              <a:t>Like you would use to specify points on the screen</a:t>
-            </a:r>
-          </a:p>
-          <a:p>
-            <a:r>
-              <a:rPr lang="en-US" dirty="0"/>
-              <a:t>Write a statement to declare an array of 100 points</a:t>
-            </a:r>
-          </a:p>
-          <a:p>
-            <a:r>
-              <a:rPr lang="en-US" dirty="0"/>
-              <a:t>Write statements to set the first point to (1, 4) </a:t>
-            </a:r>
-          </a:p>
-          <a:p>
-            <a:pPr lvl="1"/>
-            <a:r>
-              <a:rPr lang="en-US" dirty="0"/>
-              <a:t>That is, x is 1, y is 4</a:t>
-            </a:r>
-          </a:p>
-          <a:p>
-            <a:r>
-              <a:rPr lang="en-US" dirty="0"/>
-              <a:t>Write statements to set the second point to (5, 3)</a:t>
-            </a:r>
-          </a:p>
-          <a:p>
-            <a:r>
-              <a:rPr lang="en-US" dirty="0"/>
-              <a:t>Assuming there is an integer n, and there are n valid points in your array:</a:t>
-            </a:r>
-          </a:p>
-          <a:p>
-            <a:pPr lvl="1"/>
-            <a:r>
-              <a:rPr lang="en-US" dirty="0"/>
-              <a:t>Write statements to print the values of all 100 points to the screen</a:t>
-            </a:r>
-          </a:p>
-          <a:p>
+            <a:pPr eaLnBrk="1" fontAlgn="auto" hangingPunct="1">
+              <a:spcAft>
+                <a:spcPts val="0"/>
+              </a:spcAft>
+              <a:defRPr/>
+            </a:pPr>
+            <a:r>
+              <a:rPr lang="tr-TR" dirty="0" err="1"/>
+              <a:t>Linked</a:t>
+            </a:r>
+            <a:r>
+              <a:rPr lang="tr-TR" dirty="0"/>
+              <a:t> </a:t>
+            </a:r>
+            <a:r>
+              <a:rPr lang="tr-TR" dirty="0" err="1"/>
+              <a:t>List</a:t>
+            </a:r>
             <a:endParaRPr lang="en-US" dirty="0"/>
           </a:p>
         </p:txBody>
       </p:sp>
-      <p:grpSp>
-        <p:nvGrpSpPr>
-          <p:cNvPr id="18" name="Group 17">
+      <p:graphicFrame>
+        <p:nvGraphicFramePr>
+          <p:cNvPr id="2050" name="Object 4">
             <a:extLst>
               <a:ext uri="{FF2B5EF4-FFF2-40B4-BE49-F238E27FC236}">
-                <a16:creationId xmlns:a16="http://schemas.microsoft.com/office/drawing/2014/main" id="{7F0D3CE6-7DA5-6F41-B7CA-231BD6F80323}"/>
+                <a16:creationId xmlns:a16="http://schemas.microsoft.com/office/drawing/2014/main" id="{1DBDA9BA-DA77-15CA-1D0A-CABB0F8B85B8}"/>
               </a:ext>
             </a:extLst>
           </p:cNvPr>
-          <p:cNvGrpSpPr/>
-          <p:nvPr/>
-        </p:nvGrpSpPr>
-        <p:grpSpPr>
-          <a:xfrm>
-            <a:off x="6375532" y="333693"/>
-            <a:ext cx="2674800" cy="1787400"/>
-            <a:chOff x="6375532" y="333693"/>
-            <a:chExt cx="2674800" cy="1787400"/>
-          </a:xfrm>
-        </p:grpSpPr>
-        <mc:AlternateContent xmlns:mc="http://schemas.openxmlformats.org/markup-compatibility/2006" xmlns:p14="http://schemas.microsoft.com/office/powerpoint/2010/main">
-          <mc:Choice Requires="p14">
-            <p:contentPart p14:bwMode="auto" r:id="rId2">
-              <p14:nvContentPartPr>
-                <p14:cNvPr id="4" name="Ink 3">
-                  <a:extLst>
-                    <a:ext uri="{FF2B5EF4-FFF2-40B4-BE49-F238E27FC236}">
-                      <a16:creationId xmlns:a16="http://schemas.microsoft.com/office/drawing/2014/main" id="{8DD375E6-1EAD-1648-81D7-237629D55958}"/>
-                    </a:ext>
-                  </a:extLst>
-                </p14:cNvPr>
-                <p14:cNvContentPartPr/>
-                <p14:nvPr/>
-              </p14:nvContentPartPr>
-              <p14:xfrm>
-                <a:off x="6693412" y="333693"/>
-                <a:ext cx="81360" cy="1666080"/>
-              </p14:xfrm>
-            </p:contentPart>
-          </mc:Choice>
-          <mc:Fallback xmlns="">
-            <p:pic>
-              <p:nvPicPr>
-                <p:cNvPr id="4" name="Ink 3">
-                  <a:extLst>
-                    <a:ext uri="{FF2B5EF4-FFF2-40B4-BE49-F238E27FC236}">
-                      <a16:creationId xmlns:a16="http://schemas.microsoft.com/office/drawing/2014/main" id="{8DD375E6-1EAD-1648-81D7-237629D55958}"/>
-                    </a:ext>
-                  </a:extLst>
-                </p:cNvPr>
-                <p:cNvPicPr/>
-                <p:nvPr/>
-              </p:nvPicPr>
-              <p:blipFill>
-                <a:blip r:embed="rId3"/>
-                <a:stretch>
-                  <a:fillRect/>
-                </a:stretch>
-              </p:blipFill>
-              <p:spPr>
-                <a:xfrm>
-                  <a:off x="6684412" y="325053"/>
-                  <a:ext cx="99000" cy="1683720"/>
-                </a:xfrm>
-                <a:prstGeom prst="rect">
-                  <a:avLst/>
-                </a:prstGeom>
-              </p:spPr>
-            </p:pic>
-          </mc:Fallback>
-        </mc:AlternateContent>
-        <mc:AlternateContent xmlns:mc="http://schemas.openxmlformats.org/markup-compatibility/2006" xmlns:p14="http://schemas.microsoft.com/office/powerpoint/2010/main">
-          <mc:Choice Requires="p14">
-            <p:contentPart p14:bwMode="auto" r:id="rId4">
-              <p14:nvContentPartPr>
-                <p14:cNvPr id="5" name="Ink 4">
-                  <a:extLst>
-                    <a:ext uri="{FF2B5EF4-FFF2-40B4-BE49-F238E27FC236}">
-                      <a16:creationId xmlns:a16="http://schemas.microsoft.com/office/drawing/2014/main" id="{2B853FBE-5FFC-4543-8E5C-C17985CC729B}"/>
-                    </a:ext>
-                  </a:extLst>
-                </p14:cNvPr>
-                <p14:cNvContentPartPr/>
-                <p14:nvPr/>
-              </p14:nvContentPartPr>
-              <p14:xfrm>
-                <a:off x="6375532" y="1667493"/>
-                <a:ext cx="2541240" cy="108000"/>
-              </p14:xfrm>
-            </p:contentPart>
-          </mc:Choice>
-          <mc:Fallback xmlns="">
-            <p:pic>
-              <p:nvPicPr>
-                <p:cNvPr id="5" name="Ink 4">
-                  <a:extLst>
-                    <a:ext uri="{FF2B5EF4-FFF2-40B4-BE49-F238E27FC236}">
-                      <a16:creationId xmlns:a16="http://schemas.microsoft.com/office/drawing/2014/main" id="{2B853FBE-5FFC-4543-8E5C-C17985CC729B}"/>
-                    </a:ext>
-                  </a:extLst>
-                </p:cNvPr>
-                <p:cNvPicPr/>
-                <p:nvPr/>
-              </p:nvPicPr>
-              <p:blipFill>
-                <a:blip r:embed="rId5"/>
-                <a:stretch>
-                  <a:fillRect/>
-                </a:stretch>
-              </p:blipFill>
-              <p:spPr>
-                <a:xfrm>
-                  <a:off x="6366892" y="1658493"/>
-                  <a:ext cx="2558880" cy="125640"/>
-                </a:xfrm>
-                <a:prstGeom prst="rect">
-                  <a:avLst/>
-                </a:prstGeom>
-              </p:spPr>
-            </p:pic>
-          </mc:Fallback>
-        </mc:AlternateContent>
-        <mc:AlternateContent xmlns:mc="http://schemas.openxmlformats.org/markup-compatibility/2006" xmlns:p14="http://schemas.microsoft.com/office/powerpoint/2010/main">
-          <mc:Choice Requires="p14">
-            <p:contentPart p14:bwMode="auto" r:id="rId6">
-              <p14:nvContentPartPr>
-                <p14:cNvPr id="7" name="Ink 6">
-                  <a:extLst>
-                    <a:ext uri="{FF2B5EF4-FFF2-40B4-BE49-F238E27FC236}">
-                      <a16:creationId xmlns:a16="http://schemas.microsoft.com/office/drawing/2014/main" id="{ECCAA533-4AB0-A649-8A28-6C3F5EB3C67F}"/>
-                    </a:ext>
-                  </a:extLst>
-                </p14:cNvPr>
-                <p14:cNvContentPartPr/>
-                <p14:nvPr/>
-              </p14:nvContentPartPr>
-              <p14:xfrm>
-                <a:off x="8862052" y="1705653"/>
-                <a:ext cx="70560" cy="113400"/>
-              </p14:xfrm>
-            </p:contentPart>
-          </mc:Choice>
-          <mc:Fallback xmlns="">
-            <p:pic>
-              <p:nvPicPr>
-                <p:cNvPr id="7" name="Ink 6">
-                  <a:extLst>
-                    <a:ext uri="{FF2B5EF4-FFF2-40B4-BE49-F238E27FC236}">
-                      <a16:creationId xmlns:a16="http://schemas.microsoft.com/office/drawing/2014/main" id="{ECCAA533-4AB0-A649-8A28-6C3F5EB3C67F}"/>
-                    </a:ext>
-                  </a:extLst>
-                </p:cNvPr>
-                <p:cNvPicPr/>
-                <p:nvPr/>
-              </p:nvPicPr>
-              <p:blipFill>
-                <a:blip r:embed="rId7"/>
-                <a:stretch>
-                  <a:fillRect/>
-                </a:stretch>
-              </p:blipFill>
-              <p:spPr>
-                <a:xfrm>
-                  <a:off x="8853052" y="1696653"/>
-                  <a:ext cx="88200" cy="131040"/>
-                </a:xfrm>
-                <a:prstGeom prst="rect">
-                  <a:avLst/>
-                </a:prstGeom>
-              </p:spPr>
-            </p:pic>
-          </mc:Fallback>
-        </mc:AlternateContent>
-        <mc:AlternateContent xmlns:mc="http://schemas.openxmlformats.org/markup-compatibility/2006" xmlns:p14="http://schemas.microsoft.com/office/powerpoint/2010/main">
-          <mc:Choice Requires="p14">
-            <p:contentPart p14:bwMode="auto" r:id="rId8">
-              <p14:nvContentPartPr>
-                <p14:cNvPr id="8" name="Ink 7">
-                  <a:extLst>
-                    <a:ext uri="{FF2B5EF4-FFF2-40B4-BE49-F238E27FC236}">
-                      <a16:creationId xmlns:a16="http://schemas.microsoft.com/office/drawing/2014/main" id="{7887AD54-B480-8349-A998-022F8EACB2FE}"/>
-                    </a:ext>
-                  </a:extLst>
-                </p14:cNvPr>
-                <p14:cNvContentPartPr/>
-                <p14:nvPr/>
-              </p14:nvContentPartPr>
-              <p14:xfrm>
-                <a:off x="8516452" y="1935333"/>
-                <a:ext cx="89280" cy="117720"/>
-              </p14:xfrm>
-            </p:contentPart>
-          </mc:Choice>
-          <mc:Fallback xmlns="">
-            <p:pic>
-              <p:nvPicPr>
-                <p:cNvPr id="8" name="Ink 7">
-                  <a:extLst>
-                    <a:ext uri="{FF2B5EF4-FFF2-40B4-BE49-F238E27FC236}">
-                      <a16:creationId xmlns:a16="http://schemas.microsoft.com/office/drawing/2014/main" id="{7887AD54-B480-8349-A998-022F8EACB2FE}"/>
-                    </a:ext>
-                  </a:extLst>
-                </p:cNvPr>
-                <p:cNvPicPr/>
-                <p:nvPr/>
-              </p:nvPicPr>
-              <p:blipFill>
-                <a:blip r:embed="rId9"/>
-                <a:stretch>
-                  <a:fillRect/>
-                </a:stretch>
-              </p:blipFill>
-              <p:spPr>
-                <a:xfrm>
-                  <a:off x="8507452" y="1926333"/>
-                  <a:ext cx="106920" cy="135360"/>
-                </a:xfrm>
-                <a:prstGeom prst="rect">
-                  <a:avLst/>
-                </a:prstGeom>
-              </p:spPr>
-            </p:pic>
-          </mc:Fallback>
-        </mc:AlternateContent>
-        <mc:AlternateContent xmlns:mc="http://schemas.openxmlformats.org/markup-compatibility/2006" xmlns:p14="http://schemas.microsoft.com/office/powerpoint/2010/main">
-          <mc:Choice Requires="p14">
-            <p:contentPart p14:bwMode="auto" r:id="rId10">
-              <p14:nvContentPartPr>
-                <p14:cNvPr id="9" name="Ink 8">
-                  <a:extLst>
-                    <a:ext uri="{FF2B5EF4-FFF2-40B4-BE49-F238E27FC236}">
-                      <a16:creationId xmlns:a16="http://schemas.microsoft.com/office/drawing/2014/main" id="{98483424-6812-2A4D-915E-AC2C9960EEEF}"/>
-                    </a:ext>
-                  </a:extLst>
-                </p14:cNvPr>
-                <p14:cNvContentPartPr/>
-                <p14:nvPr/>
-              </p14:nvContentPartPr>
-              <p14:xfrm>
-                <a:off x="8499532" y="1963053"/>
-                <a:ext cx="123840" cy="80640"/>
-              </p14:xfrm>
-            </p:contentPart>
-          </mc:Choice>
-          <mc:Fallback xmlns="">
-            <p:pic>
-              <p:nvPicPr>
-                <p:cNvPr id="9" name="Ink 8">
-                  <a:extLst>
-                    <a:ext uri="{FF2B5EF4-FFF2-40B4-BE49-F238E27FC236}">
-                      <a16:creationId xmlns:a16="http://schemas.microsoft.com/office/drawing/2014/main" id="{98483424-6812-2A4D-915E-AC2C9960EEEF}"/>
-                    </a:ext>
-                  </a:extLst>
-                </p:cNvPr>
-                <p:cNvPicPr/>
-                <p:nvPr/>
-              </p:nvPicPr>
-              <p:blipFill>
-                <a:blip r:embed="rId11"/>
-                <a:stretch>
-                  <a:fillRect/>
-                </a:stretch>
-              </p:blipFill>
-              <p:spPr>
-                <a:xfrm>
-                  <a:off x="8490892" y="1954413"/>
-                  <a:ext cx="141480" cy="98280"/>
-                </a:xfrm>
-                <a:prstGeom prst="rect">
-                  <a:avLst/>
-                </a:prstGeom>
-              </p:spPr>
-            </p:pic>
-          </mc:Fallback>
-        </mc:AlternateContent>
-        <mc:AlternateContent xmlns:mc="http://schemas.openxmlformats.org/markup-compatibility/2006" xmlns:p14="http://schemas.microsoft.com/office/powerpoint/2010/main">
-          <mc:Choice Requires="p14">
-            <p:contentPart p14:bwMode="auto" r:id="rId12">
-              <p14:nvContentPartPr>
-                <p14:cNvPr id="10" name="Ink 9">
-                  <a:extLst>
-                    <a:ext uri="{FF2B5EF4-FFF2-40B4-BE49-F238E27FC236}">
-                      <a16:creationId xmlns:a16="http://schemas.microsoft.com/office/drawing/2014/main" id="{BB4A8408-F920-4944-8501-6754FA79B434}"/>
-                    </a:ext>
-                  </a:extLst>
-                </p14:cNvPr>
-                <p14:cNvContentPartPr/>
-                <p14:nvPr/>
-              </p14:nvContentPartPr>
-              <p14:xfrm>
-                <a:off x="8616892" y="2009853"/>
-                <a:ext cx="71640" cy="1080"/>
-              </p14:xfrm>
-            </p:contentPart>
-          </mc:Choice>
-          <mc:Fallback xmlns="">
-            <p:pic>
-              <p:nvPicPr>
-                <p:cNvPr id="10" name="Ink 9">
-                  <a:extLst>
-                    <a:ext uri="{FF2B5EF4-FFF2-40B4-BE49-F238E27FC236}">
-                      <a16:creationId xmlns:a16="http://schemas.microsoft.com/office/drawing/2014/main" id="{BB4A8408-F920-4944-8501-6754FA79B434}"/>
-                    </a:ext>
-                  </a:extLst>
-                </p:cNvPr>
-                <p:cNvPicPr/>
-                <p:nvPr/>
-              </p:nvPicPr>
-              <p:blipFill>
-                <a:blip r:embed="rId13"/>
-                <a:stretch>
-                  <a:fillRect/>
-                </a:stretch>
-              </p:blipFill>
-              <p:spPr>
-                <a:xfrm>
-                  <a:off x="8608252" y="2000853"/>
-                  <a:ext cx="89280" cy="18720"/>
-                </a:xfrm>
-                <a:prstGeom prst="rect">
-                  <a:avLst/>
-                </a:prstGeom>
-              </p:spPr>
-            </p:pic>
-          </mc:Fallback>
-        </mc:AlternateContent>
-        <mc:AlternateContent xmlns:mc="http://schemas.openxmlformats.org/markup-compatibility/2006" xmlns:p14="http://schemas.microsoft.com/office/powerpoint/2010/main">
-          <mc:Choice Requires="p14">
-            <p:contentPart p14:bwMode="auto" r:id="rId14">
-              <p14:nvContentPartPr>
-                <p14:cNvPr id="11" name="Ink 10">
-                  <a:extLst>
-                    <a:ext uri="{FF2B5EF4-FFF2-40B4-BE49-F238E27FC236}">
-                      <a16:creationId xmlns:a16="http://schemas.microsoft.com/office/drawing/2014/main" id="{F19B4E96-7F0C-2E4F-A5D2-E13E3A26F811}"/>
-                    </a:ext>
-                  </a:extLst>
-                </p14:cNvPr>
-                <p14:cNvContentPartPr/>
-                <p14:nvPr/>
-              </p14:nvContentPartPr>
-              <p14:xfrm>
-                <a:off x="8742532" y="1975653"/>
-                <a:ext cx="103680" cy="93600"/>
-              </p14:xfrm>
-            </p:contentPart>
-          </mc:Choice>
-          <mc:Fallback xmlns="">
-            <p:pic>
-              <p:nvPicPr>
-                <p:cNvPr id="11" name="Ink 10">
-                  <a:extLst>
-                    <a:ext uri="{FF2B5EF4-FFF2-40B4-BE49-F238E27FC236}">
-                      <a16:creationId xmlns:a16="http://schemas.microsoft.com/office/drawing/2014/main" id="{F19B4E96-7F0C-2E4F-A5D2-E13E3A26F811}"/>
-                    </a:ext>
-                  </a:extLst>
-                </p:cNvPr>
-                <p:cNvPicPr/>
-                <p:nvPr/>
-              </p:nvPicPr>
-              <p:blipFill>
-                <a:blip r:embed="rId15"/>
-                <a:stretch>
-                  <a:fillRect/>
-                </a:stretch>
-              </p:blipFill>
-              <p:spPr>
-                <a:xfrm>
-                  <a:off x="8733532" y="1966653"/>
-                  <a:ext cx="121320" cy="111240"/>
-                </a:xfrm>
-                <a:prstGeom prst="rect">
-                  <a:avLst/>
-                </a:prstGeom>
-              </p:spPr>
-            </p:pic>
-          </mc:Fallback>
-        </mc:AlternateContent>
-        <mc:AlternateContent xmlns:mc="http://schemas.openxmlformats.org/markup-compatibility/2006" xmlns:p14="http://schemas.microsoft.com/office/powerpoint/2010/main">
-          <mc:Choice Requires="p14">
-            <p:contentPart p14:bwMode="auto" r:id="rId16">
-              <p14:nvContentPartPr>
-                <p14:cNvPr id="12" name="Ink 11">
-                  <a:extLst>
-                    <a:ext uri="{FF2B5EF4-FFF2-40B4-BE49-F238E27FC236}">
-                      <a16:creationId xmlns:a16="http://schemas.microsoft.com/office/drawing/2014/main" id="{FF6293E4-60E8-104A-8EBB-22CB2A42DDA5}"/>
-                    </a:ext>
-                  </a:extLst>
-                </p14:cNvPr>
-                <p14:cNvContentPartPr/>
-                <p14:nvPr/>
-              </p14:nvContentPartPr>
-              <p14:xfrm>
-                <a:off x="8834692" y="2010933"/>
-                <a:ext cx="29520" cy="49320"/>
-              </p14:xfrm>
-            </p:contentPart>
-          </mc:Choice>
-          <mc:Fallback xmlns="">
-            <p:pic>
-              <p:nvPicPr>
-                <p:cNvPr id="12" name="Ink 11">
-                  <a:extLst>
-                    <a:ext uri="{FF2B5EF4-FFF2-40B4-BE49-F238E27FC236}">
-                      <a16:creationId xmlns:a16="http://schemas.microsoft.com/office/drawing/2014/main" id="{FF6293E4-60E8-104A-8EBB-22CB2A42DDA5}"/>
-                    </a:ext>
-                  </a:extLst>
-                </p:cNvPr>
-                <p:cNvPicPr/>
-                <p:nvPr/>
-              </p:nvPicPr>
-              <p:blipFill>
-                <a:blip r:embed="rId17"/>
-                <a:stretch>
-                  <a:fillRect/>
-                </a:stretch>
-              </p:blipFill>
-              <p:spPr>
-                <a:xfrm>
-                  <a:off x="8825692" y="2002293"/>
-                  <a:ext cx="47160" cy="66960"/>
-                </a:xfrm>
-                <a:prstGeom prst="rect">
-                  <a:avLst/>
-                </a:prstGeom>
-              </p:spPr>
-            </p:pic>
-          </mc:Fallback>
-        </mc:AlternateContent>
-        <mc:AlternateContent xmlns:mc="http://schemas.openxmlformats.org/markup-compatibility/2006" xmlns:p14="http://schemas.microsoft.com/office/powerpoint/2010/main">
-          <mc:Choice Requires="p14">
-            <p:contentPart p14:bwMode="auto" r:id="rId18">
-              <p14:nvContentPartPr>
-                <p14:cNvPr id="13" name="Ink 12">
-                  <a:extLst>
-                    <a:ext uri="{FF2B5EF4-FFF2-40B4-BE49-F238E27FC236}">
-                      <a16:creationId xmlns:a16="http://schemas.microsoft.com/office/drawing/2014/main" id="{2A76791E-3DAE-F74D-9031-7797C307499B}"/>
-                    </a:ext>
-                  </a:extLst>
-                </p14:cNvPr>
-                <p14:cNvContentPartPr/>
-                <p14:nvPr/>
-              </p14:nvContentPartPr>
-              <p14:xfrm>
-                <a:off x="8832532" y="2012733"/>
-                <a:ext cx="66600" cy="54000"/>
-              </p14:xfrm>
-            </p:contentPart>
-          </mc:Choice>
-          <mc:Fallback xmlns="">
-            <p:pic>
-              <p:nvPicPr>
-                <p:cNvPr id="13" name="Ink 12">
-                  <a:extLst>
-                    <a:ext uri="{FF2B5EF4-FFF2-40B4-BE49-F238E27FC236}">
-                      <a16:creationId xmlns:a16="http://schemas.microsoft.com/office/drawing/2014/main" id="{2A76791E-3DAE-F74D-9031-7797C307499B}"/>
-                    </a:ext>
-                  </a:extLst>
-                </p:cNvPr>
-                <p:cNvPicPr/>
-                <p:nvPr/>
-              </p:nvPicPr>
-              <p:blipFill>
-                <a:blip r:embed="rId19"/>
-                <a:stretch>
-                  <a:fillRect/>
-                </a:stretch>
-              </p:blipFill>
-              <p:spPr>
-                <a:xfrm>
-                  <a:off x="8823532" y="2003733"/>
-                  <a:ext cx="84240" cy="71640"/>
-                </a:xfrm>
-                <a:prstGeom prst="rect">
-                  <a:avLst/>
-                </a:prstGeom>
-              </p:spPr>
-            </p:pic>
-          </mc:Fallback>
-        </mc:AlternateContent>
-        <mc:AlternateContent xmlns:mc="http://schemas.openxmlformats.org/markup-compatibility/2006" xmlns:p14="http://schemas.microsoft.com/office/powerpoint/2010/main">
-          <mc:Choice Requires="p14">
-            <p:contentPart p14:bwMode="auto" r:id="rId20">
-              <p14:nvContentPartPr>
-                <p14:cNvPr id="14" name="Ink 13">
-                  <a:extLst>
-                    <a:ext uri="{FF2B5EF4-FFF2-40B4-BE49-F238E27FC236}">
-                      <a16:creationId xmlns:a16="http://schemas.microsoft.com/office/drawing/2014/main" id="{6FBD2C71-B741-F347-9A17-34DE673F4AA8}"/>
-                    </a:ext>
-                  </a:extLst>
-                </p14:cNvPr>
-                <p14:cNvContentPartPr/>
-                <p14:nvPr/>
-              </p14:nvContentPartPr>
-              <p14:xfrm>
-                <a:off x="8913172" y="2039013"/>
-                <a:ext cx="3240" cy="33480"/>
-              </p14:xfrm>
-            </p:contentPart>
-          </mc:Choice>
-          <mc:Fallback xmlns="">
-            <p:pic>
-              <p:nvPicPr>
-                <p:cNvPr id="14" name="Ink 13">
-                  <a:extLst>
-                    <a:ext uri="{FF2B5EF4-FFF2-40B4-BE49-F238E27FC236}">
-                      <a16:creationId xmlns:a16="http://schemas.microsoft.com/office/drawing/2014/main" id="{6FBD2C71-B741-F347-9A17-34DE673F4AA8}"/>
-                    </a:ext>
-                  </a:extLst>
-                </p:cNvPr>
-                <p:cNvPicPr/>
-                <p:nvPr/>
-              </p:nvPicPr>
-              <p:blipFill>
-                <a:blip r:embed="rId21"/>
-                <a:stretch>
-                  <a:fillRect/>
-                </a:stretch>
-              </p:blipFill>
-              <p:spPr>
-                <a:xfrm>
-                  <a:off x="8904532" y="2030013"/>
-                  <a:ext cx="20880" cy="51120"/>
-                </a:xfrm>
-                <a:prstGeom prst="rect">
-                  <a:avLst/>
-                </a:prstGeom>
-              </p:spPr>
-            </p:pic>
-          </mc:Fallback>
-        </mc:AlternateContent>
-        <mc:AlternateContent xmlns:mc="http://schemas.openxmlformats.org/markup-compatibility/2006" xmlns:p14="http://schemas.microsoft.com/office/powerpoint/2010/main">
-          <mc:Choice Requires="p14">
-            <p:contentPart p14:bwMode="auto" r:id="rId22">
-              <p14:nvContentPartPr>
-                <p14:cNvPr id="15" name="Ink 14">
-                  <a:extLst>
-                    <a:ext uri="{FF2B5EF4-FFF2-40B4-BE49-F238E27FC236}">
-                      <a16:creationId xmlns:a16="http://schemas.microsoft.com/office/drawing/2014/main" id="{FEF344DC-EE23-E44F-99F5-BF75C3C331D1}"/>
-                    </a:ext>
-                  </a:extLst>
-                </p14:cNvPr>
-                <p14:cNvContentPartPr/>
-                <p14:nvPr/>
-              </p14:nvContentPartPr>
-              <p14:xfrm>
-                <a:off x="8936932" y="1993653"/>
-                <a:ext cx="13320" cy="24480"/>
-              </p14:xfrm>
-            </p:contentPart>
-          </mc:Choice>
-          <mc:Fallback xmlns="">
-            <p:pic>
-              <p:nvPicPr>
-                <p:cNvPr id="15" name="Ink 14">
-                  <a:extLst>
-                    <a:ext uri="{FF2B5EF4-FFF2-40B4-BE49-F238E27FC236}">
-                      <a16:creationId xmlns:a16="http://schemas.microsoft.com/office/drawing/2014/main" id="{FEF344DC-EE23-E44F-99F5-BF75C3C331D1}"/>
-                    </a:ext>
-                  </a:extLst>
-                </p:cNvPr>
-                <p:cNvPicPr/>
-                <p:nvPr/>
-              </p:nvPicPr>
-              <p:blipFill>
-                <a:blip r:embed="rId23"/>
-                <a:stretch>
-                  <a:fillRect/>
-                </a:stretch>
-              </p:blipFill>
-              <p:spPr>
-                <a:xfrm>
-                  <a:off x="8928292" y="1984653"/>
-                  <a:ext cx="30960" cy="42120"/>
-                </a:xfrm>
-                <a:prstGeom prst="rect">
-                  <a:avLst/>
-                </a:prstGeom>
-              </p:spPr>
-            </p:pic>
-          </mc:Fallback>
-        </mc:AlternateContent>
-        <mc:AlternateContent xmlns:mc="http://schemas.openxmlformats.org/markup-compatibility/2006" xmlns:p14="http://schemas.microsoft.com/office/powerpoint/2010/main">
-          <mc:Choice Requires="p14">
-            <p:contentPart p14:bwMode="auto" r:id="rId24">
-              <p14:nvContentPartPr>
-                <p14:cNvPr id="16" name="Ink 15">
-                  <a:extLst>
-                    <a:ext uri="{FF2B5EF4-FFF2-40B4-BE49-F238E27FC236}">
-                      <a16:creationId xmlns:a16="http://schemas.microsoft.com/office/drawing/2014/main" id="{8444242E-B6DE-E442-BBF6-60F7388A14A2}"/>
-                    </a:ext>
-                  </a:extLst>
-                </p14:cNvPr>
-                <p14:cNvContentPartPr/>
-                <p14:nvPr/>
-              </p14:nvContentPartPr>
-              <p14:xfrm>
-                <a:off x="8998852" y="2033253"/>
-                <a:ext cx="42840" cy="87840"/>
-              </p14:xfrm>
-            </p:contentPart>
-          </mc:Choice>
-          <mc:Fallback xmlns="">
-            <p:pic>
-              <p:nvPicPr>
-                <p:cNvPr id="16" name="Ink 15">
-                  <a:extLst>
-                    <a:ext uri="{FF2B5EF4-FFF2-40B4-BE49-F238E27FC236}">
-                      <a16:creationId xmlns:a16="http://schemas.microsoft.com/office/drawing/2014/main" id="{8444242E-B6DE-E442-BBF6-60F7388A14A2}"/>
-                    </a:ext>
-                  </a:extLst>
-                </p:cNvPr>
-                <p:cNvPicPr/>
-                <p:nvPr/>
-              </p:nvPicPr>
-              <p:blipFill>
-                <a:blip r:embed="rId25"/>
-                <a:stretch>
-                  <a:fillRect/>
-                </a:stretch>
-              </p:blipFill>
-              <p:spPr>
-                <a:xfrm>
-                  <a:off x="8989852" y="2024253"/>
-                  <a:ext cx="60480" cy="105480"/>
-                </a:xfrm>
-                <a:prstGeom prst="rect">
-                  <a:avLst/>
-                </a:prstGeom>
-              </p:spPr>
-            </p:pic>
-          </mc:Fallback>
-        </mc:AlternateContent>
-        <mc:AlternateContent xmlns:mc="http://schemas.openxmlformats.org/markup-compatibility/2006" xmlns:p14="http://schemas.microsoft.com/office/powerpoint/2010/main">
-          <mc:Choice Requires="p14">
-            <p:contentPart p14:bwMode="auto" r:id="rId26">
-              <p14:nvContentPartPr>
-                <p14:cNvPr id="17" name="Ink 16">
-                  <a:extLst>
-                    <a:ext uri="{FF2B5EF4-FFF2-40B4-BE49-F238E27FC236}">
-                      <a16:creationId xmlns:a16="http://schemas.microsoft.com/office/drawing/2014/main" id="{E8E45919-BEEE-2A40-86C4-E5F648116246}"/>
-                    </a:ext>
-                  </a:extLst>
-                </p14:cNvPr>
-                <p14:cNvContentPartPr/>
-                <p14:nvPr/>
-              </p14:nvContentPartPr>
-              <p14:xfrm>
-                <a:off x="9031612" y="2041533"/>
-                <a:ext cx="18720" cy="3240"/>
-              </p14:xfrm>
-            </p:contentPart>
-          </mc:Choice>
-          <mc:Fallback xmlns="">
-            <p:pic>
-              <p:nvPicPr>
-                <p:cNvPr id="17" name="Ink 16">
-                  <a:extLst>
-                    <a:ext uri="{FF2B5EF4-FFF2-40B4-BE49-F238E27FC236}">
-                      <a16:creationId xmlns:a16="http://schemas.microsoft.com/office/drawing/2014/main" id="{E8E45919-BEEE-2A40-86C4-E5F648116246}"/>
-                    </a:ext>
-                  </a:extLst>
-                </p:cNvPr>
-                <p:cNvPicPr/>
-                <p:nvPr/>
-              </p:nvPicPr>
-              <p:blipFill>
-                <a:blip r:embed="rId27"/>
-                <a:stretch>
-                  <a:fillRect/>
-                </a:stretch>
-              </p:blipFill>
-              <p:spPr>
-                <a:xfrm>
-                  <a:off x="9022972" y="2032533"/>
-                  <a:ext cx="36360" cy="20880"/>
-                </a:xfrm>
-                <a:prstGeom prst="rect">
-                  <a:avLst/>
-                </a:prstGeom>
-              </p:spPr>
-            </p:pic>
-          </mc:Fallback>
-        </mc:AlternateContent>
-      </p:grpSp>
-      <p:grpSp>
-        <p:nvGrpSpPr>
-          <p:cNvPr id="31" name="Group 30">
-            <a:extLst>
-              <a:ext uri="{FF2B5EF4-FFF2-40B4-BE49-F238E27FC236}">
-                <a16:creationId xmlns:a16="http://schemas.microsoft.com/office/drawing/2014/main" id="{5B4F89CE-9FE9-554D-9D11-808CB2AE58B3}"/>
-              </a:ext>
-            </a:extLst>
-          </p:cNvPr>
-          <p:cNvGrpSpPr/>
-          <p:nvPr/>
-        </p:nvGrpSpPr>
-        <p:grpSpPr>
-          <a:xfrm>
-            <a:off x="6694492" y="238293"/>
-            <a:ext cx="803520" cy="218880"/>
-            <a:chOff x="6694492" y="238293"/>
-            <a:chExt cx="803520" cy="218880"/>
-          </a:xfrm>
-        </p:grpSpPr>
-        <mc:AlternateContent xmlns:mc="http://schemas.openxmlformats.org/markup-compatibility/2006" xmlns:p14="http://schemas.microsoft.com/office/powerpoint/2010/main">
-          <mc:Choice Requires="p14">
-            <p:contentPart p14:bwMode="auto" r:id="rId28">
-              <p14:nvContentPartPr>
-                <p14:cNvPr id="19" name="Ink 18">
-                  <a:extLst>
-                    <a:ext uri="{FF2B5EF4-FFF2-40B4-BE49-F238E27FC236}">
-                      <a16:creationId xmlns:a16="http://schemas.microsoft.com/office/drawing/2014/main" id="{D9F7CF0E-6B3E-BF40-83F7-7B0788641AEF}"/>
-                    </a:ext>
-                  </a:extLst>
-                </p14:cNvPr>
-                <p14:cNvContentPartPr/>
-                <p14:nvPr/>
-              </p14:nvContentPartPr>
-              <p14:xfrm>
-                <a:off x="6694492" y="338373"/>
-                <a:ext cx="84960" cy="27360"/>
-              </p14:xfrm>
-            </p:contentPart>
-          </mc:Choice>
-          <mc:Fallback xmlns="">
-            <p:pic>
-              <p:nvPicPr>
-                <p:cNvPr id="19" name="Ink 18">
-                  <a:extLst>
-                    <a:ext uri="{FF2B5EF4-FFF2-40B4-BE49-F238E27FC236}">
-                      <a16:creationId xmlns:a16="http://schemas.microsoft.com/office/drawing/2014/main" id="{D9F7CF0E-6B3E-BF40-83F7-7B0788641AEF}"/>
-                    </a:ext>
-                  </a:extLst>
-                </p:cNvPr>
-                <p:cNvPicPr/>
-                <p:nvPr/>
-              </p:nvPicPr>
-              <p:blipFill>
-                <a:blip r:embed="rId29"/>
-                <a:stretch>
-                  <a:fillRect/>
-                </a:stretch>
-              </p:blipFill>
-              <p:spPr>
-                <a:xfrm>
-                  <a:off x="6685852" y="329373"/>
-                  <a:ext cx="102600" cy="45000"/>
-                </a:xfrm>
-                <a:prstGeom prst="rect">
-                  <a:avLst/>
-                </a:prstGeom>
-              </p:spPr>
-            </p:pic>
-          </mc:Fallback>
-        </mc:AlternateContent>
-        <mc:AlternateContent xmlns:mc="http://schemas.openxmlformats.org/markup-compatibility/2006" xmlns:p14="http://schemas.microsoft.com/office/powerpoint/2010/main">
-          <mc:Choice Requires="p14">
-            <p:contentPart p14:bwMode="auto" r:id="rId30">
-              <p14:nvContentPartPr>
-                <p14:cNvPr id="20" name="Ink 19">
-                  <a:extLst>
-                    <a:ext uri="{FF2B5EF4-FFF2-40B4-BE49-F238E27FC236}">
-                      <a16:creationId xmlns:a16="http://schemas.microsoft.com/office/drawing/2014/main" id="{11B0D514-8CC6-5F4B-A01C-4F1CE5829CA6}"/>
-                    </a:ext>
-                  </a:extLst>
-                </p14:cNvPr>
-                <p14:cNvContentPartPr/>
-                <p14:nvPr/>
-              </p14:nvContentPartPr>
-              <p14:xfrm>
-                <a:off x="6749932" y="332613"/>
-                <a:ext cx="45000" cy="43560"/>
-              </p14:xfrm>
-            </p:contentPart>
-          </mc:Choice>
-          <mc:Fallback xmlns="">
-            <p:pic>
-              <p:nvPicPr>
-                <p:cNvPr id="20" name="Ink 19">
-                  <a:extLst>
-                    <a:ext uri="{FF2B5EF4-FFF2-40B4-BE49-F238E27FC236}">
-                      <a16:creationId xmlns:a16="http://schemas.microsoft.com/office/drawing/2014/main" id="{11B0D514-8CC6-5F4B-A01C-4F1CE5829CA6}"/>
-                    </a:ext>
-                  </a:extLst>
-                </p:cNvPr>
-                <p:cNvPicPr/>
-                <p:nvPr/>
-              </p:nvPicPr>
-              <p:blipFill>
-                <a:blip r:embed="rId31"/>
-                <a:stretch>
-                  <a:fillRect/>
-                </a:stretch>
-              </p:blipFill>
-              <p:spPr>
-                <a:xfrm>
-                  <a:off x="6740932" y="323613"/>
-                  <a:ext cx="62640" cy="61200"/>
-                </a:xfrm>
-                <a:prstGeom prst="rect">
-                  <a:avLst/>
-                </a:prstGeom>
-              </p:spPr>
-            </p:pic>
-          </mc:Fallback>
-        </mc:AlternateContent>
-        <mc:AlternateContent xmlns:mc="http://schemas.openxmlformats.org/markup-compatibility/2006" xmlns:p14="http://schemas.microsoft.com/office/powerpoint/2010/main">
-          <mc:Choice Requires="p14">
-            <p:contentPart p14:bwMode="auto" r:id="rId32">
-              <p14:nvContentPartPr>
-                <p14:cNvPr id="21" name="Ink 20">
-                  <a:extLst>
-                    <a:ext uri="{FF2B5EF4-FFF2-40B4-BE49-F238E27FC236}">
-                      <a16:creationId xmlns:a16="http://schemas.microsoft.com/office/drawing/2014/main" id="{8655D865-006D-3143-B820-10D6A73A1CE4}"/>
-                    </a:ext>
-                  </a:extLst>
-                </p14:cNvPr>
-                <p14:cNvContentPartPr/>
-                <p14:nvPr/>
-              </p14:nvContentPartPr>
-              <p14:xfrm>
-                <a:off x="6877012" y="238293"/>
-                <a:ext cx="53280" cy="80280"/>
-              </p14:xfrm>
-            </p:contentPart>
-          </mc:Choice>
-          <mc:Fallback xmlns="">
-            <p:pic>
-              <p:nvPicPr>
-                <p:cNvPr id="21" name="Ink 20">
-                  <a:extLst>
-                    <a:ext uri="{FF2B5EF4-FFF2-40B4-BE49-F238E27FC236}">
-                      <a16:creationId xmlns:a16="http://schemas.microsoft.com/office/drawing/2014/main" id="{8655D865-006D-3143-B820-10D6A73A1CE4}"/>
-                    </a:ext>
-                  </a:extLst>
-                </p:cNvPr>
-                <p:cNvPicPr/>
-                <p:nvPr/>
-              </p:nvPicPr>
-              <p:blipFill>
-                <a:blip r:embed="rId33"/>
-                <a:stretch>
-                  <a:fillRect/>
-                </a:stretch>
-              </p:blipFill>
-              <p:spPr>
-                <a:xfrm>
-                  <a:off x="6868372" y="229653"/>
-                  <a:ext cx="70920" cy="97920"/>
-                </a:xfrm>
-                <a:prstGeom prst="rect">
-                  <a:avLst/>
-                </a:prstGeom>
-              </p:spPr>
-            </p:pic>
-          </mc:Fallback>
-        </mc:AlternateContent>
-        <mc:AlternateContent xmlns:mc="http://schemas.openxmlformats.org/markup-compatibility/2006" xmlns:p14="http://schemas.microsoft.com/office/powerpoint/2010/main">
-          <mc:Choice Requires="p14">
-            <p:contentPart p14:bwMode="auto" r:id="rId34">
-              <p14:nvContentPartPr>
-                <p14:cNvPr id="22" name="Ink 21">
-                  <a:extLst>
-                    <a:ext uri="{FF2B5EF4-FFF2-40B4-BE49-F238E27FC236}">
-                      <a16:creationId xmlns:a16="http://schemas.microsoft.com/office/drawing/2014/main" id="{748EA504-C459-6145-9871-DC79014C899F}"/>
-                    </a:ext>
-                  </a:extLst>
-                </p14:cNvPr>
-                <p14:cNvContentPartPr/>
-                <p14:nvPr/>
-              </p14:nvContentPartPr>
-              <p14:xfrm>
-                <a:off x="6915892" y="270333"/>
-                <a:ext cx="69120" cy="153360"/>
-              </p14:xfrm>
-            </p:contentPart>
-          </mc:Choice>
-          <mc:Fallback xmlns="">
-            <p:pic>
-              <p:nvPicPr>
-                <p:cNvPr id="22" name="Ink 21">
-                  <a:extLst>
-                    <a:ext uri="{FF2B5EF4-FFF2-40B4-BE49-F238E27FC236}">
-                      <a16:creationId xmlns:a16="http://schemas.microsoft.com/office/drawing/2014/main" id="{748EA504-C459-6145-9871-DC79014C899F}"/>
-                    </a:ext>
-                  </a:extLst>
-                </p:cNvPr>
-                <p:cNvPicPr/>
-                <p:nvPr/>
-              </p:nvPicPr>
-              <p:blipFill>
-                <a:blip r:embed="rId35"/>
-                <a:stretch>
-                  <a:fillRect/>
-                </a:stretch>
-              </p:blipFill>
-              <p:spPr>
-                <a:xfrm>
-                  <a:off x="6907252" y="261693"/>
-                  <a:ext cx="86760" cy="171000"/>
-                </a:xfrm>
-                <a:prstGeom prst="rect">
-                  <a:avLst/>
-                </a:prstGeom>
-              </p:spPr>
-            </p:pic>
-          </mc:Fallback>
-        </mc:AlternateContent>
-        <mc:AlternateContent xmlns:mc="http://schemas.openxmlformats.org/markup-compatibility/2006" xmlns:p14="http://schemas.microsoft.com/office/powerpoint/2010/main">
-          <mc:Choice Requires="p14">
-            <p:contentPart p14:bwMode="auto" r:id="rId36">
-              <p14:nvContentPartPr>
-                <p14:cNvPr id="23" name="Ink 22">
-                  <a:extLst>
-                    <a:ext uri="{FF2B5EF4-FFF2-40B4-BE49-F238E27FC236}">
-                      <a16:creationId xmlns:a16="http://schemas.microsoft.com/office/drawing/2014/main" id="{15130A81-9414-BF44-931D-657687BFDB6B}"/>
-                    </a:ext>
-                  </a:extLst>
-                </p14:cNvPr>
-                <p14:cNvContentPartPr/>
-                <p14:nvPr/>
-              </p14:nvContentPartPr>
-              <p14:xfrm>
-                <a:off x="6960532" y="361773"/>
-                <a:ext cx="133200" cy="5040"/>
-              </p14:xfrm>
-            </p:contentPart>
-          </mc:Choice>
-          <mc:Fallback xmlns="">
-            <p:pic>
-              <p:nvPicPr>
-                <p:cNvPr id="23" name="Ink 22">
-                  <a:extLst>
-                    <a:ext uri="{FF2B5EF4-FFF2-40B4-BE49-F238E27FC236}">
-                      <a16:creationId xmlns:a16="http://schemas.microsoft.com/office/drawing/2014/main" id="{15130A81-9414-BF44-931D-657687BFDB6B}"/>
-                    </a:ext>
-                  </a:extLst>
-                </p:cNvPr>
-                <p:cNvPicPr/>
-                <p:nvPr/>
-              </p:nvPicPr>
-              <p:blipFill>
-                <a:blip r:embed="rId37"/>
-                <a:stretch>
-                  <a:fillRect/>
-                </a:stretch>
-              </p:blipFill>
-              <p:spPr>
-                <a:xfrm>
-                  <a:off x="6951532" y="353133"/>
-                  <a:ext cx="150840" cy="22680"/>
-                </a:xfrm>
-                <a:prstGeom prst="rect">
-                  <a:avLst/>
-                </a:prstGeom>
-              </p:spPr>
-            </p:pic>
-          </mc:Fallback>
-        </mc:AlternateContent>
-        <mc:AlternateContent xmlns:mc="http://schemas.openxmlformats.org/markup-compatibility/2006" xmlns:p14="http://schemas.microsoft.com/office/powerpoint/2010/main">
-          <mc:Choice Requires="p14">
-            <p:contentPart p14:bwMode="auto" r:id="rId38">
-              <p14:nvContentPartPr>
-                <p14:cNvPr id="24" name="Ink 23">
-                  <a:extLst>
-                    <a:ext uri="{FF2B5EF4-FFF2-40B4-BE49-F238E27FC236}">
-                      <a16:creationId xmlns:a16="http://schemas.microsoft.com/office/drawing/2014/main" id="{919065C8-1EC5-724A-BB9D-E7A1CBA0566C}"/>
-                    </a:ext>
-                  </a:extLst>
-                </p14:cNvPr>
-                <p14:cNvContentPartPr/>
-                <p14:nvPr/>
-              </p14:nvContentPartPr>
-              <p14:xfrm>
-                <a:off x="7119292" y="319653"/>
-                <a:ext cx="104400" cy="137520"/>
-              </p14:xfrm>
-            </p:contentPart>
-          </mc:Choice>
-          <mc:Fallback xmlns="">
-            <p:pic>
-              <p:nvPicPr>
-                <p:cNvPr id="24" name="Ink 23">
-                  <a:extLst>
-                    <a:ext uri="{FF2B5EF4-FFF2-40B4-BE49-F238E27FC236}">
-                      <a16:creationId xmlns:a16="http://schemas.microsoft.com/office/drawing/2014/main" id="{919065C8-1EC5-724A-BB9D-E7A1CBA0566C}"/>
-                    </a:ext>
-                  </a:extLst>
-                </p:cNvPr>
-                <p:cNvPicPr/>
-                <p:nvPr/>
-              </p:nvPicPr>
-              <p:blipFill>
-                <a:blip r:embed="rId39"/>
-                <a:stretch>
-                  <a:fillRect/>
-                </a:stretch>
-              </p:blipFill>
-              <p:spPr>
-                <a:xfrm>
-                  <a:off x="7110292" y="311013"/>
-                  <a:ext cx="122040" cy="155160"/>
-                </a:xfrm>
-                <a:prstGeom prst="rect">
-                  <a:avLst/>
-                </a:prstGeom>
-              </p:spPr>
-            </p:pic>
-          </mc:Fallback>
-        </mc:AlternateContent>
-        <mc:AlternateContent xmlns:mc="http://schemas.openxmlformats.org/markup-compatibility/2006" xmlns:p14="http://schemas.microsoft.com/office/powerpoint/2010/main">
-          <mc:Choice Requires="p14">
-            <p:contentPart p14:bwMode="auto" r:id="rId40">
-              <p14:nvContentPartPr>
-                <p14:cNvPr id="25" name="Ink 24">
-                  <a:extLst>
-                    <a:ext uri="{FF2B5EF4-FFF2-40B4-BE49-F238E27FC236}">
-                      <a16:creationId xmlns:a16="http://schemas.microsoft.com/office/drawing/2014/main" id="{B87DF971-2B24-8247-98AE-64B03384E9A2}"/>
-                    </a:ext>
-                  </a:extLst>
-                </p14:cNvPr>
-                <p14:cNvContentPartPr/>
-                <p14:nvPr/>
-              </p14:nvContentPartPr>
-              <p14:xfrm>
-                <a:off x="7230532" y="357453"/>
-                <a:ext cx="90360" cy="81000"/>
-              </p14:xfrm>
-            </p:contentPart>
-          </mc:Choice>
-          <mc:Fallback xmlns="">
-            <p:pic>
-              <p:nvPicPr>
-                <p:cNvPr id="25" name="Ink 24">
-                  <a:extLst>
-                    <a:ext uri="{FF2B5EF4-FFF2-40B4-BE49-F238E27FC236}">
-                      <a16:creationId xmlns:a16="http://schemas.microsoft.com/office/drawing/2014/main" id="{B87DF971-2B24-8247-98AE-64B03384E9A2}"/>
-                    </a:ext>
-                  </a:extLst>
-                </p:cNvPr>
-                <p:cNvPicPr/>
-                <p:nvPr/>
-              </p:nvPicPr>
-              <p:blipFill>
-                <a:blip r:embed="rId41"/>
-                <a:stretch>
-                  <a:fillRect/>
-                </a:stretch>
-              </p:blipFill>
-              <p:spPr>
-                <a:xfrm>
-                  <a:off x="7221892" y="348453"/>
-                  <a:ext cx="108000" cy="98640"/>
-                </a:xfrm>
-                <a:prstGeom prst="rect">
-                  <a:avLst/>
-                </a:prstGeom>
-              </p:spPr>
-            </p:pic>
-          </mc:Fallback>
-        </mc:AlternateContent>
-        <mc:AlternateContent xmlns:mc="http://schemas.openxmlformats.org/markup-compatibility/2006" xmlns:p14="http://schemas.microsoft.com/office/powerpoint/2010/main">
-          <mc:Choice Requires="p14">
-            <p:contentPart p14:bwMode="auto" r:id="rId42">
-              <p14:nvContentPartPr>
-                <p14:cNvPr id="26" name="Ink 25">
-                  <a:extLst>
-                    <a:ext uri="{FF2B5EF4-FFF2-40B4-BE49-F238E27FC236}">
-                      <a16:creationId xmlns:a16="http://schemas.microsoft.com/office/drawing/2014/main" id="{92E411E4-F37F-4345-AE2E-5FD01A92CB59}"/>
-                    </a:ext>
-                  </a:extLst>
-                </p14:cNvPr>
-                <p14:cNvContentPartPr/>
-                <p14:nvPr/>
-              </p14:nvContentPartPr>
-              <p14:xfrm>
-                <a:off x="7271212" y="368253"/>
-                <a:ext cx="65160" cy="56520"/>
-              </p14:xfrm>
-            </p:contentPart>
-          </mc:Choice>
-          <mc:Fallback xmlns="">
-            <p:pic>
-              <p:nvPicPr>
-                <p:cNvPr id="26" name="Ink 25">
-                  <a:extLst>
-                    <a:ext uri="{FF2B5EF4-FFF2-40B4-BE49-F238E27FC236}">
-                      <a16:creationId xmlns:a16="http://schemas.microsoft.com/office/drawing/2014/main" id="{92E411E4-F37F-4345-AE2E-5FD01A92CB59}"/>
-                    </a:ext>
-                  </a:extLst>
-                </p:cNvPr>
-                <p:cNvPicPr/>
-                <p:nvPr/>
-              </p:nvPicPr>
-              <p:blipFill>
-                <a:blip r:embed="rId43"/>
-                <a:stretch>
-                  <a:fillRect/>
-                </a:stretch>
-              </p:blipFill>
-              <p:spPr>
-                <a:xfrm>
-                  <a:off x="7262212" y="359253"/>
-                  <a:ext cx="82800" cy="74160"/>
-                </a:xfrm>
-                <a:prstGeom prst="rect">
-                  <a:avLst/>
-                </a:prstGeom>
-              </p:spPr>
-            </p:pic>
-          </mc:Fallback>
-        </mc:AlternateContent>
-        <mc:AlternateContent xmlns:mc="http://schemas.openxmlformats.org/markup-compatibility/2006" xmlns:p14="http://schemas.microsoft.com/office/powerpoint/2010/main">
-          <mc:Choice Requires="p14">
-            <p:contentPart p14:bwMode="auto" r:id="rId44">
-              <p14:nvContentPartPr>
-                <p14:cNvPr id="27" name="Ink 26">
-                  <a:extLst>
-                    <a:ext uri="{FF2B5EF4-FFF2-40B4-BE49-F238E27FC236}">
-                      <a16:creationId xmlns:a16="http://schemas.microsoft.com/office/drawing/2014/main" id="{E8C56295-6C8C-8B48-B47E-6A77B5F52CBA}"/>
-                    </a:ext>
-                  </a:extLst>
-                </p14:cNvPr>
-                <p14:cNvContentPartPr/>
-                <p14:nvPr/>
-              </p14:nvContentPartPr>
-              <p14:xfrm>
-                <a:off x="7347892" y="397773"/>
-                <a:ext cx="11520" cy="38520"/>
-              </p14:xfrm>
-            </p:contentPart>
-          </mc:Choice>
-          <mc:Fallback xmlns="">
-            <p:pic>
-              <p:nvPicPr>
-                <p:cNvPr id="27" name="Ink 26">
-                  <a:extLst>
-                    <a:ext uri="{FF2B5EF4-FFF2-40B4-BE49-F238E27FC236}">
-                      <a16:creationId xmlns:a16="http://schemas.microsoft.com/office/drawing/2014/main" id="{E8C56295-6C8C-8B48-B47E-6A77B5F52CBA}"/>
-                    </a:ext>
-                  </a:extLst>
-                </p:cNvPr>
-                <p:cNvPicPr/>
-                <p:nvPr/>
-              </p:nvPicPr>
-              <p:blipFill>
-                <a:blip r:embed="rId45"/>
-                <a:stretch>
-                  <a:fillRect/>
-                </a:stretch>
-              </p:blipFill>
-              <p:spPr>
-                <a:xfrm>
-                  <a:off x="7339252" y="388773"/>
-                  <a:ext cx="29160" cy="56160"/>
-                </a:xfrm>
-                <a:prstGeom prst="rect">
-                  <a:avLst/>
-                </a:prstGeom>
-              </p:spPr>
-            </p:pic>
-          </mc:Fallback>
-        </mc:AlternateContent>
-        <mc:AlternateContent xmlns:mc="http://schemas.openxmlformats.org/markup-compatibility/2006" xmlns:p14="http://schemas.microsoft.com/office/powerpoint/2010/main">
-          <mc:Choice Requires="p14">
-            <p:contentPart p14:bwMode="auto" r:id="rId46">
-              <p14:nvContentPartPr>
-                <p14:cNvPr id="28" name="Ink 27">
-                  <a:extLst>
-                    <a:ext uri="{FF2B5EF4-FFF2-40B4-BE49-F238E27FC236}">
-                      <a16:creationId xmlns:a16="http://schemas.microsoft.com/office/drawing/2014/main" id="{8B60B747-661C-AA4A-A913-3E5E7BB4A4C3}"/>
-                    </a:ext>
-                  </a:extLst>
-                </p14:cNvPr>
-                <p14:cNvContentPartPr/>
-                <p14:nvPr/>
-              </p14:nvContentPartPr>
-              <p14:xfrm>
-                <a:off x="7369492" y="342333"/>
-                <a:ext cx="2520" cy="8280"/>
-              </p14:xfrm>
-            </p:contentPart>
-          </mc:Choice>
-          <mc:Fallback xmlns="">
-            <p:pic>
-              <p:nvPicPr>
-                <p:cNvPr id="28" name="Ink 27">
-                  <a:extLst>
-                    <a:ext uri="{FF2B5EF4-FFF2-40B4-BE49-F238E27FC236}">
-                      <a16:creationId xmlns:a16="http://schemas.microsoft.com/office/drawing/2014/main" id="{8B60B747-661C-AA4A-A913-3E5E7BB4A4C3}"/>
-                    </a:ext>
-                  </a:extLst>
-                </p:cNvPr>
-                <p:cNvPicPr/>
-                <p:nvPr/>
-              </p:nvPicPr>
-              <p:blipFill>
-                <a:blip r:embed="rId47"/>
-                <a:stretch>
-                  <a:fillRect/>
-                </a:stretch>
-              </p:blipFill>
-              <p:spPr>
-                <a:xfrm>
-                  <a:off x="7360492" y="333333"/>
-                  <a:ext cx="20160" cy="25920"/>
-                </a:xfrm>
-                <a:prstGeom prst="rect">
-                  <a:avLst/>
-                </a:prstGeom>
-              </p:spPr>
-            </p:pic>
-          </mc:Fallback>
-        </mc:AlternateContent>
-        <mc:AlternateContent xmlns:mc="http://schemas.openxmlformats.org/markup-compatibility/2006" xmlns:p14="http://schemas.microsoft.com/office/powerpoint/2010/main">
-          <mc:Choice Requires="p14">
-            <p:contentPart p14:bwMode="auto" r:id="rId48">
-              <p14:nvContentPartPr>
-                <p14:cNvPr id="29" name="Ink 28">
-                  <a:extLst>
-                    <a:ext uri="{FF2B5EF4-FFF2-40B4-BE49-F238E27FC236}">
-                      <a16:creationId xmlns:a16="http://schemas.microsoft.com/office/drawing/2014/main" id="{FE391EA9-B341-8242-BC6F-3B7F17635AB4}"/>
-                    </a:ext>
-                  </a:extLst>
-                </p14:cNvPr>
-                <p14:cNvContentPartPr/>
-                <p14:nvPr/>
-              </p14:nvContentPartPr>
-              <p14:xfrm>
-                <a:off x="7395412" y="371133"/>
-                <a:ext cx="49680" cy="83880"/>
-              </p14:xfrm>
-            </p:contentPart>
-          </mc:Choice>
-          <mc:Fallback xmlns="">
-            <p:pic>
-              <p:nvPicPr>
-                <p:cNvPr id="29" name="Ink 28">
-                  <a:extLst>
-                    <a:ext uri="{FF2B5EF4-FFF2-40B4-BE49-F238E27FC236}">
-                      <a16:creationId xmlns:a16="http://schemas.microsoft.com/office/drawing/2014/main" id="{FE391EA9-B341-8242-BC6F-3B7F17635AB4}"/>
-                    </a:ext>
-                  </a:extLst>
-                </p:cNvPr>
-                <p:cNvPicPr/>
-                <p:nvPr/>
-              </p:nvPicPr>
-              <p:blipFill>
-                <a:blip r:embed="rId49"/>
-                <a:stretch>
-                  <a:fillRect/>
-                </a:stretch>
-              </p:blipFill>
-              <p:spPr>
-                <a:xfrm>
-                  <a:off x="7386412" y="362493"/>
-                  <a:ext cx="67320" cy="101520"/>
-                </a:xfrm>
-                <a:prstGeom prst="rect">
-                  <a:avLst/>
-                </a:prstGeom>
-              </p:spPr>
-            </p:pic>
-          </mc:Fallback>
-        </mc:AlternateContent>
-        <mc:AlternateContent xmlns:mc="http://schemas.openxmlformats.org/markup-compatibility/2006" xmlns:p14="http://schemas.microsoft.com/office/powerpoint/2010/main">
-          <mc:Choice Requires="p14">
-            <p:contentPart p14:bwMode="auto" r:id="rId50">
-              <p14:nvContentPartPr>
-                <p14:cNvPr id="30" name="Ink 29">
-                  <a:extLst>
-                    <a:ext uri="{FF2B5EF4-FFF2-40B4-BE49-F238E27FC236}">
-                      <a16:creationId xmlns:a16="http://schemas.microsoft.com/office/drawing/2014/main" id="{02AB11D8-DB67-8B48-A72D-B7D2EA9A3951}"/>
-                    </a:ext>
-                  </a:extLst>
-                </p14:cNvPr>
-                <p14:cNvContentPartPr/>
-                <p14:nvPr/>
-              </p14:nvContentPartPr>
-              <p14:xfrm>
-                <a:off x="7456252" y="396693"/>
-                <a:ext cx="41760" cy="1800"/>
-              </p14:xfrm>
-            </p:contentPart>
-          </mc:Choice>
-          <mc:Fallback xmlns="">
-            <p:pic>
-              <p:nvPicPr>
-                <p:cNvPr id="30" name="Ink 29">
-                  <a:extLst>
-                    <a:ext uri="{FF2B5EF4-FFF2-40B4-BE49-F238E27FC236}">
-                      <a16:creationId xmlns:a16="http://schemas.microsoft.com/office/drawing/2014/main" id="{02AB11D8-DB67-8B48-A72D-B7D2EA9A3951}"/>
-                    </a:ext>
-                  </a:extLst>
-                </p:cNvPr>
-                <p:cNvPicPr/>
-                <p:nvPr/>
-              </p:nvPicPr>
-              <p:blipFill>
-                <a:blip r:embed="rId51"/>
-                <a:stretch>
-                  <a:fillRect/>
-                </a:stretch>
-              </p:blipFill>
-              <p:spPr>
-                <a:xfrm>
-                  <a:off x="7447612" y="387693"/>
-                  <a:ext cx="59400" cy="19440"/>
-                </a:xfrm>
-                <a:prstGeom prst="rect">
-                  <a:avLst/>
-                </a:prstGeom>
-              </p:spPr>
-            </p:pic>
-          </mc:Fallback>
-        </mc:AlternateContent>
-      </p:grpSp>
-      <p:grpSp>
-        <p:nvGrpSpPr>
-          <p:cNvPr id="38" name="Group 37">
-            <a:extLst>
-              <a:ext uri="{FF2B5EF4-FFF2-40B4-BE49-F238E27FC236}">
-                <a16:creationId xmlns:a16="http://schemas.microsoft.com/office/drawing/2014/main" id="{DACD0AE3-A419-4840-B8CF-AFEC661F2E38}"/>
-              </a:ext>
-            </a:extLst>
-          </p:cNvPr>
-          <p:cNvGrpSpPr/>
-          <p:nvPr/>
-        </p:nvGrpSpPr>
-        <p:grpSpPr>
-          <a:xfrm>
-            <a:off x="7060252" y="1708533"/>
-            <a:ext cx="58320" cy="204120"/>
-            <a:chOff x="7060252" y="1708533"/>
-            <a:chExt cx="58320" cy="204120"/>
-          </a:xfrm>
-        </p:grpSpPr>
-        <mc:AlternateContent xmlns:mc="http://schemas.openxmlformats.org/markup-compatibility/2006" xmlns:p14="http://schemas.microsoft.com/office/powerpoint/2010/main">
-          <mc:Choice Requires="p14">
-            <p:contentPart p14:bwMode="auto" r:id="rId52">
-              <p14:nvContentPartPr>
-                <p14:cNvPr id="32" name="Ink 31">
-                  <a:extLst>
-                    <a:ext uri="{FF2B5EF4-FFF2-40B4-BE49-F238E27FC236}">
-                      <a16:creationId xmlns:a16="http://schemas.microsoft.com/office/drawing/2014/main" id="{A130BEAB-0A32-6148-8AF5-69C26F13DABE}"/>
-                    </a:ext>
-                  </a:extLst>
-                </p14:cNvPr>
-                <p14:cNvContentPartPr/>
-                <p14:nvPr/>
-              </p14:nvContentPartPr>
-              <p14:xfrm>
-                <a:off x="7081132" y="1708533"/>
-                <a:ext cx="10080" cy="29880"/>
-              </p14:xfrm>
-            </p:contentPart>
-          </mc:Choice>
-          <mc:Fallback xmlns="">
-            <p:pic>
-              <p:nvPicPr>
-                <p:cNvPr id="32" name="Ink 31">
-                  <a:extLst>
-                    <a:ext uri="{FF2B5EF4-FFF2-40B4-BE49-F238E27FC236}">
-                      <a16:creationId xmlns:a16="http://schemas.microsoft.com/office/drawing/2014/main" id="{A130BEAB-0A32-6148-8AF5-69C26F13DABE}"/>
-                    </a:ext>
-                  </a:extLst>
-                </p:cNvPr>
-                <p:cNvPicPr/>
-                <p:nvPr/>
-              </p:nvPicPr>
-              <p:blipFill>
-                <a:blip r:embed="rId53"/>
-                <a:stretch>
-                  <a:fillRect/>
-                </a:stretch>
-              </p:blipFill>
-              <p:spPr>
-                <a:xfrm>
-                  <a:off x="7072132" y="1699893"/>
-                  <a:ext cx="27720" cy="47520"/>
-                </a:xfrm>
-                <a:prstGeom prst="rect">
-                  <a:avLst/>
-                </a:prstGeom>
-              </p:spPr>
-            </p:pic>
-          </mc:Fallback>
-        </mc:AlternateContent>
-        <mc:AlternateContent xmlns:mc="http://schemas.openxmlformats.org/markup-compatibility/2006" xmlns:p14="http://schemas.microsoft.com/office/powerpoint/2010/main">
-          <mc:Choice Requires="p14">
-            <p:contentPart p14:bwMode="auto" r:id="rId54">
-              <p14:nvContentPartPr>
-                <p14:cNvPr id="33" name="Ink 32">
-                  <a:extLst>
-                    <a:ext uri="{FF2B5EF4-FFF2-40B4-BE49-F238E27FC236}">
-                      <a16:creationId xmlns:a16="http://schemas.microsoft.com/office/drawing/2014/main" id="{E5A212C5-2698-7D49-B64A-F82B6A481114}"/>
-                    </a:ext>
-                  </a:extLst>
-                </p14:cNvPr>
-                <p14:cNvContentPartPr/>
-                <p14:nvPr/>
-              </p14:nvContentPartPr>
-              <p14:xfrm>
-                <a:off x="7107052" y="1730493"/>
-                <a:ext cx="11520" cy="45360"/>
-              </p14:xfrm>
-            </p:contentPart>
-          </mc:Choice>
-          <mc:Fallback xmlns="">
-            <p:pic>
-              <p:nvPicPr>
-                <p:cNvPr id="33" name="Ink 32">
-                  <a:extLst>
-                    <a:ext uri="{FF2B5EF4-FFF2-40B4-BE49-F238E27FC236}">
-                      <a16:creationId xmlns:a16="http://schemas.microsoft.com/office/drawing/2014/main" id="{E5A212C5-2698-7D49-B64A-F82B6A481114}"/>
-                    </a:ext>
-                  </a:extLst>
-                </p:cNvPr>
-                <p:cNvPicPr/>
-                <p:nvPr/>
-              </p:nvPicPr>
-              <p:blipFill>
-                <a:blip r:embed="rId55"/>
-                <a:stretch>
-                  <a:fillRect/>
-                </a:stretch>
-              </p:blipFill>
-              <p:spPr>
-                <a:xfrm>
-                  <a:off x="7098052" y="1721493"/>
-                  <a:ext cx="29160" cy="63000"/>
-                </a:xfrm>
-                <a:prstGeom prst="rect">
-                  <a:avLst/>
-                </a:prstGeom>
-              </p:spPr>
-            </p:pic>
-          </mc:Fallback>
-        </mc:AlternateContent>
-        <mc:AlternateContent xmlns:mc="http://schemas.openxmlformats.org/markup-compatibility/2006" xmlns:p14="http://schemas.microsoft.com/office/powerpoint/2010/main">
-          <mc:Choice Requires="p14">
-            <p:contentPart p14:bwMode="auto" r:id="rId56">
-              <p14:nvContentPartPr>
-                <p14:cNvPr id="34" name="Ink 33">
-                  <a:extLst>
-                    <a:ext uri="{FF2B5EF4-FFF2-40B4-BE49-F238E27FC236}">
-                      <a16:creationId xmlns:a16="http://schemas.microsoft.com/office/drawing/2014/main" id="{1DEA1FEE-1EDF-BE40-BD93-D57B5A352CFA}"/>
-                    </a:ext>
-                  </a:extLst>
-                </p14:cNvPr>
-                <p14:cNvContentPartPr/>
-                <p14:nvPr/>
-              </p14:nvContentPartPr>
-              <p14:xfrm>
-                <a:off x="7060252" y="1851813"/>
-                <a:ext cx="19800" cy="60840"/>
-              </p14:xfrm>
-            </p:contentPart>
-          </mc:Choice>
-          <mc:Fallback xmlns="">
-            <p:pic>
-              <p:nvPicPr>
-                <p:cNvPr id="34" name="Ink 33">
-                  <a:extLst>
-                    <a:ext uri="{FF2B5EF4-FFF2-40B4-BE49-F238E27FC236}">
-                      <a16:creationId xmlns:a16="http://schemas.microsoft.com/office/drawing/2014/main" id="{1DEA1FEE-1EDF-BE40-BD93-D57B5A352CFA}"/>
-                    </a:ext>
-                  </a:extLst>
-                </p:cNvPr>
-                <p:cNvPicPr/>
-                <p:nvPr/>
-              </p:nvPicPr>
-              <p:blipFill>
-                <a:blip r:embed="rId57"/>
-                <a:stretch>
-                  <a:fillRect/>
-                </a:stretch>
-              </p:blipFill>
-              <p:spPr>
-                <a:xfrm>
-                  <a:off x="7051252" y="1842813"/>
-                  <a:ext cx="37440" cy="78480"/>
-                </a:xfrm>
-                <a:prstGeom prst="rect">
-                  <a:avLst/>
-                </a:prstGeom>
-              </p:spPr>
-            </p:pic>
-          </mc:Fallback>
-        </mc:AlternateContent>
-      </p:grpSp>
-      <p:grpSp>
-        <p:nvGrpSpPr>
-          <p:cNvPr id="37" name="Group 36">
-            <a:extLst>
-              <a:ext uri="{FF2B5EF4-FFF2-40B4-BE49-F238E27FC236}">
-                <a16:creationId xmlns:a16="http://schemas.microsoft.com/office/drawing/2014/main" id="{6863A71A-96AB-BF4C-8BAA-3A0BE85484C3}"/>
-              </a:ext>
-            </a:extLst>
-          </p:cNvPr>
-          <p:cNvGrpSpPr/>
-          <p:nvPr/>
-        </p:nvGrpSpPr>
-        <p:grpSpPr>
-          <a:xfrm>
-            <a:off x="7514932" y="1708893"/>
-            <a:ext cx="138240" cy="262800"/>
-            <a:chOff x="7514932" y="1708893"/>
-            <a:chExt cx="138240" cy="262800"/>
-          </a:xfrm>
-        </p:grpSpPr>
-        <mc:AlternateContent xmlns:mc="http://schemas.openxmlformats.org/markup-compatibility/2006" xmlns:p14="http://schemas.microsoft.com/office/powerpoint/2010/main">
-          <mc:Choice Requires="p14">
-            <p:contentPart p14:bwMode="auto" r:id="rId58">
-              <p14:nvContentPartPr>
-                <p14:cNvPr id="35" name="Ink 34">
-                  <a:extLst>
-                    <a:ext uri="{FF2B5EF4-FFF2-40B4-BE49-F238E27FC236}">
-                      <a16:creationId xmlns:a16="http://schemas.microsoft.com/office/drawing/2014/main" id="{ED713EA6-02C7-7446-A97C-5F0AC4BE947E}"/>
-                    </a:ext>
-                  </a:extLst>
-                </p14:cNvPr>
-                <p14:cNvContentPartPr/>
-                <p14:nvPr/>
-              </p14:nvContentPartPr>
-              <p14:xfrm>
-                <a:off x="7588012" y="1708893"/>
-                <a:ext cx="6120" cy="70560"/>
-              </p14:xfrm>
-            </p:contentPart>
-          </mc:Choice>
-          <mc:Fallback xmlns="">
-            <p:pic>
-              <p:nvPicPr>
-                <p:cNvPr id="35" name="Ink 34">
-                  <a:extLst>
-                    <a:ext uri="{FF2B5EF4-FFF2-40B4-BE49-F238E27FC236}">
-                      <a16:creationId xmlns:a16="http://schemas.microsoft.com/office/drawing/2014/main" id="{ED713EA6-02C7-7446-A97C-5F0AC4BE947E}"/>
-                    </a:ext>
-                  </a:extLst>
-                </p:cNvPr>
-                <p:cNvPicPr/>
-                <p:nvPr/>
-              </p:nvPicPr>
-              <p:blipFill>
-                <a:blip r:embed="rId59"/>
-                <a:stretch>
-                  <a:fillRect/>
-                </a:stretch>
-              </p:blipFill>
-              <p:spPr>
-                <a:xfrm>
-                  <a:off x="7579372" y="1700253"/>
-                  <a:ext cx="23760" cy="88200"/>
-                </a:xfrm>
-                <a:prstGeom prst="rect">
-                  <a:avLst/>
-                </a:prstGeom>
-              </p:spPr>
-            </p:pic>
-          </mc:Fallback>
-        </mc:AlternateContent>
-        <mc:AlternateContent xmlns:mc="http://schemas.openxmlformats.org/markup-compatibility/2006" xmlns:p14="http://schemas.microsoft.com/office/powerpoint/2010/main">
-          <mc:Choice Requires="p14">
-            <p:contentPart p14:bwMode="auto" r:id="rId60">
-              <p14:nvContentPartPr>
-                <p14:cNvPr id="36" name="Ink 35">
-                  <a:extLst>
-                    <a:ext uri="{FF2B5EF4-FFF2-40B4-BE49-F238E27FC236}">
-                      <a16:creationId xmlns:a16="http://schemas.microsoft.com/office/drawing/2014/main" id="{EF01B1DE-B8C1-7941-997A-4C25271B5DFC}"/>
-                    </a:ext>
-                  </a:extLst>
-                </p14:cNvPr>
-                <p14:cNvContentPartPr/>
-                <p14:nvPr/>
-              </p14:nvContentPartPr>
-              <p14:xfrm>
-                <a:off x="7514932" y="1854333"/>
-                <a:ext cx="138240" cy="117360"/>
-              </p14:xfrm>
-            </p:contentPart>
-          </mc:Choice>
-          <mc:Fallback xmlns="">
-            <p:pic>
-              <p:nvPicPr>
-                <p:cNvPr id="36" name="Ink 35">
-                  <a:extLst>
-                    <a:ext uri="{FF2B5EF4-FFF2-40B4-BE49-F238E27FC236}">
-                      <a16:creationId xmlns:a16="http://schemas.microsoft.com/office/drawing/2014/main" id="{EF01B1DE-B8C1-7941-997A-4C25271B5DFC}"/>
-                    </a:ext>
-                  </a:extLst>
-                </p:cNvPr>
-                <p:cNvPicPr/>
-                <p:nvPr/>
-              </p:nvPicPr>
-              <p:blipFill>
-                <a:blip r:embed="rId61"/>
-                <a:stretch>
-                  <a:fillRect/>
-                </a:stretch>
-              </p:blipFill>
-              <p:spPr>
-                <a:xfrm>
-                  <a:off x="7505932" y="1845693"/>
-                  <a:ext cx="155880" cy="135000"/>
-                </a:xfrm>
-                <a:prstGeom prst="rect">
-                  <a:avLst/>
-                </a:prstGeom>
-              </p:spPr>
-            </p:pic>
-          </mc:Fallback>
-        </mc:AlternateContent>
-      </p:grpSp>
-      <mc:AlternateContent xmlns:mc="http://schemas.openxmlformats.org/markup-compatibility/2006" xmlns:p14="http://schemas.microsoft.com/office/powerpoint/2010/main">
-        <mc:Choice Requires="p14">
-          <p:contentPart p14:bwMode="auto" r:id="rId62">
-            <p14:nvContentPartPr>
-              <p14:cNvPr id="39" name="Ink 38">
-                <a:extLst>
-                  <a:ext uri="{FF2B5EF4-FFF2-40B4-BE49-F238E27FC236}">
-                    <a16:creationId xmlns:a16="http://schemas.microsoft.com/office/drawing/2014/main" id="{19D8DAC6-2C78-1B4B-9164-456E13FEA417}"/>
-                  </a:ext>
-                </a:extLst>
-              </p14:cNvPr>
-              <p14:cNvContentPartPr/>
-              <p14:nvPr/>
-            </p14:nvContentPartPr>
-            <p14:xfrm>
-              <a:off x="8068972" y="1729053"/>
-              <a:ext cx="13320" cy="66600"/>
-            </p14:xfrm>
-          </p:contentPart>
-        </mc:Choice>
-        <mc:Fallback xmlns="">
-          <p:pic>
-            <p:nvPicPr>
-              <p:cNvPr id="39" name="Ink 38">
-                <a:extLst>
-                  <a:ext uri="{FF2B5EF4-FFF2-40B4-BE49-F238E27FC236}">
-                    <a16:creationId xmlns:a16="http://schemas.microsoft.com/office/drawing/2014/main" id="{19D8DAC6-2C78-1B4B-9164-456E13FEA417}"/>
-                  </a:ext>
-                </a:extLst>
-              </p:cNvPr>
-              <p:cNvPicPr/>
-              <p:nvPr/>
-            </p:nvPicPr>
-            <p:blipFill>
-              <a:blip r:embed="rId63"/>
-              <a:stretch>
-                <a:fillRect/>
-              </a:stretch>
-            </p:blipFill>
-            <p:spPr>
-              <a:xfrm>
-                <a:off x="8060332" y="1720053"/>
-                <a:ext cx="30960" cy="84240"/>
-              </a:xfrm>
-              <a:prstGeom prst="rect">
-                <a:avLst/>
-              </a:prstGeom>
-            </p:spPr>
-          </p:pic>
-        </mc:Fallback>
-      </mc:AlternateContent>
-      <mc:AlternateContent xmlns:mc="http://schemas.openxmlformats.org/markup-compatibility/2006" xmlns:p14="http://schemas.microsoft.com/office/powerpoint/2010/main">
-        <mc:Choice Requires="p14">
-          <p:contentPart p14:bwMode="auto" r:id="rId64">
-            <p14:nvContentPartPr>
-              <p14:cNvPr id="40" name="Ink 39">
-                <a:extLst>
-                  <a:ext uri="{FF2B5EF4-FFF2-40B4-BE49-F238E27FC236}">
-                    <a16:creationId xmlns:a16="http://schemas.microsoft.com/office/drawing/2014/main" id="{D2818660-59B0-AC4D-ADF3-A6EFD86FAD5B}"/>
-                  </a:ext>
-                </a:extLst>
-              </p14:cNvPr>
-              <p14:cNvContentPartPr/>
-              <p14:nvPr/>
-            </p14:nvContentPartPr>
-            <p14:xfrm>
-              <a:off x="7981132" y="1887453"/>
-              <a:ext cx="154800" cy="152640"/>
-            </p14:xfrm>
-          </p:contentPart>
-        </mc:Choice>
-        <mc:Fallback xmlns="">
-          <p:pic>
-            <p:nvPicPr>
-              <p:cNvPr id="40" name="Ink 39">
-                <a:extLst>
-                  <a:ext uri="{FF2B5EF4-FFF2-40B4-BE49-F238E27FC236}">
-                    <a16:creationId xmlns:a16="http://schemas.microsoft.com/office/drawing/2014/main" id="{D2818660-59B0-AC4D-ADF3-A6EFD86FAD5B}"/>
-                  </a:ext>
-                </a:extLst>
-              </p:cNvPr>
-              <p:cNvPicPr/>
-              <p:nvPr/>
-            </p:nvPicPr>
-            <p:blipFill>
-              <a:blip r:embed="rId65"/>
-              <a:stretch>
-                <a:fillRect/>
-              </a:stretch>
-            </p:blipFill>
-            <p:spPr>
-              <a:xfrm>
-                <a:off x="7972492" y="1878453"/>
-                <a:ext cx="172440" cy="170280"/>
-              </a:xfrm>
-              <a:prstGeom prst="rect">
-                <a:avLst/>
-              </a:prstGeom>
-            </p:spPr>
-          </p:pic>
-        </mc:Fallback>
-      </mc:AlternateContent>
-      <mc:AlternateContent xmlns:mc="http://schemas.openxmlformats.org/markup-compatibility/2006" xmlns:p14="http://schemas.microsoft.com/office/powerpoint/2010/main">
-        <mc:Choice Requires="p14">
-          <p:contentPart p14:bwMode="auto" r:id="rId66">
-            <p14:nvContentPartPr>
-              <p14:cNvPr id="41" name="Ink 40">
-                <a:extLst>
-                  <a:ext uri="{FF2B5EF4-FFF2-40B4-BE49-F238E27FC236}">
-                    <a16:creationId xmlns:a16="http://schemas.microsoft.com/office/drawing/2014/main" id="{A3CD41AF-E391-BE45-A39D-F59496B11D04}"/>
-                  </a:ext>
-                </a:extLst>
-              </p14:cNvPr>
-              <p14:cNvContentPartPr/>
-              <p14:nvPr/>
-            </p14:nvContentPartPr>
-            <p14:xfrm>
-              <a:off x="6716092" y="1380933"/>
-              <a:ext cx="40320" cy="2520"/>
-            </p14:xfrm>
-          </p:contentPart>
-        </mc:Choice>
-        <mc:Fallback xmlns="">
-          <p:pic>
-            <p:nvPicPr>
-              <p:cNvPr id="41" name="Ink 40">
-                <a:extLst>
-                  <a:ext uri="{FF2B5EF4-FFF2-40B4-BE49-F238E27FC236}">
-                    <a16:creationId xmlns:a16="http://schemas.microsoft.com/office/drawing/2014/main" id="{A3CD41AF-E391-BE45-A39D-F59496B11D04}"/>
-                  </a:ext>
-                </a:extLst>
-              </p:cNvPr>
-              <p:cNvPicPr/>
-              <p:nvPr/>
-            </p:nvPicPr>
-            <p:blipFill>
-              <a:blip r:embed="rId67"/>
-              <a:stretch>
-                <a:fillRect/>
-              </a:stretch>
-            </p:blipFill>
-            <p:spPr>
-              <a:xfrm>
-                <a:off x="6707452" y="1371933"/>
-                <a:ext cx="57960" cy="20160"/>
-              </a:xfrm>
-              <a:prstGeom prst="rect">
-                <a:avLst/>
-              </a:prstGeom>
-            </p:spPr>
-          </p:pic>
-        </mc:Fallback>
-      </mc:AlternateContent>
-      <mc:AlternateContent xmlns:mc="http://schemas.openxmlformats.org/markup-compatibility/2006" xmlns:p14="http://schemas.microsoft.com/office/powerpoint/2010/main">
-        <mc:Choice Requires="p14">
-          <p:contentPart p14:bwMode="auto" r:id="rId68">
-            <p14:nvContentPartPr>
-              <p14:cNvPr id="42" name="Ink 41">
-                <a:extLst>
-                  <a:ext uri="{FF2B5EF4-FFF2-40B4-BE49-F238E27FC236}">
-                    <a16:creationId xmlns:a16="http://schemas.microsoft.com/office/drawing/2014/main" id="{41366C9F-E03F-8447-9424-DC14F24898B7}"/>
-                  </a:ext>
-                </a:extLst>
-              </p14:cNvPr>
-              <p14:cNvContentPartPr/>
-              <p14:nvPr/>
-            </p14:nvContentPartPr>
-            <p14:xfrm>
-              <a:off x="6414052" y="1309293"/>
-              <a:ext cx="20160" cy="79200"/>
-            </p14:xfrm>
-          </p:contentPart>
-        </mc:Choice>
-        <mc:Fallback xmlns="">
-          <p:pic>
-            <p:nvPicPr>
-              <p:cNvPr id="42" name="Ink 41">
-                <a:extLst>
-                  <a:ext uri="{FF2B5EF4-FFF2-40B4-BE49-F238E27FC236}">
-                    <a16:creationId xmlns:a16="http://schemas.microsoft.com/office/drawing/2014/main" id="{41366C9F-E03F-8447-9424-DC14F24898B7}"/>
-                  </a:ext>
-                </a:extLst>
-              </p:cNvPr>
-              <p:cNvPicPr/>
-              <p:nvPr/>
-            </p:nvPicPr>
-            <p:blipFill>
-              <a:blip r:embed="rId69"/>
-              <a:stretch>
-                <a:fillRect/>
-              </a:stretch>
-            </p:blipFill>
-            <p:spPr>
-              <a:xfrm>
-                <a:off x="6405052" y="1300653"/>
-                <a:ext cx="37800" cy="96840"/>
-              </a:xfrm>
-              <a:prstGeom prst="rect">
-                <a:avLst/>
-              </a:prstGeom>
-            </p:spPr>
-          </p:pic>
-        </mc:Fallback>
-      </mc:AlternateContent>
-      <p:grpSp>
-        <p:nvGrpSpPr>
-          <p:cNvPr id="47" name="Group 46">
-            <a:extLst>
-              <a:ext uri="{FF2B5EF4-FFF2-40B4-BE49-F238E27FC236}">
-                <a16:creationId xmlns:a16="http://schemas.microsoft.com/office/drawing/2014/main" id="{4A2B9EC9-9BC9-9347-BC5A-A41C0A58E5CE}"/>
-              </a:ext>
-            </a:extLst>
-          </p:cNvPr>
-          <p:cNvGrpSpPr/>
-          <p:nvPr/>
-        </p:nvGrpSpPr>
-        <p:grpSpPr>
-          <a:xfrm>
-            <a:off x="6452932" y="1025253"/>
-            <a:ext cx="327960" cy="109440"/>
-            <a:chOff x="6452932" y="1025253"/>
-            <a:chExt cx="327960" cy="109440"/>
-          </a:xfrm>
-        </p:grpSpPr>
-        <mc:AlternateContent xmlns:mc="http://schemas.openxmlformats.org/markup-compatibility/2006" xmlns:p14="http://schemas.microsoft.com/office/powerpoint/2010/main">
-          <mc:Choice Requires="p14">
-            <p:contentPart p14:bwMode="auto" r:id="rId70">
-              <p14:nvContentPartPr>
-                <p14:cNvPr id="43" name="Ink 42">
-                  <a:extLst>
-                    <a:ext uri="{FF2B5EF4-FFF2-40B4-BE49-F238E27FC236}">
-                      <a16:creationId xmlns:a16="http://schemas.microsoft.com/office/drawing/2014/main" id="{63DCB02B-6285-D04D-818B-DE4CF58D246E}"/>
-                    </a:ext>
-                  </a:extLst>
-                </p14:cNvPr>
-                <p14:cNvContentPartPr/>
-                <p14:nvPr/>
-              </p14:nvContentPartPr>
-              <p14:xfrm>
-                <a:off x="6721132" y="1090053"/>
-                <a:ext cx="59760" cy="5400"/>
-              </p14:xfrm>
-            </p:contentPart>
-          </mc:Choice>
-          <mc:Fallback xmlns="">
-            <p:pic>
-              <p:nvPicPr>
-                <p:cNvPr id="43" name="Ink 42">
-                  <a:extLst>
-                    <a:ext uri="{FF2B5EF4-FFF2-40B4-BE49-F238E27FC236}">
-                      <a16:creationId xmlns:a16="http://schemas.microsoft.com/office/drawing/2014/main" id="{63DCB02B-6285-D04D-818B-DE4CF58D246E}"/>
-                    </a:ext>
-                  </a:extLst>
-                </p:cNvPr>
-                <p:cNvPicPr/>
-                <p:nvPr/>
-              </p:nvPicPr>
-              <p:blipFill>
-                <a:blip r:embed="rId71"/>
-                <a:stretch>
-                  <a:fillRect/>
-                </a:stretch>
-              </p:blipFill>
-              <p:spPr>
-                <a:xfrm>
-                  <a:off x="6712132" y="1081413"/>
-                  <a:ext cx="77400" cy="23040"/>
-                </a:xfrm>
-                <a:prstGeom prst="rect">
-                  <a:avLst/>
-                </a:prstGeom>
-              </p:spPr>
-            </p:pic>
-          </mc:Fallback>
-        </mc:AlternateContent>
-        <mc:AlternateContent xmlns:mc="http://schemas.openxmlformats.org/markup-compatibility/2006" xmlns:p14="http://schemas.microsoft.com/office/powerpoint/2010/main">
-          <mc:Choice Requires="p14">
-            <p:contentPart p14:bwMode="auto" r:id="rId72">
-              <p14:nvContentPartPr>
-                <p14:cNvPr id="44" name="Ink 43">
-                  <a:extLst>
-                    <a:ext uri="{FF2B5EF4-FFF2-40B4-BE49-F238E27FC236}">
-                      <a16:creationId xmlns:a16="http://schemas.microsoft.com/office/drawing/2014/main" id="{A081584C-B846-8C41-898B-E3C0C8141DCB}"/>
-                    </a:ext>
-                  </a:extLst>
-                </p14:cNvPr>
-                <p14:cNvContentPartPr/>
-                <p14:nvPr/>
-              </p14:nvContentPartPr>
-              <p14:xfrm>
-                <a:off x="6452932" y="1025253"/>
-                <a:ext cx="129960" cy="109440"/>
-              </p14:xfrm>
-            </p:contentPart>
-          </mc:Choice>
-          <mc:Fallback xmlns="">
-            <p:pic>
-              <p:nvPicPr>
-                <p:cNvPr id="44" name="Ink 43">
-                  <a:extLst>
-                    <a:ext uri="{FF2B5EF4-FFF2-40B4-BE49-F238E27FC236}">
-                      <a16:creationId xmlns:a16="http://schemas.microsoft.com/office/drawing/2014/main" id="{A081584C-B846-8C41-898B-E3C0C8141DCB}"/>
-                    </a:ext>
-                  </a:extLst>
-                </p:cNvPr>
-                <p:cNvPicPr/>
-                <p:nvPr/>
-              </p:nvPicPr>
-              <p:blipFill>
-                <a:blip r:embed="rId73"/>
-                <a:stretch>
-                  <a:fillRect/>
-                </a:stretch>
-              </p:blipFill>
-              <p:spPr>
-                <a:xfrm>
-                  <a:off x="6444292" y="1016613"/>
-                  <a:ext cx="147600" cy="127080"/>
-                </a:xfrm>
-                <a:prstGeom prst="rect">
-                  <a:avLst/>
-                </a:prstGeom>
-              </p:spPr>
-            </p:pic>
-          </mc:Fallback>
-        </mc:AlternateContent>
-      </p:grpSp>
-      <mc:AlternateContent xmlns:mc="http://schemas.openxmlformats.org/markup-compatibility/2006" xmlns:p14="http://schemas.microsoft.com/office/powerpoint/2010/main">
-        <mc:Choice Requires="p14">
-          <p:contentPart p14:bwMode="auto" r:id="rId74">
-            <p14:nvContentPartPr>
-              <p14:cNvPr id="45" name="Ink 44">
-                <a:extLst>
-                  <a:ext uri="{FF2B5EF4-FFF2-40B4-BE49-F238E27FC236}">
-                    <a16:creationId xmlns:a16="http://schemas.microsoft.com/office/drawing/2014/main" id="{8B755086-712E-AE47-90B7-3925EDF8A798}"/>
-                  </a:ext>
-                </a:extLst>
-              </p14:cNvPr>
-              <p14:cNvContentPartPr/>
-              <p14:nvPr/>
-            </p14:nvContentPartPr>
-            <p14:xfrm>
-              <a:off x="6743092" y="798453"/>
-              <a:ext cx="116280" cy="2880"/>
-            </p14:xfrm>
-          </p:contentPart>
-        </mc:Choice>
-        <mc:Fallback xmlns="">
-          <p:pic>
-            <p:nvPicPr>
-              <p:cNvPr id="45" name="Ink 44">
-                <a:extLst>
-                  <a:ext uri="{FF2B5EF4-FFF2-40B4-BE49-F238E27FC236}">
-                    <a16:creationId xmlns:a16="http://schemas.microsoft.com/office/drawing/2014/main" id="{8B755086-712E-AE47-90B7-3925EDF8A798}"/>
-                  </a:ext>
-                </a:extLst>
-              </p:cNvPr>
-              <p:cNvPicPr/>
-              <p:nvPr/>
-            </p:nvPicPr>
-            <p:blipFill>
-              <a:blip r:embed="rId75"/>
-              <a:stretch>
-                <a:fillRect/>
-              </a:stretch>
-            </p:blipFill>
-            <p:spPr>
-              <a:xfrm>
-                <a:off x="6734092" y="789813"/>
-                <a:ext cx="133920" cy="20520"/>
-              </a:xfrm>
-              <a:prstGeom prst="rect">
-                <a:avLst/>
-              </a:prstGeom>
-            </p:spPr>
-          </p:pic>
-        </mc:Fallback>
-      </mc:AlternateContent>
-      <mc:AlternateContent xmlns:mc="http://schemas.openxmlformats.org/markup-compatibility/2006" xmlns:p14="http://schemas.microsoft.com/office/powerpoint/2010/main">
-        <mc:Choice Requires="p14">
-          <p:contentPart p14:bwMode="auto" r:id="rId76">
-            <p14:nvContentPartPr>
-              <p14:cNvPr id="46" name="Ink 45">
-                <a:extLst>
-                  <a:ext uri="{FF2B5EF4-FFF2-40B4-BE49-F238E27FC236}">
-                    <a16:creationId xmlns:a16="http://schemas.microsoft.com/office/drawing/2014/main" id="{B4969F50-8DD9-9F48-9C0C-2620C9014F0B}"/>
-                  </a:ext>
-                </a:extLst>
-              </p14:cNvPr>
-              <p14:cNvContentPartPr/>
-              <p14:nvPr/>
-            </p14:nvContentPartPr>
-            <p14:xfrm>
-              <a:off x="6459052" y="760293"/>
-              <a:ext cx="68400" cy="142200"/>
-            </p14:xfrm>
-          </p:contentPart>
-        </mc:Choice>
-        <mc:Fallback xmlns="">
-          <p:pic>
-            <p:nvPicPr>
-              <p:cNvPr id="46" name="Ink 45">
-                <a:extLst>
-                  <a:ext uri="{FF2B5EF4-FFF2-40B4-BE49-F238E27FC236}">
-                    <a16:creationId xmlns:a16="http://schemas.microsoft.com/office/drawing/2014/main" id="{B4969F50-8DD9-9F48-9C0C-2620C9014F0B}"/>
-                  </a:ext>
-                </a:extLst>
-              </p:cNvPr>
-              <p:cNvPicPr/>
-              <p:nvPr/>
-            </p:nvPicPr>
-            <p:blipFill>
-              <a:blip r:embed="rId77"/>
-              <a:stretch>
-                <a:fillRect/>
-              </a:stretch>
-            </p:blipFill>
-            <p:spPr>
-              <a:xfrm>
-                <a:off x="6450412" y="751293"/>
-                <a:ext cx="86040" cy="159840"/>
-              </a:xfrm>
-              <a:prstGeom prst="rect">
-                <a:avLst/>
-              </a:prstGeom>
-            </p:spPr>
-          </p:pic>
-        </mc:Fallback>
-      </mc:AlternateContent>
-      <mc:AlternateContent xmlns:mc="http://schemas.openxmlformats.org/markup-compatibility/2006" xmlns:p14="http://schemas.microsoft.com/office/powerpoint/2010/main">
-        <mc:Choice Requires="p14">
-          <p:contentPart p14:bwMode="auto" r:id="rId78">
-            <p14:nvContentPartPr>
-              <p14:cNvPr id="48" name="Ink 47">
-                <a:extLst>
-                  <a:ext uri="{FF2B5EF4-FFF2-40B4-BE49-F238E27FC236}">
-                    <a16:creationId xmlns:a16="http://schemas.microsoft.com/office/drawing/2014/main" id="{2D20C916-FC92-D44E-8799-EFD2E5609636}"/>
-                  </a:ext>
-                </a:extLst>
-              </p14:cNvPr>
-              <p14:cNvContentPartPr/>
-              <p14:nvPr/>
-            </p14:nvContentPartPr>
-            <p14:xfrm>
-              <a:off x="7186612" y="1342773"/>
-              <a:ext cx="50040" cy="69480"/>
-            </p14:xfrm>
-          </p:contentPart>
-        </mc:Choice>
-        <mc:Fallback xmlns="">
-          <p:pic>
-            <p:nvPicPr>
-              <p:cNvPr id="48" name="Ink 47">
-                <a:extLst>
-                  <a:ext uri="{FF2B5EF4-FFF2-40B4-BE49-F238E27FC236}">
-                    <a16:creationId xmlns:a16="http://schemas.microsoft.com/office/drawing/2014/main" id="{2D20C916-FC92-D44E-8799-EFD2E5609636}"/>
-                  </a:ext>
-                </a:extLst>
-              </p:cNvPr>
-              <p:cNvPicPr/>
-              <p:nvPr/>
-            </p:nvPicPr>
-            <p:blipFill>
-              <a:blip r:embed="rId79"/>
-              <a:stretch>
-                <a:fillRect/>
-              </a:stretch>
-            </p:blipFill>
-            <p:spPr>
-              <a:xfrm>
-                <a:off x="7168612" y="1325133"/>
-                <a:ext cx="85680" cy="105120"/>
-              </a:xfrm>
-              <a:prstGeom prst="rect">
-                <a:avLst/>
-              </a:prstGeom>
-            </p:spPr>
-          </p:pic>
-        </mc:Fallback>
-      </mc:AlternateContent>
-      <mc:AlternateContent xmlns:mc="http://schemas.openxmlformats.org/markup-compatibility/2006" xmlns:p14="http://schemas.microsoft.com/office/powerpoint/2010/main">
-        <mc:Choice Requires="p14">
-          <p:contentPart p14:bwMode="auto" r:id="rId80">
-            <p14:nvContentPartPr>
-              <p14:cNvPr id="49" name="Ink 48">
-                <a:extLst>
-                  <a:ext uri="{FF2B5EF4-FFF2-40B4-BE49-F238E27FC236}">
-                    <a16:creationId xmlns:a16="http://schemas.microsoft.com/office/drawing/2014/main" id="{85A286E9-31B2-424F-BB3D-4BCE4FFD56FE}"/>
-                  </a:ext>
-                </a:extLst>
-              </p14:cNvPr>
-              <p14:cNvContentPartPr/>
-              <p14:nvPr/>
-            </p14:nvContentPartPr>
-            <p14:xfrm>
-              <a:off x="8097052" y="1212813"/>
-              <a:ext cx="29520" cy="44640"/>
-            </p14:xfrm>
-          </p:contentPart>
-        </mc:Choice>
-        <mc:Fallback xmlns="">
-          <p:pic>
-            <p:nvPicPr>
-              <p:cNvPr id="49" name="Ink 48">
-                <a:extLst>
-                  <a:ext uri="{FF2B5EF4-FFF2-40B4-BE49-F238E27FC236}">
-                    <a16:creationId xmlns:a16="http://schemas.microsoft.com/office/drawing/2014/main" id="{85A286E9-31B2-424F-BB3D-4BCE4FFD56FE}"/>
-                  </a:ext>
-                </a:extLst>
-              </p:cNvPr>
-              <p:cNvPicPr/>
-              <p:nvPr/>
-            </p:nvPicPr>
-            <p:blipFill>
-              <a:blip r:embed="rId81"/>
-              <a:stretch>
-                <a:fillRect/>
-              </a:stretch>
-            </p:blipFill>
-            <p:spPr>
-              <a:xfrm>
-                <a:off x="8079052" y="1195173"/>
-                <a:ext cx="65160" cy="80280"/>
-              </a:xfrm>
-              <a:prstGeom prst="rect">
-                <a:avLst/>
-              </a:prstGeom>
-            </p:spPr>
-          </p:pic>
-        </mc:Fallback>
-      </mc:AlternateContent>
-      <p:grpSp>
-        <p:nvGrpSpPr>
-          <p:cNvPr id="56" name="Group 55">
-            <a:extLst>
-              <a:ext uri="{FF2B5EF4-FFF2-40B4-BE49-F238E27FC236}">
-                <a16:creationId xmlns:a16="http://schemas.microsoft.com/office/drawing/2014/main" id="{C564C6F5-3E12-A14C-91CF-C592EA93BC1C}"/>
-              </a:ext>
-            </a:extLst>
-          </p:cNvPr>
-          <p:cNvGrpSpPr/>
-          <p:nvPr/>
-        </p:nvGrpSpPr>
-        <p:grpSpPr>
-          <a:xfrm>
-            <a:off x="7135492" y="1017333"/>
-            <a:ext cx="465840" cy="235800"/>
-            <a:chOff x="7135492" y="1017333"/>
-            <a:chExt cx="465840" cy="235800"/>
-          </a:xfrm>
-        </p:grpSpPr>
-        <mc:AlternateContent xmlns:mc="http://schemas.openxmlformats.org/markup-compatibility/2006" xmlns:p14="http://schemas.microsoft.com/office/powerpoint/2010/main">
-          <mc:Choice Requires="p14">
-            <p:contentPart p14:bwMode="auto" r:id="rId82">
-              <p14:nvContentPartPr>
-                <p14:cNvPr id="50" name="Ink 49">
-                  <a:extLst>
-                    <a:ext uri="{FF2B5EF4-FFF2-40B4-BE49-F238E27FC236}">
-                      <a16:creationId xmlns:a16="http://schemas.microsoft.com/office/drawing/2014/main" id="{075C4470-0E2F-E744-9712-15D1F333830F}"/>
-                    </a:ext>
-                  </a:extLst>
-                </p14:cNvPr>
-                <p14:cNvContentPartPr/>
-                <p14:nvPr/>
-              </p14:nvContentPartPr>
-              <p14:xfrm>
-                <a:off x="7135492" y="1033173"/>
-                <a:ext cx="92160" cy="171360"/>
-              </p14:xfrm>
-            </p:contentPart>
-          </mc:Choice>
-          <mc:Fallback xmlns="">
-            <p:pic>
-              <p:nvPicPr>
-                <p:cNvPr id="50" name="Ink 49">
-                  <a:extLst>
-                    <a:ext uri="{FF2B5EF4-FFF2-40B4-BE49-F238E27FC236}">
-                      <a16:creationId xmlns:a16="http://schemas.microsoft.com/office/drawing/2014/main" id="{075C4470-0E2F-E744-9712-15D1F333830F}"/>
-                    </a:ext>
-                  </a:extLst>
-                </p:cNvPr>
-                <p:cNvPicPr/>
-                <p:nvPr/>
-              </p:nvPicPr>
-              <p:blipFill>
-                <a:blip r:embed="rId83"/>
-                <a:stretch>
-                  <a:fillRect/>
-                </a:stretch>
-              </p:blipFill>
-              <p:spPr>
-                <a:xfrm>
-                  <a:off x="7117492" y="1015533"/>
-                  <a:ext cx="127800" cy="207000"/>
-                </a:xfrm>
-                <a:prstGeom prst="rect">
-                  <a:avLst/>
-                </a:prstGeom>
-              </p:spPr>
-            </p:pic>
-          </mc:Fallback>
-        </mc:AlternateContent>
-        <mc:AlternateContent xmlns:mc="http://schemas.openxmlformats.org/markup-compatibility/2006" xmlns:p14="http://schemas.microsoft.com/office/powerpoint/2010/main">
-          <mc:Choice Requires="p14">
-            <p:contentPart p14:bwMode="auto" r:id="rId84">
-              <p14:nvContentPartPr>
-                <p14:cNvPr id="51" name="Ink 50">
-                  <a:extLst>
-                    <a:ext uri="{FF2B5EF4-FFF2-40B4-BE49-F238E27FC236}">
-                      <a16:creationId xmlns:a16="http://schemas.microsoft.com/office/drawing/2014/main" id="{AE63F08A-67D7-F440-9DED-0F9F9CE640DB}"/>
-                    </a:ext>
-                  </a:extLst>
-                </p14:cNvPr>
-                <p14:cNvContentPartPr/>
-                <p14:nvPr/>
-              </p14:nvContentPartPr>
-              <p14:xfrm>
-                <a:off x="7308292" y="1017333"/>
-                <a:ext cx="26640" cy="193680"/>
-              </p14:xfrm>
-            </p:contentPart>
-          </mc:Choice>
-          <mc:Fallback xmlns="">
-            <p:pic>
-              <p:nvPicPr>
-                <p:cNvPr id="51" name="Ink 50">
-                  <a:extLst>
-                    <a:ext uri="{FF2B5EF4-FFF2-40B4-BE49-F238E27FC236}">
-                      <a16:creationId xmlns:a16="http://schemas.microsoft.com/office/drawing/2014/main" id="{AE63F08A-67D7-F440-9DED-0F9F9CE640DB}"/>
-                    </a:ext>
-                  </a:extLst>
-                </p:cNvPr>
-                <p:cNvPicPr/>
-                <p:nvPr/>
-              </p:nvPicPr>
-              <p:blipFill>
-                <a:blip r:embed="rId85"/>
-                <a:stretch>
-                  <a:fillRect/>
-                </a:stretch>
-              </p:blipFill>
-              <p:spPr>
-                <a:xfrm>
-                  <a:off x="7290652" y="999333"/>
-                  <a:ext cx="62280" cy="229320"/>
-                </a:xfrm>
-                <a:prstGeom prst="rect">
-                  <a:avLst/>
-                </a:prstGeom>
-              </p:spPr>
-            </p:pic>
-          </mc:Fallback>
-        </mc:AlternateContent>
-        <mc:AlternateContent xmlns:mc="http://schemas.openxmlformats.org/markup-compatibility/2006" xmlns:p14="http://schemas.microsoft.com/office/powerpoint/2010/main">
-          <mc:Choice Requires="p14">
-            <p:contentPart p14:bwMode="auto" r:id="rId86">
-              <p14:nvContentPartPr>
-                <p14:cNvPr id="52" name="Ink 51">
-                  <a:extLst>
-                    <a:ext uri="{FF2B5EF4-FFF2-40B4-BE49-F238E27FC236}">
-                      <a16:creationId xmlns:a16="http://schemas.microsoft.com/office/drawing/2014/main" id="{A9D00E11-F6A0-6444-9916-3EC54C9F91B7}"/>
-                    </a:ext>
-                  </a:extLst>
-                </p14:cNvPr>
-                <p14:cNvContentPartPr/>
-                <p14:nvPr/>
-              </p14:nvContentPartPr>
-              <p14:xfrm>
-                <a:off x="7284532" y="1205613"/>
-                <a:ext cx="66600" cy="47520"/>
-              </p14:xfrm>
-            </p:contentPart>
-          </mc:Choice>
-          <mc:Fallback xmlns="">
-            <p:pic>
-              <p:nvPicPr>
-                <p:cNvPr id="52" name="Ink 51">
-                  <a:extLst>
-                    <a:ext uri="{FF2B5EF4-FFF2-40B4-BE49-F238E27FC236}">
-                      <a16:creationId xmlns:a16="http://schemas.microsoft.com/office/drawing/2014/main" id="{A9D00E11-F6A0-6444-9916-3EC54C9F91B7}"/>
-                    </a:ext>
-                  </a:extLst>
-                </p:cNvPr>
-                <p:cNvPicPr/>
-                <p:nvPr/>
-              </p:nvPicPr>
-              <p:blipFill>
-                <a:blip r:embed="rId87"/>
-                <a:stretch>
-                  <a:fillRect/>
-                </a:stretch>
-              </p:blipFill>
-              <p:spPr>
-                <a:xfrm>
-                  <a:off x="7266532" y="1187973"/>
-                  <a:ext cx="102240" cy="83160"/>
-                </a:xfrm>
-                <a:prstGeom prst="rect">
-                  <a:avLst/>
-                </a:prstGeom>
-              </p:spPr>
-            </p:pic>
-          </mc:Fallback>
-        </mc:AlternateContent>
-        <mc:AlternateContent xmlns:mc="http://schemas.openxmlformats.org/markup-compatibility/2006" xmlns:p14="http://schemas.microsoft.com/office/powerpoint/2010/main">
-          <mc:Choice Requires="p14">
-            <p:contentPart p14:bwMode="auto" r:id="rId88">
-              <p14:nvContentPartPr>
-                <p14:cNvPr id="53" name="Ink 52">
-                  <a:extLst>
-                    <a:ext uri="{FF2B5EF4-FFF2-40B4-BE49-F238E27FC236}">
-                      <a16:creationId xmlns:a16="http://schemas.microsoft.com/office/drawing/2014/main" id="{7DB959BB-FCC2-374D-B9C2-1E2DE12BB3BA}"/>
-                    </a:ext>
-                  </a:extLst>
-                </p14:cNvPr>
-                <p14:cNvContentPartPr/>
-                <p14:nvPr/>
-              </p14:nvContentPartPr>
-              <p14:xfrm>
-                <a:off x="7469212" y="1028133"/>
-                <a:ext cx="33120" cy="187200"/>
-              </p14:xfrm>
-            </p:contentPart>
-          </mc:Choice>
-          <mc:Fallback xmlns="">
-            <p:pic>
-              <p:nvPicPr>
-                <p:cNvPr id="53" name="Ink 52">
-                  <a:extLst>
-                    <a:ext uri="{FF2B5EF4-FFF2-40B4-BE49-F238E27FC236}">
-                      <a16:creationId xmlns:a16="http://schemas.microsoft.com/office/drawing/2014/main" id="{7DB959BB-FCC2-374D-B9C2-1E2DE12BB3BA}"/>
-                    </a:ext>
-                  </a:extLst>
-                </p:cNvPr>
-                <p:cNvPicPr/>
-                <p:nvPr/>
-              </p:nvPicPr>
-              <p:blipFill>
-                <a:blip r:embed="rId89"/>
-                <a:stretch>
-                  <a:fillRect/>
-                </a:stretch>
-              </p:blipFill>
-              <p:spPr>
-                <a:xfrm>
-                  <a:off x="7451572" y="1010493"/>
-                  <a:ext cx="68760" cy="222840"/>
-                </a:xfrm>
-                <a:prstGeom prst="rect">
-                  <a:avLst/>
-                </a:prstGeom>
-              </p:spPr>
-            </p:pic>
-          </mc:Fallback>
-        </mc:AlternateContent>
-        <mc:AlternateContent xmlns:mc="http://schemas.openxmlformats.org/markup-compatibility/2006" xmlns:p14="http://schemas.microsoft.com/office/powerpoint/2010/main">
-          <mc:Choice Requires="p14">
-            <p:contentPart p14:bwMode="auto" r:id="rId90">
-              <p14:nvContentPartPr>
-                <p14:cNvPr id="54" name="Ink 53">
-                  <a:extLst>
-                    <a:ext uri="{FF2B5EF4-FFF2-40B4-BE49-F238E27FC236}">
-                      <a16:creationId xmlns:a16="http://schemas.microsoft.com/office/drawing/2014/main" id="{83756425-4249-224A-AA72-4452A5242085}"/>
-                    </a:ext>
-                  </a:extLst>
-                </p14:cNvPr>
-                <p14:cNvContentPartPr/>
-                <p14:nvPr/>
-              </p14:nvContentPartPr>
-              <p14:xfrm>
-                <a:off x="7543732" y="1070253"/>
-                <a:ext cx="57600" cy="164160"/>
-              </p14:xfrm>
-            </p:contentPart>
-          </mc:Choice>
-          <mc:Fallback xmlns="">
-            <p:pic>
-              <p:nvPicPr>
-                <p:cNvPr id="54" name="Ink 53">
-                  <a:extLst>
-                    <a:ext uri="{FF2B5EF4-FFF2-40B4-BE49-F238E27FC236}">
-                      <a16:creationId xmlns:a16="http://schemas.microsoft.com/office/drawing/2014/main" id="{83756425-4249-224A-AA72-4452A5242085}"/>
-                    </a:ext>
-                  </a:extLst>
-                </p:cNvPr>
-                <p:cNvPicPr/>
-                <p:nvPr/>
-              </p:nvPicPr>
-              <p:blipFill>
-                <a:blip r:embed="rId91"/>
-                <a:stretch>
-                  <a:fillRect/>
-                </a:stretch>
-              </p:blipFill>
-              <p:spPr>
-                <a:xfrm>
-                  <a:off x="7525732" y="1052613"/>
-                  <a:ext cx="93240" cy="199800"/>
-                </a:xfrm>
-                <a:prstGeom prst="rect">
-                  <a:avLst/>
-                </a:prstGeom>
-              </p:spPr>
-            </p:pic>
-          </mc:Fallback>
-        </mc:AlternateContent>
-      </p:grpSp>
-      <mc:AlternateContent xmlns:mc="http://schemas.openxmlformats.org/markup-compatibility/2006" xmlns:p14="http://schemas.microsoft.com/office/powerpoint/2010/main">
-        <mc:Choice Requires="p14">
-          <p:contentPart p14:bwMode="auto" r:id="rId92">
-            <p14:nvContentPartPr>
-              <p14:cNvPr id="55" name="Ink 54">
-                <a:extLst>
-                  <a:ext uri="{FF2B5EF4-FFF2-40B4-BE49-F238E27FC236}">
-                    <a16:creationId xmlns:a16="http://schemas.microsoft.com/office/drawing/2014/main" id="{0464C5F9-F090-7345-9734-EF6262555099}"/>
-                  </a:ext>
-                </a:extLst>
-              </p14:cNvPr>
-              <p14:cNvContentPartPr/>
-              <p14:nvPr/>
-            </p14:nvContentPartPr>
-            <p14:xfrm>
-              <a:off x="8175892" y="998973"/>
-              <a:ext cx="80640" cy="150480"/>
-            </p14:xfrm>
-          </p:contentPart>
-        </mc:Choice>
-        <mc:Fallback xmlns="">
-          <p:pic>
-            <p:nvPicPr>
-              <p:cNvPr id="55" name="Ink 54">
-                <a:extLst>
-                  <a:ext uri="{FF2B5EF4-FFF2-40B4-BE49-F238E27FC236}">
-                    <a16:creationId xmlns:a16="http://schemas.microsoft.com/office/drawing/2014/main" id="{0464C5F9-F090-7345-9734-EF6262555099}"/>
-                  </a:ext>
-                </a:extLst>
-              </p:cNvPr>
-              <p:cNvPicPr/>
-              <p:nvPr/>
-            </p:nvPicPr>
-            <p:blipFill>
-              <a:blip r:embed="rId93"/>
-              <a:stretch>
-                <a:fillRect/>
-              </a:stretch>
-            </p:blipFill>
-            <p:spPr>
-              <a:xfrm>
-                <a:off x="8158252" y="980973"/>
-                <a:ext cx="116280" cy="186120"/>
-              </a:xfrm>
-              <a:prstGeom prst="rect">
-                <a:avLst/>
-              </a:prstGeom>
-            </p:spPr>
-          </p:pic>
-        </mc:Fallback>
-      </mc:AlternateContent>
-      <p:grpSp>
-        <p:nvGrpSpPr>
-          <p:cNvPr id="62" name="Group 61">
-            <a:extLst>
-              <a:ext uri="{FF2B5EF4-FFF2-40B4-BE49-F238E27FC236}">
-                <a16:creationId xmlns:a16="http://schemas.microsoft.com/office/drawing/2014/main" id="{11C6985E-9EB1-074E-B096-FB5CB0B30360}"/>
-              </a:ext>
-            </a:extLst>
-          </p:cNvPr>
-          <p:cNvGrpSpPr/>
-          <p:nvPr/>
-        </p:nvGrpSpPr>
-        <p:grpSpPr>
-          <a:xfrm>
-            <a:off x="8263732" y="1037133"/>
-            <a:ext cx="471240" cy="262800"/>
-            <a:chOff x="8263732" y="1037133"/>
-            <a:chExt cx="471240" cy="262800"/>
-          </a:xfrm>
-        </p:grpSpPr>
-        <mc:AlternateContent xmlns:mc="http://schemas.openxmlformats.org/markup-compatibility/2006" xmlns:p14="http://schemas.microsoft.com/office/powerpoint/2010/main">
-          <mc:Choice Requires="p14">
-            <p:contentPart p14:bwMode="auto" r:id="rId94">
-              <p14:nvContentPartPr>
-                <p14:cNvPr id="57" name="Ink 56">
-                  <a:extLst>
-                    <a:ext uri="{FF2B5EF4-FFF2-40B4-BE49-F238E27FC236}">
-                      <a16:creationId xmlns:a16="http://schemas.microsoft.com/office/drawing/2014/main" id="{682AE48E-EB46-0144-AAE5-3CB106CFB948}"/>
-                    </a:ext>
-                  </a:extLst>
-                </p14:cNvPr>
-                <p14:cNvContentPartPr/>
-                <p14:nvPr/>
-              </p14:nvContentPartPr>
-              <p14:xfrm>
-                <a:off x="8263732" y="1075653"/>
-                <a:ext cx="106200" cy="164160"/>
-              </p14:xfrm>
-            </p:contentPart>
-          </mc:Choice>
-          <mc:Fallback xmlns="">
-            <p:pic>
-              <p:nvPicPr>
-                <p:cNvPr id="57" name="Ink 56">
-                  <a:extLst>
-                    <a:ext uri="{FF2B5EF4-FFF2-40B4-BE49-F238E27FC236}">
-                      <a16:creationId xmlns:a16="http://schemas.microsoft.com/office/drawing/2014/main" id="{682AE48E-EB46-0144-AAE5-3CB106CFB948}"/>
-                    </a:ext>
-                  </a:extLst>
-                </p:cNvPr>
-                <p:cNvPicPr/>
-                <p:nvPr/>
-              </p:nvPicPr>
-              <p:blipFill>
-                <a:blip r:embed="rId95"/>
-                <a:stretch>
-                  <a:fillRect/>
-                </a:stretch>
-              </p:blipFill>
-              <p:spPr>
-                <a:xfrm>
-                  <a:off x="8246092" y="1057653"/>
-                  <a:ext cx="141840" cy="199800"/>
-                </a:xfrm>
-                <a:prstGeom prst="rect">
-                  <a:avLst/>
-                </a:prstGeom>
-              </p:spPr>
-            </p:pic>
-          </mc:Fallback>
-        </mc:AlternateContent>
-        <mc:AlternateContent xmlns:mc="http://schemas.openxmlformats.org/markup-compatibility/2006" xmlns:p14="http://schemas.microsoft.com/office/powerpoint/2010/main">
-          <mc:Choice Requires="p14">
-            <p:contentPart p14:bwMode="auto" r:id="rId96">
-              <p14:nvContentPartPr>
-                <p14:cNvPr id="58" name="Ink 57">
-                  <a:extLst>
-                    <a:ext uri="{FF2B5EF4-FFF2-40B4-BE49-F238E27FC236}">
-                      <a16:creationId xmlns:a16="http://schemas.microsoft.com/office/drawing/2014/main" id="{54C81825-BE3A-A946-99C6-5CA922C9264D}"/>
-                    </a:ext>
-                  </a:extLst>
-                </p14:cNvPr>
-                <p14:cNvContentPartPr/>
-                <p14:nvPr/>
-              </p14:nvContentPartPr>
-              <p14:xfrm>
-                <a:off x="8327092" y="1037133"/>
-                <a:ext cx="42120" cy="7560"/>
-              </p14:xfrm>
-            </p:contentPart>
-          </mc:Choice>
-          <mc:Fallback xmlns="">
-            <p:pic>
-              <p:nvPicPr>
-                <p:cNvPr id="58" name="Ink 57">
-                  <a:extLst>
-                    <a:ext uri="{FF2B5EF4-FFF2-40B4-BE49-F238E27FC236}">
-                      <a16:creationId xmlns:a16="http://schemas.microsoft.com/office/drawing/2014/main" id="{54C81825-BE3A-A946-99C6-5CA922C9264D}"/>
-                    </a:ext>
-                  </a:extLst>
-                </p:cNvPr>
-                <p:cNvPicPr/>
-                <p:nvPr/>
-              </p:nvPicPr>
-              <p:blipFill>
-                <a:blip r:embed="rId97"/>
-                <a:stretch>
-                  <a:fillRect/>
-                </a:stretch>
-              </p:blipFill>
-              <p:spPr>
-                <a:xfrm>
-                  <a:off x="8309092" y="1019133"/>
-                  <a:ext cx="77760" cy="43200"/>
-                </a:xfrm>
-                <a:prstGeom prst="rect">
-                  <a:avLst/>
-                </a:prstGeom>
-              </p:spPr>
-            </p:pic>
-          </mc:Fallback>
-        </mc:AlternateContent>
-        <mc:AlternateContent xmlns:mc="http://schemas.openxmlformats.org/markup-compatibility/2006" xmlns:p14="http://schemas.microsoft.com/office/powerpoint/2010/main">
-          <mc:Choice Requires="p14">
-            <p:contentPart p14:bwMode="auto" r:id="rId98">
-              <p14:nvContentPartPr>
-                <p14:cNvPr id="59" name="Ink 58">
-                  <a:extLst>
-                    <a:ext uri="{FF2B5EF4-FFF2-40B4-BE49-F238E27FC236}">
-                      <a16:creationId xmlns:a16="http://schemas.microsoft.com/office/drawing/2014/main" id="{A234EF2E-8F6B-6743-BC15-A1B252173384}"/>
-                    </a:ext>
-                  </a:extLst>
-                </p14:cNvPr>
-                <p14:cNvContentPartPr/>
-                <p14:nvPr/>
-              </p14:nvContentPartPr>
-              <p14:xfrm>
-                <a:off x="8397652" y="1203453"/>
-                <a:ext cx="28440" cy="38520"/>
-              </p14:xfrm>
-            </p:contentPart>
-          </mc:Choice>
-          <mc:Fallback xmlns="">
-            <p:pic>
-              <p:nvPicPr>
-                <p:cNvPr id="59" name="Ink 58">
-                  <a:extLst>
-                    <a:ext uri="{FF2B5EF4-FFF2-40B4-BE49-F238E27FC236}">
-                      <a16:creationId xmlns:a16="http://schemas.microsoft.com/office/drawing/2014/main" id="{A234EF2E-8F6B-6743-BC15-A1B252173384}"/>
-                    </a:ext>
-                  </a:extLst>
-                </p:cNvPr>
-                <p:cNvPicPr/>
-                <p:nvPr/>
-              </p:nvPicPr>
-              <p:blipFill>
-                <a:blip r:embed="rId99"/>
-                <a:stretch>
-                  <a:fillRect/>
-                </a:stretch>
-              </p:blipFill>
-              <p:spPr>
-                <a:xfrm>
-                  <a:off x="8380012" y="1185453"/>
-                  <a:ext cx="64080" cy="74160"/>
-                </a:xfrm>
-                <a:prstGeom prst="rect">
-                  <a:avLst/>
-                </a:prstGeom>
-              </p:spPr>
-            </p:pic>
-          </mc:Fallback>
-        </mc:AlternateContent>
-        <mc:AlternateContent xmlns:mc="http://schemas.openxmlformats.org/markup-compatibility/2006" xmlns:p14="http://schemas.microsoft.com/office/powerpoint/2010/main">
-          <mc:Choice Requires="p14">
-            <p:contentPart p14:bwMode="auto" r:id="rId100">
-              <p14:nvContentPartPr>
-                <p14:cNvPr id="60" name="Ink 59">
-                  <a:extLst>
-                    <a:ext uri="{FF2B5EF4-FFF2-40B4-BE49-F238E27FC236}">
-                      <a16:creationId xmlns:a16="http://schemas.microsoft.com/office/drawing/2014/main" id="{4FDC0AF9-917D-8D41-B2A2-A3FFED28CE6A}"/>
-                    </a:ext>
-                  </a:extLst>
-                </p14:cNvPr>
-                <p14:cNvContentPartPr/>
-                <p14:nvPr/>
-              </p14:nvContentPartPr>
-              <p14:xfrm>
-                <a:off x="8502412" y="1090053"/>
-                <a:ext cx="100080" cy="140400"/>
-              </p14:xfrm>
-            </p:contentPart>
-          </mc:Choice>
-          <mc:Fallback xmlns="">
-            <p:pic>
-              <p:nvPicPr>
-                <p:cNvPr id="60" name="Ink 59">
-                  <a:extLst>
-                    <a:ext uri="{FF2B5EF4-FFF2-40B4-BE49-F238E27FC236}">
-                      <a16:creationId xmlns:a16="http://schemas.microsoft.com/office/drawing/2014/main" id="{4FDC0AF9-917D-8D41-B2A2-A3FFED28CE6A}"/>
-                    </a:ext>
-                  </a:extLst>
-                </p:cNvPr>
-                <p:cNvPicPr/>
-                <p:nvPr/>
-              </p:nvPicPr>
-              <p:blipFill>
-                <a:blip r:embed="rId101"/>
-                <a:stretch>
-                  <a:fillRect/>
-                </a:stretch>
-              </p:blipFill>
-              <p:spPr>
-                <a:xfrm>
-                  <a:off x="8484772" y="1072413"/>
-                  <a:ext cx="135720" cy="176040"/>
-                </a:xfrm>
-                <a:prstGeom prst="rect">
-                  <a:avLst/>
-                </a:prstGeom>
-              </p:spPr>
-            </p:pic>
-          </mc:Fallback>
-        </mc:AlternateContent>
-        <mc:AlternateContent xmlns:mc="http://schemas.openxmlformats.org/markup-compatibility/2006" xmlns:p14="http://schemas.microsoft.com/office/powerpoint/2010/main">
-          <mc:Choice Requires="p14">
-            <p:contentPart p14:bwMode="auto" r:id="rId102">
-              <p14:nvContentPartPr>
-                <p14:cNvPr id="61" name="Ink 60">
-                  <a:extLst>
-                    <a:ext uri="{FF2B5EF4-FFF2-40B4-BE49-F238E27FC236}">
-                      <a16:creationId xmlns:a16="http://schemas.microsoft.com/office/drawing/2014/main" id="{BC47D027-CC63-A54E-AD95-8E372E9E302C}"/>
-                    </a:ext>
-                  </a:extLst>
-                </p14:cNvPr>
-                <p14:cNvContentPartPr/>
-                <p14:nvPr/>
-              </p14:nvContentPartPr>
-              <p14:xfrm>
-                <a:off x="8678812" y="1063053"/>
-                <a:ext cx="56160" cy="236880"/>
-              </p14:xfrm>
-            </p:contentPart>
-          </mc:Choice>
-          <mc:Fallback xmlns="">
-            <p:pic>
-              <p:nvPicPr>
-                <p:cNvPr id="61" name="Ink 60">
-                  <a:extLst>
-                    <a:ext uri="{FF2B5EF4-FFF2-40B4-BE49-F238E27FC236}">
-                      <a16:creationId xmlns:a16="http://schemas.microsoft.com/office/drawing/2014/main" id="{BC47D027-CC63-A54E-AD95-8E372E9E302C}"/>
-                    </a:ext>
-                  </a:extLst>
-                </p:cNvPr>
-                <p:cNvPicPr/>
-                <p:nvPr/>
-              </p:nvPicPr>
-              <p:blipFill>
-                <a:blip r:embed="rId103"/>
-                <a:stretch>
-                  <a:fillRect/>
-                </a:stretch>
-              </p:blipFill>
-              <p:spPr>
-                <a:xfrm>
-                  <a:off x="8661172" y="1045413"/>
-                  <a:ext cx="91800" cy="272520"/>
-                </a:xfrm>
-                <a:prstGeom prst="rect">
-                  <a:avLst/>
-                </a:prstGeom>
-              </p:spPr>
-            </p:pic>
-          </mc:Fallback>
-        </mc:AlternateContent>
-      </p:grpSp>
+          <p:cNvGraphicFramePr>
+            <a:graphicFrameLocks noChangeAspect="1"/>
+          </p:cNvGraphicFramePr>
+          <p:nvPr>
+            <p:ph sz="quarter" idx="1"/>
+          </p:nvPr>
+        </p:nvGraphicFramePr>
+        <p:xfrm>
+          <a:off x="1189038" y="2708275"/>
+          <a:ext cx="6407150" cy="1165225"/>
+        </p:xfrm>
+        <a:graphic>
+          <a:graphicData uri="http://schemas.openxmlformats.org/presentationml/2006/ole">
+            <mc:AlternateContent xmlns:mc="http://schemas.openxmlformats.org/markup-compatibility/2006">
+              <mc:Choice xmlns:v="urn:schemas-microsoft-com:vml" Requires="v">
+                <p:oleObj name="RFFlow" r:id="rId3" imgW="3175000" imgH="584200" progId="RFFlow4">
+                  <p:embed/>
+                </p:oleObj>
+              </mc:Choice>
+              <mc:Fallback>
+                <p:oleObj name="RFFlow" r:id="rId3" imgW="3175000" imgH="584200" progId="RFFlow4">
+                  <p:embed/>
+                  <p:pic>
+                    <p:nvPicPr>
+                      <p:cNvPr id="2050" name="Object 4">
+                        <a:extLst>
+                          <a:ext uri="{FF2B5EF4-FFF2-40B4-BE49-F238E27FC236}">
+                            <a16:creationId xmlns:a16="http://schemas.microsoft.com/office/drawing/2014/main" id="{1DBDA9BA-DA77-15CA-1D0A-CABB0F8B85B8}"/>
+                          </a:ext>
+                        </a:extLst>
+                      </p:cNvPr>
+                      <p:cNvPicPr>
+                        <a:picLocks noChangeAspect="1" noChangeArrowheads="1"/>
+                      </p:cNvPicPr>
+                      <p:nvPr/>
+                    </p:nvPicPr>
+                    <p:blipFill>
+                      <a:blip r:embed="rId4">
+                        <a:extLst>
+                          <a:ext uri="{28A0092B-C50C-407E-A947-70E740481C1C}">
+                            <a14:useLocalDpi xmlns:a14="http://schemas.microsoft.com/office/drawing/2010/main" val="0"/>
+                          </a:ext>
+                        </a:extLst>
+                      </a:blip>
+                      <a:srcRect/>
+                      <a:stretch>
+                        <a:fillRect/>
+                      </a:stretch>
+                    </p:blipFill>
+                    <p:spPr bwMode="auto">
+                      <a:xfrm>
+                        <a:off x="1189038" y="2708275"/>
+                        <a:ext cx="6407150" cy="1165225"/>
+                      </a:xfrm>
+                      <a:prstGeom prst="rect">
+                        <a:avLst/>
+                      </a:prstGeom>
+                      <a:solidFill>
+                        <a:srgbClr val="CCFFCC"/>
+                      </a:solidFill>
+                      <a:ln>
+                        <a:noFill/>
+                      </a:ln>
+                      <a:effectLst/>
+                      <a:extLst>
+                        <a:ext uri="{91240B29-F687-4F45-9708-019B960494DF}">
+                          <a14:hiddenLine xmlns:a14="http://schemas.microsoft.com/office/drawing/2010/main" w="9525">
+                            <a:solidFill>
+                              <a:srgbClr val="000000"/>
+                            </a:solidFill>
+                            <a:miter lim="800000"/>
+                            <a:headEnd/>
+                            <a:tailEnd/>
+                          </a14:hiddenLine>
+                        </a:ext>
+                        <a:ext uri="{AF507438-7753-43E0-B8FC-AC1667EBCBE1}">
+                          <a14:hiddenEffects xmlns:a14="http://schemas.microsoft.com/office/drawing/2010/main">
+                            <a:effectLst>
+                              <a:outerShdw dist="35921" dir="2700000" algn="ctr" rotWithShape="0">
+                                <a:srgbClr val="808080"/>
+                              </a:outerShdw>
+                            </a:effectLst>
+                          </a14:hiddenEffects>
+                        </a:ext>
+                      </a:extLst>
+                    </p:spPr>
+                  </p:pic>
+                </p:oleObj>
+              </mc:Fallback>
+            </mc:AlternateContent>
+          </a:graphicData>
+        </a:graphic>
+      </p:graphicFrame>
     </p:spTree>
+    <p:extLst>
+      <p:ext uri="{BB962C8B-B14F-4D97-AF65-F5344CB8AC3E}">
+        <p14:creationId xmlns:p14="http://schemas.microsoft.com/office/powerpoint/2010/main" val="3240132423"/>
+      </p:ext>
+    </p:extLst>
   </p:cSld>
   <p:clrMapOvr>
     <a:masterClrMapping/>
@@ -14286,43 +10943,21 @@
                 <a:latin typeface="Courier New" pitchFamily="49" charset="0"/>
                 <a:cs typeface="Courier New" pitchFamily="49" charset="0"/>
               </a:rPr>
-              <a:t>	 public:</a:t>
-            </a:r>
-          </a:p>
-          <a:p>
-            <a:pPr marL="1200150" lvl="3" indent="-342900">
-              <a:buNone/>
-              <a:defRPr/>
-            </a:pPr>
-            <a:r>
-              <a:rPr lang="en-US" sz="1400" dirty="0">
+              <a:t>	 </a:t>
+            </a:r>
+            <a:r>
+              <a:rPr lang="en-US" sz="1800" dirty="0">
                 <a:solidFill>
                   <a:schemeClr val="accent4"/>
                 </a:solidFill>
                 <a:latin typeface="Courier New" pitchFamily="49" charset="0"/>
                 <a:cs typeface="Courier New" pitchFamily="49" charset="0"/>
               </a:rPr>
-              <a:t>		string name;</a:t>
+              <a:t>public:</a:t>
             </a:r>
           </a:p>
           <a:p>
             <a:pPr marL="1200150" lvl="3" indent="-342900">
-              <a:buNone/>
-              <a:defRPr/>
-            </a:pPr>
-            <a:r>
-              <a:rPr lang="en-US" sz="1400" dirty="0">
-                <a:solidFill>
-                  <a:schemeClr val="accent4"/>
-                </a:solidFill>
-                <a:latin typeface="Courier New" pitchFamily="49" charset="0"/>
-                <a:cs typeface="Courier New" pitchFamily="49" charset="0"/>
-              </a:rPr>
-              <a:t>		int id;</a:t>
-            </a:r>
-          </a:p>
-          <a:p>
-            <a:pPr marL="1657350" lvl="4" indent="-342900">
               <a:buNone/>
               <a:defRPr/>
             </a:pPr>
@@ -14334,7 +10969,39 @@
                 <a:latin typeface="Courier New" pitchFamily="49" charset="0"/>
                 <a:cs typeface="Courier New" pitchFamily="49" charset="0"/>
               </a:rPr>
-              <a:t>int </a:t>
+              <a:t>	string name;</a:t>
+            </a:r>
+          </a:p>
+          <a:p>
+            <a:pPr marL="1200150" lvl="3" indent="-342900">
+              <a:buNone/>
+              <a:defRPr/>
+            </a:pPr>
+            <a:r>
+              <a:rPr lang="en-US" dirty="0">
+                <a:solidFill>
+                  <a:schemeClr val="accent4"/>
+                </a:solidFill>
+                <a:latin typeface="Courier New" pitchFamily="49" charset="0"/>
+                <a:cs typeface="Courier New" pitchFamily="49" charset="0"/>
+              </a:rPr>
+              <a:t>	int id;</a:t>
+            </a:r>
+          </a:p>
+          <a:p>
+            <a:pPr marL="1200150" lvl="3" indent="-342900">
+              <a:buNone/>
+              <a:defRPr/>
+            </a:pPr>
+            <a:r>
+              <a:rPr lang="en-US" dirty="0">
+                <a:solidFill>
+                  <a:schemeClr val="accent4"/>
+                </a:solidFill>
+                <a:latin typeface="Courier New" pitchFamily="49" charset="0"/>
+                <a:cs typeface="Courier New" pitchFamily="49" charset="0"/>
+              </a:rPr>
+              <a:t>	int </a:t>
             </a:r>
             <a:r>
               <a:rPr lang="en-US" dirty="0" err="1">
@@ -14375,7 +11042,8 @@
             </a:r>
           </a:p>
           <a:p>
-            <a:pPr lvl="1">
+            <a:pPr marL="457200" lvl="1" indent="0">
+              <a:buNone/>
               <a:defRPr/>
             </a:pPr>
             <a:endParaRPr lang="en-US" dirty="0"/>
